--- a/PRESENTACION ENTREGABLES 2/Entregables 2.pptx
+++ b/PRESENTACION ENTREGABLES 2/Entregables 2.pptx
@@ -320,7 +320,7 @@
       </p15:sldGuideLst>
     </p:ext>
     <p:ext uri="GoogleSlidesCustomDataVersion2">
-      <go:slidesCustomData xmlns="" xmlns:mc="http://schemas.openxmlformats.org/markup-compatibility/2006" xmlns:mv="urn:schemas-microsoft-com:mac:vml" xmlns:c="http://schemas.openxmlformats.org/drawingml/2006/chart" xmlns:dgm="http://schemas.openxmlformats.org/drawingml/2006/diagram" xmlns:o="urn:schemas-microsoft-com:office:office" xmlns:v="urn:schemas-microsoft-com:vml" xmlns:pvml="urn:schemas-microsoft-com:office:powerpoint" xmlns:com="http://schemas.openxmlformats.org/drawingml/2006/compatibility" xmlns:p14="http://schemas.microsoft.com/office/powerpoint/2010/main" xmlns:p15="http://schemas.microsoft.com/office/powerpoint/2012/main" xmlns:ahyp="http://schemas.microsoft.com/office/drawing/2018/hyperlinkcolor" xmlns:go="http://customooxmlschemas.google.com/" r:id="rId51" roundtripDataSignature="AMtx7mi7HwvW2x/uPdzjakfDI4jAB7LRKg=="/>
+      <go:slidesCustomData xmlns:go="http://customooxmlschemas.google.com/" xmlns:ahyp="http://schemas.microsoft.com/office/drawing/2018/hyperlinkcolor" xmlns:p15="http://schemas.microsoft.com/office/powerpoint/2012/main" xmlns:p14="http://schemas.microsoft.com/office/powerpoint/2010/main" xmlns:com="http://schemas.openxmlformats.org/drawingml/2006/compatibility" xmlns:pvml="urn:schemas-microsoft-com:office:powerpoint" xmlns:v="urn:schemas-microsoft-com:vml" xmlns:o="urn:schemas-microsoft-com:office:office" xmlns:dgm="http://schemas.openxmlformats.org/drawingml/2006/diagram" xmlns:c="http://schemas.openxmlformats.org/drawingml/2006/chart" xmlns:mv="urn:schemas-microsoft-com:mac:vml" xmlns:mc="http://schemas.openxmlformats.org/markup-compatibility/2006" xmlns="" r:id="rId51" roundtripDataSignature="AMtx7mi7HwvW2x/uPdzjakfDI4jAB7LRKg=="/>
     </p:ext>
   </p:extLst>
 </p:presentation>
@@ -25411,7 +25411,7 @@
         <p:spPr>
           <a:xfrm>
             <a:off x="1118587" y="1236058"/>
-            <a:ext cx="9759518" cy="5179744"/>
+            <a:ext cx="9759518" cy="4614325"/>
           </a:xfrm>
           <a:prstGeom prst="rect">
             <a:avLst/>

--- a/PRESENTACION ENTREGABLES 2/Entregables 2.pptx
+++ b/PRESENTACION ENTREGABLES 2/Entregables 2.pptx
@@ -5,7 +5,7 @@
     <p:sldMasterId id="2147483648" r:id="rId1"/>
   </p:sldMasterIdLst>
   <p:notesMasterIdLst>
-    <p:notesMasterId r:id="rId38"/>
+    <p:notesMasterId r:id="rId30"/>
   </p:notesMasterIdLst>
   <p:sldIdLst>
     <p:sldId id="256" r:id="rId2"/>
@@ -17,57 +17,42 @@
     <p:sldId id="286" r:id="rId8"/>
     <p:sldId id="287" r:id="rId9"/>
     <p:sldId id="288" r:id="rId10"/>
-    <p:sldId id="261" r:id="rId11"/>
-    <p:sldId id="262" r:id="rId12"/>
-    <p:sldId id="289" r:id="rId13"/>
-    <p:sldId id="290" r:id="rId14"/>
-    <p:sldId id="291" r:id="rId15"/>
-    <p:sldId id="263" r:id="rId16"/>
-    <p:sldId id="264" r:id="rId17"/>
-    <p:sldId id="265" r:id="rId18"/>
-    <p:sldId id="266" r:id="rId19"/>
-    <p:sldId id="267" r:id="rId20"/>
-    <p:sldId id="268" r:id="rId21"/>
-    <p:sldId id="269" r:id="rId22"/>
-    <p:sldId id="270" r:id="rId23"/>
-    <p:sldId id="271" r:id="rId24"/>
-    <p:sldId id="272" r:id="rId25"/>
-    <p:sldId id="273" r:id="rId26"/>
-    <p:sldId id="274" r:id="rId27"/>
-    <p:sldId id="275" r:id="rId28"/>
-    <p:sldId id="276" r:id="rId29"/>
-    <p:sldId id="277" r:id="rId30"/>
-    <p:sldId id="278" r:id="rId31"/>
-    <p:sldId id="279" r:id="rId32"/>
-    <p:sldId id="280" r:id="rId33"/>
-    <p:sldId id="281" r:id="rId34"/>
-    <p:sldId id="282" r:id="rId35"/>
-    <p:sldId id="283" r:id="rId36"/>
-    <p:sldId id="284" r:id="rId37"/>
+    <p:sldId id="292" r:id="rId11"/>
+    <p:sldId id="261" r:id="rId12"/>
+    <p:sldId id="262" r:id="rId13"/>
+    <p:sldId id="289" r:id="rId14"/>
+    <p:sldId id="290" r:id="rId15"/>
+    <p:sldId id="291" r:id="rId16"/>
+    <p:sldId id="263" r:id="rId17"/>
+    <p:sldId id="264" r:id="rId18"/>
+    <p:sldId id="265" r:id="rId19"/>
+    <p:sldId id="266" r:id="rId20"/>
+    <p:sldId id="267" r:id="rId21"/>
+    <p:sldId id="268" r:id="rId22"/>
+    <p:sldId id="269" r:id="rId23"/>
+    <p:sldId id="270" r:id="rId24"/>
+    <p:sldId id="271" r:id="rId25"/>
+    <p:sldId id="293" r:id="rId26"/>
+    <p:sldId id="294" r:id="rId27"/>
+    <p:sldId id="283" r:id="rId28"/>
+    <p:sldId id="284" r:id="rId29"/>
   </p:sldIdLst>
   <p:sldSz cx="12192000" cy="6858000"/>
   <p:notesSz cx="6858000" cy="9144000"/>
   <p:embeddedFontLst>
     <p:embeddedFont>
-      <p:font typeface="Calibri" panose="020F0502020204030204" pitchFamily="34" charset="0"/>
-      <p:regular r:id="rId39"/>
-      <p:bold r:id="rId40"/>
-      <p:italic r:id="rId41"/>
-      <p:boldItalic r:id="rId42"/>
-    </p:embeddedFont>
-    <p:embeddedFont>
       <p:font typeface="Work Sans" pitchFamily="2" charset="0"/>
-      <p:regular r:id="rId43"/>
-      <p:bold r:id="rId44"/>
-      <p:italic r:id="rId45"/>
-      <p:boldItalic r:id="rId46"/>
+      <p:regular r:id="rId31"/>
+      <p:bold r:id="rId32"/>
+      <p:italic r:id="rId33"/>
+      <p:boldItalic r:id="rId34"/>
     </p:embeddedFont>
     <p:embeddedFont>
       <p:font typeface="Work Sans Medium" pitchFamily="2" charset="0"/>
-      <p:regular r:id="rId47"/>
-      <p:bold r:id="rId48"/>
-      <p:italic r:id="rId49"/>
-      <p:boldItalic r:id="rId50"/>
+      <p:regular r:id="rId35"/>
+      <p:bold r:id="rId36"/>
+      <p:italic r:id="rId37"/>
+      <p:boldItalic r:id="rId38"/>
     </p:embeddedFont>
   </p:embeddedFontLst>
   <p:defaultTextStyle>
@@ -320,7 +305,7 @@
       </p15:sldGuideLst>
     </p:ext>
     <p:ext uri="GoogleSlidesCustomDataVersion2">
-      <go:slidesCustomData xmlns:go="http://customooxmlschemas.google.com/" xmlns:ahyp="http://schemas.microsoft.com/office/drawing/2018/hyperlinkcolor" xmlns:p15="http://schemas.microsoft.com/office/powerpoint/2012/main" xmlns:p14="http://schemas.microsoft.com/office/powerpoint/2010/main" xmlns:com="http://schemas.openxmlformats.org/drawingml/2006/compatibility" xmlns:pvml="urn:schemas-microsoft-com:office:powerpoint" xmlns:v="urn:schemas-microsoft-com:vml" xmlns:o="urn:schemas-microsoft-com:office:office" xmlns:dgm="http://schemas.openxmlformats.org/drawingml/2006/diagram" xmlns:c="http://schemas.openxmlformats.org/drawingml/2006/chart" xmlns:mv="urn:schemas-microsoft-com:mac:vml" xmlns:mc="http://schemas.openxmlformats.org/markup-compatibility/2006" xmlns="" r:id="rId51" roundtripDataSignature="AMtx7mi7HwvW2x/uPdzjakfDI4jAB7LRKg=="/>
+      <go:slidesCustomData xmlns="" xmlns:mc="http://schemas.openxmlformats.org/markup-compatibility/2006" xmlns:mv="urn:schemas-microsoft-com:mac:vml" xmlns:c="http://schemas.openxmlformats.org/drawingml/2006/chart" xmlns:dgm="http://schemas.openxmlformats.org/drawingml/2006/diagram" xmlns:o="urn:schemas-microsoft-com:office:office" xmlns:v="urn:schemas-microsoft-com:vml" xmlns:pvml="urn:schemas-microsoft-com:office:powerpoint" xmlns:com="http://schemas.openxmlformats.org/drawingml/2006/compatibility" xmlns:p14="http://schemas.microsoft.com/office/powerpoint/2010/main" xmlns:p15="http://schemas.microsoft.com/office/powerpoint/2012/main" xmlns:ahyp="http://schemas.microsoft.com/office/drawing/2018/hyperlinkcolor" xmlns:go="http://customooxmlschemas.google.com/" r:id="rId51" roundtripDataSignature="AMtx7mi7HwvW2x/uPdzjakfDI4jAB7LRKg=="/>
     </p:ext>
   </p:extLst>
 </p:presentation>
@@ -1628,6 +1613,115 @@
   <p:cSld>
     <p:spTree>
       <p:nvGrpSpPr>
+        <p:cNvPr id="1" name="Shape 118"/>
+        <p:cNvGrpSpPr/>
+        <p:nvPr/>
+      </p:nvGrpSpPr>
+      <p:grpSpPr>
+        <a:xfrm>
+          <a:off x="0" y="0"/>
+          <a:ext cx="0" cy="0"/>
+          <a:chOff x="0" y="0"/>
+          <a:chExt cx="0" cy="0"/>
+        </a:xfrm>
+      </p:grpSpPr>
+      <p:sp>
+        <p:nvSpPr>
+          <p:cNvPr id="119" name="Google Shape;119;p5:notes"/>
+          <p:cNvSpPr txBox="1">
+            <a:spLocks noGrp="1"/>
+          </p:cNvSpPr>
+          <p:nvPr>
+            <p:ph type="body" idx="1"/>
+          </p:nvPr>
+        </p:nvSpPr>
+        <p:spPr>
+          <a:xfrm>
+            <a:off x="685800" y="4400550"/>
+            <a:ext cx="5486400" cy="3600450"/>
+          </a:xfrm>
+          <a:prstGeom prst="rect">
+            <a:avLst/>
+          </a:prstGeom>
+        </p:spPr>
+        <p:txBody>
+          <a:bodyPr spcFirstLastPara="1" wrap="square" lIns="91425" tIns="45700" rIns="91425" bIns="45700" anchor="t" anchorCtr="0">
+            <a:noAutofit/>
+          </a:bodyPr>
+          <a:lstStyle/>
+          <a:p>
+            <a:pPr marL="0" lvl="0" indent="0" algn="l" rtl="0">
+              <a:spcBef>
+                <a:spcPts val="0"/>
+              </a:spcBef>
+              <a:spcAft>
+                <a:spcPts val="0"/>
+              </a:spcAft>
+              <a:buNone/>
+            </a:pPr>
+            <a:endParaRPr/>
+          </a:p>
+        </p:txBody>
+      </p:sp>
+      <p:sp>
+        <p:nvSpPr>
+          <p:cNvPr id="120" name="Google Shape;120;p5:notes"/>
+          <p:cNvSpPr>
+            <a:spLocks noGrp="1" noRot="1" noChangeAspect="1"/>
+          </p:cNvSpPr>
+          <p:nvPr>
+            <p:ph type="sldImg" idx="2"/>
+          </p:nvPr>
+        </p:nvSpPr>
+        <p:spPr>
+          <a:xfrm>
+            <a:off x="685800" y="1143000"/>
+            <a:ext cx="5486400" cy="3086100"/>
+          </a:xfrm>
+          <a:custGeom>
+            <a:avLst/>
+            <a:gdLst/>
+            <a:ahLst/>
+            <a:cxnLst/>
+            <a:rect l="l" t="t" r="r" b="b"/>
+            <a:pathLst>
+              <a:path w="120000" h="120000" extrusionOk="0">
+                <a:moveTo>
+                  <a:pt x="0" y="0"/>
+                </a:moveTo>
+                <a:lnTo>
+                  <a:pt x="120000" y="0"/>
+                </a:lnTo>
+                <a:lnTo>
+                  <a:pt x="120000" y="120000"/>
+                </a:lnTo>
+                <a:lnTo>
+                  <a:pt x="0" y="120000"/>
+                </a:lnTo>
+                <a:close/>
+              </a:path>
+            </a:pathLst>
+          </a:custGeom>
+        </p:spPr>
+      </p:sp>
+    </p:spTree>
+    <p:extLst>
+      <p:ext uri="{BB962C8B-B14F-4D97-AF65-F5344CB8AC3E}">
+        <p14:creationId xmlns:p14="http://schemas.microsoft.com/office/powerpoint/2010/main" val="701280168"/>
+      </p:ext>
+    </p:extLst>
+  </p:cSld>
+  <p:clrMapOvr>
+    <a:masterClrMapping/>
+  </p:clrMapOvr>
+</p:notes>
+</file>
+
+<file path=ppt/notesSlides/notesSlide11.xml><?xml version="1.0" encoding="utf-8"?>
+<p:notes xmlns:a="http://schemas.openxmlformats.org/drawingml/2006/main" xmlns:r="http://schemas.openxmlformats.org/officeDocument/2006/relationships" xmlns:p="http://schemas.openxmlformats.org/presentationml/2006/main" showMasterSp="0" showMasterPhAnim="0">
+  <p:cSld>
+    <p:spTree>
+      <p:nvGrpSpPr>
         <p:cNvPr id="1" name="Shape 125"/>
         <p:cNvGrpSpPr/>
         <p:nvPr/>
@@ -1681,110 +1775,6 @@
       <p:sp>
         <p:nvSpPr>
           <p:cNvPr id="127" name="Google Shape;127;p6:notes"/>
-          <p:cNvSpPr>
-            <a:spLocks noGrp="1" noRot="1" noChangeAspect="1"/>
-          </p:cNvSpPr>
-          <p:nvPr>
-            <p:ph type="sldImg" idx="2"/>
-          </p:nvPr>
-        </p:nvSpPr>
-        <p:spPr>
-          <a:xfrm>
-            <a:off x="685800" y="1143000"/>
-            <a:ext cx="5486400" cy="3086100"/>
-          </a:xfrm>
-          <a:custGeom>
-            <a:avLst/>
-            <a:gdLst/>
-            <a:ahLst/>
-            <a:cxnLst/>
-            <a:rect l="l" t="t" r="r" b="b"/>
-            <a:pathLst>
-              <a:path w="120000" h="120000" extrusionOk="0">
-                <a:moveTo>
-                  <a:pt x="0" y="0"/>
-                </a:moveTo>
-                <a:lnTo>
-                  <a:pt x="120000" y="0"/>
-                </a:lnTo>
-                <a:lnTo>
-                  <a:pt x="120000" y="120000"/>
-                </a:lnTo>
-                <a:lnTo>
-                  <a:pt x="0" y="120000"/>
-                </a:lnTo>
-                <a:close/>
-              </a:path>
-            </a:pathLst>
-          </a:custGeom>
-        </p:spPr>
-      </p:sp>
-    </p:spTree>
-  </p:cSld>
-  <p:clrMapOvr>
-    <a:masterClrMapping/>
-  </p:clrMapOvr>
-</p:notes>
-</file>
-
-<file path=ppt/notesSlides/notesSlide11.xml><?xml version="1.0" encoding="utf-8"?>
-<p:notes xmlns:a="http://schemas.openxmlformats.org/drawingml/2006/main" xmlns:r="http://schemas.openxmlformats.org/officeDocument/2006/relationships" xmlns:p="http://schemas.openxmlformats.org/presentationml/2006/main" showMasterSp="0" showMasterPhAnim="0">
-  <p:cSld>
-    <p:spTree>
-      <p:nvGrpSpPr>
-        <p:cNvPr id="1" name="Shape 132"/>
-        <p:cNvGrpSpPr/>
-        <p:nvPr/>
-      </p:nvGrpSpPr>
-      <p:grpSpPr>
-        <a:xfrm>
-          <a:off x="0" y="0"/>
-          <a:ext cx="0" cy="0"/>
-          <a:chOff x="0" y="0"/>
-          <a:chExt cx="0" cy="0"/>
-        </a:xfrm>
-      </p:grpSpPr>
-      <p:sp>
-        <p:nvSpPr>
-          <p:cNvPr id="133" name="Google Shape;133;p7:notes"/>
-          <p:cNvSpPr txBox="1">
-            <a:spLocks noGrp="1"/>
-          </p:cNvSpPr>
-          <p:nvPr>
-            <p:ph type="body" idx="1"/>
-          </p:nvPr>
-        </p:nvSpPr>
-        <p:spPr>
-          <a:xfrm>
-            <a:off x="685800" y="4400550"/>
-            <a:ext cx="5486400" cy="3600450"/>
-          </a:xfrm>
-          <a:prstGeom prst="rect">
-            <a:avLst/>
-          </a:prstGeom>
-        </p:spPr>
-        <p:txBody>
-          <a:bodyPr spcFirstLastPara="1" wrap="square" lIns="91425" tIns="45700" rIns="91425" bIns="45700" anchor="t" anchorCtr="0">
-            <a:noAutofit/>
-          </a:bodyPr>
-          <a:lstStyle/>
-          <a:p>
-            <a:pPr marL="0" lvl="0" indent="0" algn="l" rtl="0">
-              <a:spcBef>
-                <a:spcPts val="0"/>
-              </a:spcBef>
-              <a:spcAft>
-                <a:spcPts val="0"/>
-              </a:spcAft>
-              <a:buNone/>
-            </a:pPr>
-            <a:endParaRPr/>
-          </a:p>
-        </p:txBody>
-      </p:sp>
-      <p:sp>
-        <p:nvSpPr>
-          <p:cNvPr id="134" name="Google Shape;134;p7:notes"/>
           <p:cNvSpPr>
             <a:spLocks noGrp="1" noRot="1" noChangeAspect="1"/>
           </p:cNvSpPr>
@@ -1928,11 +1918,6 @@
         </p:spPr>
       </p:sp>
     </p:spTree>
-    <p:extLst>
-      <p:ext uri="{BB962C8B-B14F-4D97-AF65-F5344CB8AC3E}">
-        <p14:creationId xmlns:p14="http://schemas.microsoft.com/office/powerpoint/2010/main" val="1812547174"/>
-      </p:ext>
-    </p:extLst>
   </p:cSld>
   <p:clrMapOvr>
     <a:masterClrMapping/>
@@ -2039,7 +2024,7 @@
     </p:spTree>
     <p:extLst>
       <p:ext uri="{BB962C8B-B14F-4D97-AF65-F5344CB8AC3E}">
-        <p14:creationId xmlns:p14="http://schemas.microsoft.com/office/powerpoint/2010/main" val="1721026305"/>
+        <p14:creationId xmlns:p14="http://schemas.microsoft.com/office/powerpoint/2010/main" val="1812547174"/>
       </p:ext>
     </p:extLst>
   </p:cSld>
@@ -2148,6 +2133,115 @@
     </p:spTree>
     <p:extLst>
       <p:ext uri="{BB962C8B-B14F-4D97-AF65-F5344CB8AC3E}">
+        <p14:creationId xmlns:p14="http://schemas.microsoft.com/office/powerpoint/2010/main" val="1721026305"/>
+      </p:ext>
+    </p:extLst>
+  </p:cSld>
+  <p:clrMapOvr>
+    <a:masterClrMapping/>
+  </p:clrMapOvr>
+</p:notes>
+</file>
+
+<file path=ppt/notesSlides/notesSlide15.xml><?xml version="1.0" encoding="utf-8"?>
+<p:notes xmlns:a="http://schemas.openxmlformats.org/drawingml/2006/main" xmlns:r="http://schemas.openxmlformats.org/officeDocument/2006/relationships" xmlns:p="http://schemas.openxmlformats.org/presentationml/2006/main" showMasterSp="0" showMasterPhAnim="0">
+  <p:cSld>
+    <p:spTree>
+      <p:nvGrpSpPr>
+        <p:cNvPr id="1" name="Shape 132"/>
+        <p:cNvGrpSpPr/>
+        <p:nvPr/>
+      </p:nvGrpSpPr>
+      <p:grpSpPr>
+        <a:xfrm>
+          <a:off x="0" y="0"/>
+          <a:ext cx="0" cy="0"/>
+          <a:chOff x="0" y="0"/>
+          <a:chExt cx="0" cy="0"/>
+        </a:xfrm>
+      </p:grpSpPr>
+      <p:sp>
+        <p:nvSpPr>
+          <p:cNvPr id="133" name="Google Shape;133;p7:notes"/>
+          <p:cNvSpPr txBox="1">
+            <a:spLocks noGrp="1"/>
+          </p:cNvSpPr>
+          <p:nvPr>
+            <p:ph type="body" idx="1"/>
+          </p:nvPr>
+        </p:nvSpPr>
+        <p:spPr>
+          <a:xfrm>
+            <a:off x="685800" y="4400550"/>
+            <a:ext cx="5486400" cy="3600450"/>
+          </a:xfrm>
+          <a:prstGeom prst="rect">
+            <a:avLst/>
+          </a:prstGeom>
+        </p:spPr>
+        <p:txBody>
+          <a:bodyPr spcFirstLastPara="1" wrap="square" lIns="91425" tIns="45700" rIns="91425" bIns="45700" anchor="t" anchorCtr="0">
+            <a:noAutofit/>
+          </a:bodyPr>
+          <a:lstStyle/>
+          <a:p>
+            <a:pPr marL="0" lvl="0" indent="0" algn="l" rtl="0">
+              <a:spcBef>
+                <a:spcPts val="0"/>
+              </a:spcBef>
+              <a:spcAft>
+                <a:spcPts val="0"/>
+              </a:spcAft>
+              <a:buNone/>
+            </a:pPr>
+            <a:endParaRPr/>
+          </a:p>
+        </p:txBody>
+      </p:sp>
+      <p:sp>
+        <p:nvSpPr>
+          <p:cNvPr id="134" name="Google Shape;134;p7:notes"/>
+          <p:cNvSpPr>
+            <a:spLocks noGrp="1" noRot="1" noChangeAspect="1"/>
+          </p:cNvSpPr>
+          <p:nvPr>
+            <p:ph type="sldImg" idx="2"/>
+          </p:nvPr>
+        </p:nvSpPr>
+        <p:spPr>
+          <a:xfrm>
+            <a:off x="685800" y="1143000"/>
+            <a:ext cx="5486400" cy="3086100"/>
+          </a:xfrm>
+          <a:custGeom>
+            <a:avLst/>
+            <a:gdLst/>
+            <a:ahLst/>
+            <a:cxnLst/>
+            <a:rect l="l" t="t" r="r" b="b"/>
+            <a:pathLst>
+              <a:path w="120000" h="120000" extrusionOk="0">
+                <a:moveTo>
+                  <a:pt x="0" y="0"/>
+                </a:moveTo>
+                <a:lnTo>
+                  <a:pt x="120000" y="0"/>
+                </a:lnTo>
+                <a:lnTo>
+                  <a:pt x="120000" y="120000"/>
+                </a:lnTo>
+                <a:lnTo>
+                  <a:pt x="0" y="120000"/>
+                </a:lnTo>
+                <a:close/>
+              </a:path>
+            </a:pathLst>
+          </a:custGeom>
+        </p:spPr>
+      </p:sp>
+    </p:spTree>
+    <p:extLst>
+      <p:ext uri="{BB962C8B-B14F-4D97-AF65-F5344CB8AC3E}">
         <p14:creationId xmlns:p14="http://schemas.microsoft.com/office/powerpoint/2010/main" val="2612170278"/>
       </p:ext>
     </p:extLst>
@@ -2158,7 +2252,7 @@
 </p:notes>
 </file>
 
-<file path=ppt/notesSlides/notesSlide15.xml><?xml version="1.0" encoding="utf-8"?>
+<file path=ppt/notesSlides/notesSlide16.xml><?xml version="1.0" encoding="utf-8"?>
 <p:notes xmlns:a="http://schemas.openxmlformats.org/drawingml/2006/main" xmlns:r="http://schemas.openxmlformats.org/officeDocument/2006/relationships" xmlns:p="http://schemas.openxmlformats.org/presentationml/2006/main" showMasterSp="0" showMasterPhAnim="0">
   <p:cSld>
     <p:spTree>
@@ -2262,7 +2356,7 @@
 </p:notes>
 </file>
 
-<file path=ppt/notesSlides/notesSlide16.xml><?xml version="1.0" encoding="utf-8"?>
+<file path=ppt/notesSlides/notesSlide17.xml><?xml version="1.0" encoding="utf-8"?>
 <p:notes xmlns:a="http://schemas.openxmlformats.org/drawingml/2006/main" xmlns:r="http://schemas.openxmlformats.org/officeDocument/2006/relationships" xmlns:p="http://schemas.openxmlformats.org/presentationml/2006/main" showMasterSp="0" showMasterPhAnim="0">
   <p:cSld>
     <p:spTree>
@@ -2366,7 +2460,7 @@
 </p:notes>
 </file>
 
-<file path=ppt/notesSlides/notesSlide17.xml><?xml version="1.0" encoding="utf-8"?>
+<file path=ppt/notesSlides/notesSlide18.xml><?xml version="1.0" encoding="utf-8"?>
 <p:notes xmlns:a="http://schemas.openxmlformats.org/drawingml/2006/main" xmlns:r="http://schemas.openxmlformats.org/officeDocument/2006/relationships" xmlns:p="http://schemas.openxmlformats.org/presentationml/2006/main" showMasterSp="0" showMasterPhAnim="0">
   <p:cSld>
     <p:spTree>
@@ -2470,7 +2564,7 @@
 </p:notes>
 </file>
 
-<file path=ppt/notesSlides/notesSlide18.xml><?xml version="1.0" encoding="utf-8"?>
+<file path=ppt/notesSlides/notesSlide19.xml><?xml version="1.0" encoding="utf-8"?>
 <p:notes xmlns:a="http://schemas.openxmlformats.org/drawingml/2006/main" xmlns:r="http://schemas.openxmlformats.org/officeDocument/2006/relationships" xmlns:p="http://schemas.openxmlformats.org/presentationml/2006/main" showMasterSp="0" showMasterPhAnim="0">
   <p:cSld>
     <p:spTree>
@@ -2528,110 +2622,6 @@
       <p:sp>
         <p:nvSpPr>
           <p:cNvPr id="163" name="Google Shape;163;p11:notes"/>
-          <p:cNvSpPr>
-            <a:spLocks noGrp="1" noRot="1" noChangeAspect="1"/>
-          </p:cNvSpPr>
-          <p:nvPr>
-            <p:ph type="sldImg" idx="2"/>
-          </p:nvPr>
-        </p:nvSpPr>
-        <p:spPr>
-          <a:xfrm>
-            <a:off x="685800" y="1143000"/>
-            <a:ext cx="5486400" cy="3086100"/>
-          </a:xfrm>
-          <a:custGeom>
-            <a:avLst/>
-            <a:gdLst/>
-            <a:ahLst/>
-            <a:cxnLst/>
-            <a:rect l="l" t="t" r="r" b="b"/>
-            <a:pathLst>
-              <a:path w="120000" h="120000" extrusionOk="0">
-                <a:moveTo>
-                  <a:pt x="0" y="0"/>
-                </a:moveTo>
-                <a:lnTo>
-                  <a:pt x="120000" y="0"/>
-                </a:lnTo>
-                <a:lnTo>
-                  <a:pt x="120000" y="120000"/>
-                </a:lnTo>
-                <a:lnTo>
-                  <a:pt x="0" y="120000"/>
-                </a:lnTo>
-                <a:close/>
-              </a:path>
-            </a:pathLst>
-          </a:custGeom>
-        </p:spPr>
-      </p:sp>
-    </p:spTree>
-  </p:cSld>
-  <p:clrMapOvr>
-    <a:masterClrMapping/>
-  </p:clrMapOvr>
-</p:notes>
-</file>
-
-<file path=ppt/notesSlides/notesSlide19.xml><?xml version="1.0" encoding="utf-8"?>
-<p:notes xmlns:a="http://schemas.openxmlformats.org/drawingml/2006/main" xmlns:r="http://schemas.openxmlformats.org/officeDocument/2006/relationships" xmlns:p="http://schemas.openxmlformats.org/presentationml/2006/main" showMasterSp="0" showMasterPhAnim="0">
-  <p:cSld>
-    <p:spTree>
-      <p:nvGrpSpPr>
-        <p:cNvPr id="1" name="Shape 168"/>
-        <p:cNvGrpSpPr/>
-        <p:nvPr/>
-      </p:nvGrpSpPr>
-      <p:grpSpPr>
-        <a:xfrm>
-          <a:off x="0" y="0"/>
-          <a:ext cx="0" cy="0"/>
-          <a:chOff x="0" y="0"/>
-          <a:chExt cx="0" cy="0"/>
-        </a:xfrm>
-      </p:grpSpPr>
-      <p:sp>
-        <p:nvSpPr>
-          <p:cNvPr id="169" name="Google Shape;169;p12:notes"/>
-          <p:cNvSpPr txBox="1">
-            <a:spLocks noGrp="1"/>
-          </p:cNvSpPr>
-          <p:nvPr>
-            <p:ph type="body" idx="1"/>
-          </p:nvPr>
-        </p:nvSpPr>
-        <p:spPr>
-          <a:xfrm>
-            <a:off x="685800" y="4400550"/>
-            <a:ext cx="5486400" cy="3600450"/>
-          </a:xfrm>
-          <a:prstGeom prst="rect">
-            <a:avLst/>
-          </a:prstGeom>
-        </p:spPr>
-        <p:txBody>
-          <a:bodyPr spcFirstLastPara="1" wrap="square" lIns="91425" tIns="45700" rIns="91425" bIns="45700" anchor="t" anchorCtr="0">
-            <a:noAutofit/>
-          </a:bodyPr>
-          <a:lstStyle/>
-          <a:p>
-            <a:pPr marL="0" lvl="0" indent="0" algn="l" rtl="0">
-              <a:spcBef>
-                <a:spcPts val="0"/>
-              </a:spcBef>
-              <a:spcAft>
-                <a:spcPts val="0"/>
-              </a:spcAft>
-              <a:buNone/>
-            </a:pPr>
-            <a:endParaRPr/>
-          </a:p>
-        </p:txBody>
-      </p:sp>
-      <p:sp>
-        <p:nvSpPr>
-          <p:cNvPr id="170" name="Google Shape;170;p12:notes"/>
           <p:cNvSpPr>
             <a:spLocks noGrp="1" noRot="1" noChangeAspect="1"/>
           </p:cNvSpPr>
@@ -2787,6 +2777,110 @@
   <p:cSld>
     <p:spTree>
       <p:nvGrpSpPr>
+        <p:cNvPr id="1" name="Shape 168"/>
+        <p:cNvGrpSpPr/>
+        <p:nvPr/>
+      </p:nvGrpSpPr>
+      <p:grpSpPr>
+        <a:xfrm>
+          <a:off x="0" y="0"/>
+          <a:ext cx="0" cy="0"/>
+          <a:chOff x="0" y="0"/>
+          <a:chExt cx="0" cy="0"/>
+        </a:xfrm>
+      </p:grpSpPr>
+      <p:sp>
+        <p:nvSpPr>
+          <p:cNvPr id="169" name="Google Shape;169;p12:notes"/>
+          <p:cNvSpPr txBox="1">
+            <a:spLocks noGrp="1"/>
+          </p:cNvSpPr>
+          <p:nvPr>
+            <p:ph type="body" idx="1"/>
+          </p:nvPr>
+        </p:nvSpPr>
+        <p:spPr>
+          <a:xfrm>
+            <a:off x="685800" y="4400550"/>
+            <a:ext cx="5486400" cy="3600450"/>
+          </a:xfrm>
+          <a:prstGeom prst="rect">
+            <a:avLst/>
+          </a:prstGeom>
+        </p:spPr>
+        <p:txBody>
+          <a:bodyPr spcFirstLastPara="1" wrap="square" lIns="91425" tIns="45700" rIns="91425" bIns="45700" anchor="t" anchorCtr="0">
+            <a:noAutofit/>
+          </a:bodyPr>
+          <a:lstStyle/>
+          <a:p>
+            <a:pPr marL="0" lvl="0" indent="0" algn="l" rtl="0">
+              <a:spcBef>
+                <a:spcPts val="0"/>
+              </a:spcBef>
+              <a:spcAft>
+                <a:spcPts val="0"/>
+              </a:spcAft>
+              <a:buNone/>
+            </a:pPr>
+            <a:endParaRPr/>
+          </a:p>
+        </p:txBody>
+      </p:sp>
+      <p:sp>
+        <p:nvSpPr>
+          <p:cNvPr id="170" name="Google Shape;170;p12:notes"/>
+          <p:cNvSpPr>
+            <a:spLocks noGrp="1" noRot="1" noChangeAspect="1"/>
+          </p:cNvSpPr>
+          <p:nvPr>
+            <p:ph type="sldImg" idx="2"/>
+          </p:nvPr>
+        </p:nvSpPr>
+        <p:spPr>
+          <a:xfrm>
+            <a:off x="685800" y="1143000"/>
+            <a:ext cx="5486400" cy="3086100"/>
+          </a:xfrm>
+          <a:custGeom>
+            <a:avLst/>
+            <a:gdLst/>
+            <a:ahLst/>
+            <a:cxnLst/>
+            <a:rect l="l" t="t" r="r" b="b"/>
+            <a:pathLst>
+              <a:path w="120000" h="120000" extrusionOk="0">
+                <a:moveTo>
+                  <a:pt x="0" y="0"/>
+                </a:moveTo>
+                <a:lnTo>
+                  <a:pt x="120000" y="0"/>
+                </a:lnTo>
+                <a:lnTo>
+                  <a:pt x="120000" y="120000"/>
+                </a:lnTo>
+                <a:lnTo>
+                  <a:pt x="0" y="120000"/>
+                </a:lnTo>
+                <a:close/>
+              </a:path>
+            </a:pathLst>
+          </a:custGeom>
+        </p:spPr>
+      </p:sp>
+    </p:spTree>
+  </p:cSld>
+  <p:clrMapOvr>
+    <a:masterClrMapping/>
+  </p:clrMapOvr>
+</p:notes>
+</file>
+
+<file path=ppt/notesSlides/notesSlide21.xml><?xml version="1.0" encoding="utf-8"?>
+<p:notes xmlns:a="http://schemas.openxmlformats.org/drawingml/2006/main" xmlns:r="http://schemas.openxmlformats.org/officeDocument/2006/relationships" xmlns:p="http://schemas.openxmlformats.org/presentationml/2006/main" showMasterSp="0" showMasterPhAnim="0">
+  <p:cSld>
+    <p:spTree>
+      <p:nvGrpSpPr>
         <p:cNvPr id="1" name="Shape 175"/>
         <p:cNvGrpSpPr/>
         <p:nvPr/>
@@ -2886,7 +2980,7 @@
 </p:notes>
 </file>
 
-<file path=ppt/notesSlides/notesSlide21.xml><?xml version="1.0" encoding="utf-8"?>
+<file path=ppt/notesSlides/notesSlide22.xml><?xml version="1.0" encoding="utf-8"?>
 <p:notes xmlns:a="http://schemas.openxmlformats.org/drawingml/2006/main" xmlns:r="http://schemas.openxmlformats.org/officeDocument/2006/relationships" xmlns:p="http://schemas.openxmlformats.org/presentationml/2006/main" showMasterSp="0" showMasterPhAnim="0">
   <p:cSld>
     <p:spTree>
@@ -2990,7 +3084,7 @@
 </p:notes>
 </file>
 
-<file path=ppt/notesSlides/notesSlide22.xml><?xml version="1.0" encoding="utf-8"?>
+<file path=ppt/notesSlides/notesSlide23.xml><?xml version="1.0" encoding="utf-8"?>
 <p:notes xmlns:a="http://schemas.openxmlformats.org/drawingml/2006/main" xmlns:r="http://schemas.openxmlformats.org/officeDocument/2006/relationships" xmlns:p="http://schemas.openxmlformats.org/presentationml/2006/main" showMasterSp="0" showMasterPhAnim="0">
   <p:cSld>
     <p:spTree>
@@ -3094,7 +3188,7 @@
 </p:notes>
 </file>
 
-<file path=ppt/notesSlides/notesSlide23.xml><?xml version="1.0" encoding="utf-8"?>
+<file path=ppt/notesSlides/notesSlide24.xml><?xml version="1.0" encoding="utf-8"?>
 <p:notes xmlns:a="http://schemas.openxmlformats.org/drawingml/2006/main" xmlns:r="http://schemas.openxmlformats.org/officeDocument/2006/relationships" xmlns:p="http://schemas.openxmlformats.org/presentationml/2006/main" showMasterSp="0" showMasterPhAnim="0">
   <p:cSld>
     <p:spTree>
@@ -3198,12 +3292,12 @@
 </p:notes>
 </file>
 
-<file path=ppt/notesSlides/notesSlide24.xml><?xml version="1.0" encoding="utf-8"?>
+<file path=ppt/notesSlides/notesSlide25.xml><?xml version="1.0" encoding="utf-8"?>
 <p:notes xmlns:a="http://schemas.openxmlformats.org/drawingml/2006/main" xmlns:r="http://schemas.openxmlformats.org/officeDocument/2006/relationships" xmlns:p="http://schemas.openxmlformats.org/presentationml/2006/main" showMasterSp="0" showMasterPhAnim="0">
   <p:cSld>
     <p:spTree>
       <p:nvGrpSpPr>
-        <p:cNvPr id="1" name="Shape 203"/>
+        <p:cNvPr id="1" name="Shape 196"/>
         <p:cNvGrpSpPr/>
         <p:nvPr/>
       </p:nvGrpSpPr>
@@ -3217,7 +3311,7 @@
       </p:grpSpPr>
       <p:sp>
         <p:nvSpPr>
-          <p:cNvPr id="204" name="Google Shape;204;p17:notes"/>
+          <p:cNvPr id="197" name="Google Shape;197;p16:notes"/>
           <p:cNvSpPr txBox="1">
             <a:spLocks noGrp="1"/>
           </p:cNvSpPr>
@@ -3255,7 +3349,7 @@
       </p:sp>
       <p:sp>
         <p:nvSpPr>
-          <p:cNvPr id="205" name="Google Shape;205;p17:notes"/>
+          <p:cNvPr id="198" name="Google Shape;198;p16:notes"/>
           <p:cNvSpPr>
             <a:spLocks noGrp="1" noRot="1" noChangeAspect="1"/>
           </p:cNvSpPr>
@@ -3295,6 +3389,11 @@
         </p:spPr>
       </p:sp>
     </p:spTree>
+    <p:extLst>
+      <p:ext uri="{BB962C8B-B14F-4D97-AF65-F5344CB8AC3E}">
+        <p14:creationId xmlns:p14="http://schemas.microsoft.com/office/powerpoint/2010/main" val="864376487"/>
+      </p:ext>
+    </p:extLst>
   </p:cSld>
   <p:clrMapOvr>
     <a:masterClrMapping/>
@@ -3302,12 +3401,12 @@
 </p:notes>
 </file>
 
-<file path=ppt/notesSlides/notesSlide25.xml><?xml version="1.0" encoding="utf-8"?>
+<file path=ppt/notesSlides/notesSlide26.xml><?xml version="1.0" encoding="utf-8"?>
 <p:notes xmlns:a="http://schemas.openxmlformats.org/drawingml/2006/main" xmlns:r="http://schemas.openxmlformats.org/officeDocument/2006/relationships" xmlns:p="http://schemas.openxmlformats.org/presentationml/2006/main" showMasterSp="0" showMasterPhAnim="0">
   <p:cSld>
     <p:spTree>
       <p:nvGrpSpPr>
-        <p:cNvPr id="1" name="Shape 210"/>
+        <p:cNvPr id="1" name="Shape 196"/>
         <p:cNvGrpSpPr/>
         <p:nvPr/>
       </p:nvGrpSpPr>
@@ -3321,7 +3420,7 @@
       </p:grpSpPr>
       <p:sp>
         <p:nvSpPr>
-          <p:cNvPr id="211" name="Google Shape;211;p18:notes"/>
+          <p:cNvPr id="197" name="Google Shape;197;p16:notes"/>
           <p:cNvSpPr txBox="1">
             <a:spLocks noGrp="1"/>
           </p:cNvSpPr>
@@ -3359,7 +3458,7 @@
       </p:sp>
       <p:sp>
         <p:nvSpPr>
-          <p:cNvPr id="212" name="Google Shape;212;p18:notes"/>
+          <p:cNvPr id="198" name="Google Shape;198;p16:notes"/>
           <p:cNvSpPr>
             <a:spLocks noGrp="1" noRot="1" noChangeAspect="1"/>
           </p:cNvSpPr>
@@ -3399,6 +3498,11 @@
         </p:spPr>
       </p:sp>
     </p:spTree>
+    <p:extLst>
+      <p:ext uri="{BB962C8B-B14F-4D97-AF65-F5344CB8AC3E}">
+        <p14:creationId xmlns:p14="http://schemas.microsoft.com/office/powerpoint/2010/main" val="3407212840"/>
+      </p:ext>
+    </p:extLst>
   </p:cSld>
   <p:clrMapOvr>
     <a:masterClrMapping/>
@@ -3406,12 +3510,12 @@
 </p:notes>
 </file>
 
-<file path=ppt/notesSlides/notesSlide26.xml><?xml version="1.0" encoding="utf-8"?>
+<file path=ppt/notesSlides/notesSlide27.xml><?xml version="1.0" encoding="utf-8"?>
 <p:notes xmlns:a="http://schemas.openxmlformats.org/drawingml/2006/main" xmlns:r="http://schemas.openxmlformats.org/officeDocument/2006/relationships" xmlns:p="http://schemas.openxmlformats.org/presentationml/2006/main" showMasterSp="0" showMasterPhAnim="0">
   <p:cSld>
     <p:spTree>
       <p:nvGrpSpPr>
-        <p:cNvPr id="1" name="Shape 217"/>
+        <p:cNvPr id="1" name="Shape 275"/>
         <p:cNvGrpSpPr/>
         <p:nvPr/>
       </p:nvGrpSpPr>
@@ -3425,7 +3529,7 @@
       </p:grpSpPr>
       <p:sp>
         <p:nvSpPr>
-          <p:cNvPr id="218" name="Google Shape;218;p19:notes"/>
+          <p:cNvPr id="276" name="Google Shape;276;p28:notes"/>
           <p:cNvSpPr txBox="1">
             <a:spLocks noGrp="1"/>
           </p:cNvSpPr>
@@ -3463,7 +3567,7 @@
       </p:sp>
       <p:sp>
         <p:nvSpPr>
-          <p:cNvPr id="219" name="Google Shape;219;p19:notes"/>
+          <p:cNvPr id="277" name="Google Shape;277;p28:notes"/>
           <p:cNvSpPr>
             <a:spLocks noGrp="1" noRot="1" noChangeAspect="1"/>
           </p:cNvSpPr>
@@ -3510,12 +3614,12 @@
 </p:notes>
 </file>
 
-<file path=ppt/notesSlides/notesSlide27.xml><?xml version="1.0" encoding="utf-8"?>
+<file path=ppt/notesSlides/notesSlide28.xml><?xml version="1.0" encoding="utf-8"?>
 <p:notes xmlns:a="http://schemas.openxmlformats.org/drawingml/2006/main" xmlns:r="http://schemas.openxmlformats.org/officeDocument/2006/relationships" xmlns:p="http://schemas.openxmlformats.org/presentationml/2006/main" showMasterSp="0" showMasterPhAnim="0">
   <p:cSld>
     <p:spTree>
       <p:nvGrpSpPr>
-        <p:cNvPr id="1" name="Shape 224"/>
+        <p:cNvPr id="1" name="Shape 280"/>
         <p:cNvGrpSpPr/>
         <p:nvPr/>
       </p:nvGrpSpPr>
@@ -3529,7 +3633,7 @@
       </p:grpSpPr>
       <p:sp>
         <p:nvSpPr>
-          <p:cNvPr id="225" name="Google Shape;225;p20:notes"/>
+          <p:cNvPr id="281" name="Google Shape;281;p29:notes"/>
           <p:cNvSpPr txBox="1">
             <a:spLocks noGrp="1"/>
           </p:cNvSpPr>
@@ -3567,215 +3671,7 @@
       </p:sp>
       <p:sp>
         <p:nvSpPr>
-          <p:cNvPr id="226" name="Google Shape;226;p20:notes"/>
-          <p:cNvSpPr>
-            <a:spLocks noGrp="1" noRot="1" noChangeAspect="1"/>
-          </p:cNvSpPr>
-          <p:nvPr>
-            <p:ph type="sldImg" idx="2"/>
-          </p:nvPr>
-        </p:nvSpPr>
-        <p:spPr>
-          <a:xfrm>
-            <a:off x="685800" y="1143000"/>
-            <a:ext cx="5486400" cy="3086100"/>
-          </a:xfrm>
-          <a:custGeom>
-            <a:avLst/>
-            <a:gdLst/>
-            <a:ahLst/>
-            <a:cxnLst/>
-            <a:rect l="l" t="t" r="r" b="b"/>
-            <a:pathLst>
-              <a:path w="120000" h="120000" extrusionOk="0">
-                <a:moveTo>
-                  <a:pt x="0" y="0"/>
-                </a:moveTo>
-                <a:lnTo>
-                  <a:pt x="120000" y="0"/>
-                </a:lnTo>
-                <a:lnTo>
-                  <a:pt x="120000" y="120000"/>
-                </a:lnTo>
-                <a:lnTo>
-                  <a:pt x="0" y="120000"/>
-                </a:lnTo>
-                <a:close/>
-              </a:path>
-            </a:pathLst>
-          </a:custGeom>
-        </p:spPr>
-      </p:sp>
-    </p:spTree>
-  </p:cSld>
-  <p:clrMapOvr>
-    <a:masterClrMapping/>
-  </p:clrMapOvr>
-</p:notes>
-</file>
-
-<file path=ppt/notesSlides/notesSlide28.xml><?xml version="1.0" encoding="utf-8"?>
-<p:notes xmlns:a="http://schemas.openxmlformats.org/drawingml/2006/main" xmlns:r="http://schemas.openxmlformats.org/officeDocument/2006/relationships" xmlns:p="http://schemas.openxmlformats.org/presentationml/2006/main" showMasterSp="0" showMasterPhAnim="0">
-  <p:cSld>
-    <p:spTree>
-      <p:nvGrpSpPr>
-        <p:cNvPr id="1" name="Shape 231"/>
-        <p:cNvGrpSpPr/>
-        <p:nvPr/>
-      </p:nvGrpSpPr>
-      <p:grpSpPr>
-        <a:xfrm>
-          <a:off x="0" y="0"/>
-          <a:ext cx="0" cy="0"/>
-          <a:chOff x="0" y="0"/>
-          <a:chExt cx="0" cy="0"/>
-        </a:xfrm>
-      </p:grpSpPr>
-      <p:sp>
-        <p:nvSpPr>
-          <p:cNvPr id="232" name="Google Shape;232;p21:notes"/>
-          <p:cNvSpPr txBox="1">
-            <a:spLocks noGrp="1"/>
-          </p:cNvSpPr>
-          <p:nvPr>
-            <p:ph type="body" idx="1"/>
-          </p:nvPr>
-        </p:nvSpPr>
-        <p:spPr>
-          <a:xfrm>
-            <a:off x="685800" y="4400550"/>
-            <a:ext cx="5486400" cy="3600450"/>
-          </a:xfrm>
-          <a:prstGeom prst="rect">
-            <a:avLst/>
-          </a:prstGeom>
-        </p:spPr>
-        <p:txBody>
-          <a:bodyPr spcFirstLastPara="1" wrap="square" lIns="91425" tIns="45700" rIns="91425" bIns="45700" anchor="t" anchorCtr="0">
-            <a:noAutofit/>
-          </a:bodyPr>
-          <a:lstStyle/>
-          <a:p>
-            <a:pPr marL="0" lvl="0" indent="0" algn="l" rtl="0">
-              <a:spcBef>
-                <a:spcPts val="0"/>
-              </a:spcBef>
-              <a:spcAft>
-                <a:spcPts val="0"/>
-              </a:spcAft>
-              <a:buNone/>
-            </a:pPr>
-            <a:endParaRPr/>
-          </a:p>
-        </p:txBody>
-      </p:sp>
-      <p:sp>
-        <p:nvSpPr>
-          <p:cNvPr id="233" name="Google Shape;233;p21:notes"/>
-          <p:cNvSpPr>
-            <a:spLocks noGrp="1" noRot="1" noChangeAspect="1"/>
-          </p:cNvSpPr>
-          <p:nvPr>
-            <p:ph type="sldImg" idx="2"/>
-          </p:nvPr>
-        </p:nvSpPr>
-        <p:spPr>
-          <a:xfrm>
-            <a:off x="685800" y="1143000"/>
-            <a:ext cx="5486400" cy="3086100"/>
-          </a:xfrm>
-          <a:custGeom>
-            <a:avLst/>
-            <a:gdLst/>
-            <a:ahLst/>
-            <a:cxnLst/>
-            <a:rect l="l" t="t" r="r" b="b"/>
-            <a:pathLst>
-              <a:path w="120000" h="120000" extrusionOk="0">
-                <a:moveTo>
-                  <a:pt x="0" y="0"/>
-                </a:moveTo>
-                <a:lnTo>
-                  <a:pt x="120000" y="0"/>
-                </a:lnTo>
-                <a:lnTo>
-                  <a:pt x="120000" y="120000"/>
-                </a:lnTo>
-                <a:lnTo>
-                  <a:pt x="0" y="120000"/>
-                </a:lnTo>
-                <a:close/>
-              </a:path>
-            </a:pathLst>
-          </a:custGeom>
-        </p:spPr>
-      </p:sp>
-    </p:spTree>
-  </p:cSld>
-  <p:clrMapOvr>
-    <a:masterClrMapping/>
-  </p:clrMapOvr>
-</p:notes>
-</file>
-
-<file path=ppt/notesSlides/notesSlide29.xml><?xml version="1.0" encoding="utf-8"?>
-<p:notes xmlns:a="http://schemas.openxmlformats.org/drawingml/2006/main" xmlns:r="http://schemas.openxmlformats.org/officeDocument/2006/relationships" xmlns:p="http://schemas.openxmlformats.org/presentationml/2006/main" showMasterSp="0" showMasterPhAnim="0">
-  <p:cSld>
-    <p:spTree>
-      <p:nvGrpSpPr>
-        <p:cNvPr id="1" name="Shape 238"/>
-        <p:cNvGrpSpPr/>
-        <p:nvPr/>
-      </p:nvGrpSpPr>
-      <p:grpSpPr>
-        <a:xfrm>
-          <a:off x="0" y="0"/>
-          <a:ext cx="0" cy="0"/>
-          <a:chOff x="0" y="0"/>
-          <a:chExt cx="0" cy="0"/>
-        </a:xfrm>
-      </p:grpSpPr>
-      <p:sp>
-        <p:nvSpPr>
-          <p:cNvPr id="239" name="Google Shape;239;p22:notes"/>
-          <p:cNvSpPr txBox="1">
-            <a:spLocks noGrp="1"/>
-          </p:cNvSpPr>
-          <p:nvPr>
-            <p:ph type="body" idx="1"/>
-          </p:nvPr>
-        </p:nvSpPr>
-        <p:spPr>
-          <a:xfrm>
-            <a:off x="685800" y="4400550"/>
-            <a:ext cx="5486400" cy="3600450"/>
-          </a:xfrm>
-          <a:prstGeom prst="rect">
-            <a:avLst/>
-          </a:prstGeom>
-        </p:spPr>
-        <p:txBody>
-          <a:bodyPr spcFirstLastPara="1" wrap="square" lIns="91425" tIns="45700" rIns="91425" bIns="45700" anchor="t" anchorCtr="0">
-            <a:noAutofit/>
-          </a:bodyPr>
-          <a:lstStyle/>
-          <a:p>
-            <a:pPr marL="0" lvl="0" indent="0" algn="l" rtl="0">
-              <a:spcBef>
-                <a:spcPts val="0"/>
-              </a:spcBef>
-              <a:spcAft>
-                <a:spcPts val="0"/>
-              </a:spcAft>
-              <a:buNone/>
-            </a:pPr>
-            <a:endParaRPr/>
-          </a:p>
-        </p:txBody>
-      </p:sp>
-      <p:sp>
-        <p:nvSpPr>
-          <p:cNvPr id="240" name="Google Shape;240;p22:notes"/>
+          <p:cNvPr id="282" name="Google Shape;282;p29:notes"/>
           <p:cNvSpPr>
             <a:spLocks noGrp="1" noRot="1" noChangeAspect="1"/>
           </p:cNvSpPr>
@@ -3924,734 +3820,6 @@
         <p14:creationId xmlns:p14="http://schemas.microsoft.com/office/powerpoint/2010/main" val="885196489"/>
       </p:ext>
     </p:extLst>
-  </p:cSld>
-  <p:clrMapOvr>
-    <a:masterClrMapping/>
-  </p:clrMapOvr>
-</p:notes>
-</file>
-
-<file path=ppt/notesSlides/notesSlide30.xml><?xml version="1.0" encoding="utf-8"?>
-<p:notes xmlns:a="http://schemas.openxmlformats.org/drawingml/2006/main" xmlns:r="http://schemas.openxmlformats.org/officeDocument/2006/relationships" xmlns:p="http://schemas.openxmlformats.org/presentationml/2006/main" showMasterSp="0" showMasterPhAnim="0">
-  <p:cSld>
-    <p:spTree>
-      <p:nvGrpSpPr>
-        <p:cNvPr id="1" name="Shape 245"/>
-        <p:cNvGrpSpPr/>
-        <p:nvPr/>
-      </p:nvGrpSpPr>
-      <p:grpSpPr>
-        <a:xfrm>
-          <a:off x="0" y="0"/>
-          <a:ext cx="0" cy="0"/>
-          <a:chOff x="0" y="0"/>
-          <a:chExt cx="0" cy="0"/>
-        </a:xfrm>
-      </p:grpSpPr>
-      <p:sp>
-        <p:nvSpPr>
-          <p:cNvPr id="246" name="Google Shape;246;p23:notes"/>
-          <p:cNvSpPr txBox="1">
-            <a:spLocks noGrp="1"/>
-          </p:cNvSpPr>
-          <p:nvPr>
-            <p:ph type="body" idx="1"/>
-          </p:nvPr>
-        </p:nvSpPr>
-        <p:spPr>
-          <a:xfrm>
-            <a:off x="685800" y="4400550"/>
-            <a:ext cx="5486400" cy="3600450"/>
-          </a:xfrm>
-          <a:prstGeom prst="rect">
-            <a:avLst/>
-          </a:prstGeom>
-        </p:spPr>
-        <p:txBody>
-          <a:bodyPr spcFirstLastPara="1" wrap="square" lIns="91425" tIns="45700" rIns="91425" bIns="45700" anchor="t" anchorCtr="0">
-            <a:noAutofit/>
-          </a:bodyPr>
-          <a:lstStyle/>
-          <a:p>
-            <a:pPr marL="0" lvl="0" indent="0" algn="l" rtl="0">
-              <a:spcBef>
-                <a:spcPts val="0"/>
-              </a:spcBef>
-              <a:spcAft>
-                <a:spcPts val="0"/>
-              </a:spcAft>
-              <a:buNone/>
-            </a:pPr>
-            <a:endParaRPr/>
-          </a:p>
-        </p:txBody>
-      </p:sp>
-      <p:sp>
-        <p:nvSpPr>
-          <p:cNvPr id="247" name="Google Shape;247;p23:notes"/>
-          <p:cNvSpPr>
-            <a:spLocks noGrp="1" noRot="1" noChangeAspect="1"/>
-          </p:cNvSpPr>
-          <p:nvPr>
-            <p:ph type="sldImg" idx="2"/>
-          </p:nvPr>
-        </p:nvSpPr>
-        <p:spPr>
-          <a:xfrm>
-            <a:off x="685800" y="1143000"/>
-            <a:ext cx="5486400" cy="3086100"/>
-          </a:xfrm>
-          <a:custGeom>
-            <a:avLst/>
-            <a:gdLst/>
-            <a:ahLst/>
-            <a:cxnLst/>
-            <a:rect l="l" t="t" r="r" b="b"/>
-            <a:pathLst>
-              <a:path w="120000" h="120000" extrusionOk="0">
-                <a:moveTo>
-                  <a:pt x="0" y="0"/>
-                </a:moveTo>
-                <a:lnTo>
-                  <a:pt x="120000" y="0"/>
-                </a:lnTo>
-                <a:lnTo>
-                  <a:pt x="120000" y="120000"/>
-                </a:lnTo>
-                <a:lnTo>
-                  <a:pt x="0" y="120000"/>
-                </a:lnTo>
-                <a:close/>
-              </a:path>
-            </a:pathLst>
-          </a:custGeom>
-        </p:spPr>
-      </p:sp>
-    </p:spTree>
-  </p:cSld>
-  <p:clrMapOvr>
-    <a:masterClrMapping/>
-  </p:clrMapOvr>
-</p:notes>
-</file>
-
-<file path=ppt/notesSlides/notesSlide31.xml><?xml version="1.0" encoding="utf-8"?>
-<p:notes xmlns:a="http://schemas.openxmlformats.org/drawingml/2006/main" xmlns:r="http://schemas.openxmlformats.org/officeDocument/2006/relationships" xmlns:p="http://schemas.openxmlformats.org/presentationml/2006/main" showMasterSp="0" showMasterPhAnim="0">
-  <p:cSld>
-    <p:spTree>
-      <p:nvGrpSpPr>
-        <p:cNvPr id="1" name="Shape 250"/>
-        <p:cNvGrpSpPr/>
-        <p:nvPr/>
-      </p:nvGrpSpPr>
-      <p:grpSpPr>
-        <a:xfrm>
-          <a:off x="0" y="0"/>
-          <a:ext cx="0" cy="0"/>
-          <a:chOff x="0" y="0"/>
-          <a:chExt cx="0" cy="0"/>
-        </a:xfrm>
-      </p:grpSpPr>
-      <p:sp>
-        <p:nvSpPr>
-          <p:cNvPr id="251" name="Google Shape;251;p24:notes"/>
-          <p:cNvSpPr txBox="1">
-            <a:spLocks noGrp="1"/>
-          </p:cNvSpPr>
-          <p:nvPr>
-            <p:ph type="body" idx="1"/>
-          </p:nvPr>
-        </p:nvSpPr>
-        <p:spPr>
-          <a:xfrm>
-            <a:off x="685800" y="4400550"/>
-            <a:ext cx="5486400" cy="3600450"/>
-          </a:xfrm>
-          <a:prstGeom prst="rect">
-            <a:avLst/>
-          </a:prstGeom>
-        </p:spPr>
-        <p:txBody>
-          <a:bodyPr spcFirstLastPara="1" wrap="square" lIns="91425" tIns="45700" rIns="91425" bIns="45700" anchor="t" anchorCtr="0">
-            <a:noAutofit/>
-          </a:bodyPr>
-          <a:lstStyle/>
-          <a:p>
-            <a:pPr marL="0" lvl="0" indent="0" algn="l" rtl="0">
-              <a:spcBef>
-                <a:spcPts val="0"/>
-              </a:spcBef>
-              <a:spcAft>
-                <a:spcPts val="0"/>
-              </a:spcAft>
-              <a:buNone/>
-            </a:pPr>
-            <a:endParaRPr/>
-          </a:p>
-        </p:txBody>
-      </p:sp>
-      <p:sp>
-        <p:nvSpPr>
-          <p:cNvPr id="252" name="Google Shape;252;p24:notes"/>
-          <p:cNvSpPr>
-            <a:spLocks noGrp="1" noRot="1" noChangeAspect="1"/>
-          </p:cNvSpPr>
-          <p:nvPr>
-            <p:ph type="sldImg" idx="2"/>
-          </p:nvPr>
-        </p:nvSpPr>
-        <p:spPr>
-          <a:xfrm>
-            <a:off x="685800" y="1143000"/>
-            <a:ext cx="5486400" cy="3086100"/>
-          </a:xfrm>
-          <a:custGeom>
-            <a:avLst/>
-            <a:gdLst/>
-            <a:ahLst/>
-            <a:cxnLst/>
-            <a:rect l="l" t="t" r="r" b="b"/>
-            <a:pathLst>
-              <a:path w="120000" h="120000" extrusionOk="0">
-                <a:moveTo>
-                  <a:pt x="0" y="0"/>
-                </a:moveTo>
-                <a:lnTo>
-                  <a:pt x="120000" y="0"/>
-                </a:lnTo>
-                <a:lnTo>
-                  <a:pt x="120000" y="120000"/>
-                </a:lnTo>
-                <a:lnTo>
-                  <a:pt x="0" y="120000"/>
-                </a:lnTo>
-                <a:close/>
-              </a:path>
-            </a:pathLst>
-          </a:custGeom>
-        </p:spPr>
-      </p:sp>
-    </p:spTree>
-  </p:cSld>
-  <p:clrMapOvr>
-    <a:masterClrMapping/>
-  </p:clrMapOvr>
-</p:notes>
-</file>
-
-<file path=ppt/notesSlides/notesSlide32.xml><?xml version="1.0" encoding="utf-8"?>
-<p:notes xmlns:a="http://schemas.openxmlformats.org/drawingml/2006/main" xmlns:r="http://schemas.openxmlformats.org/officeDocument/2006/relationships" xmlns:p="http://schemas.openxmlformats.org/presentationml/2006/main" showMasterSp="0" showMasterPhAnim="0">
-  <p:cSld>
-    <p:spTree>
-      <p:nvGrpSpPr>
-        <p:cNvPr id="1" name="Shape 255"/>
-        <p:cNvGrpSpPr/>
-        <p:nvPr/>
-      </p:nvGrpSpPr>
-      <p:grpSpPr>
-        <a:xfrm>
-          <a:off x="0" y="0"/>
-          <a:ext cx="0" cy="0"/>
-          <a:chOff x="0" y="0"/>
-          <a:chExt cx="0" cy="0"/>
-        </a:xfrm>
-      </p:grpSpPr>
-      <p:sp>
-        <p:nvSpPr>
-          <p:cNvPr id="256" name="Google Shape;256;p25:notes"/>
-          <p:cNvSpPr txBox="1">
-            <a:spLocks noGrp="1"/>
-          </p:cNvSpPr>
-          <p:nvPr>
-            <p:ph type="body" idx="1"/>
-          </p:nvPr>
-        </p:nvSpPr>
-        <p:spPr>
-          <a:xfrm>
-            <a:off x="685800" y="4400550"/>
-            <a:ext cx="5486400" cy="3600450"/>
-          </a:xfrm>
-          <a:prstGeom prst="rect">
-            <a:avLst/>
-          </a:prstGeom>
-        </p:spPr>
-        <p:txBody>
-          <a:bodyPr spcFirstLastPara="1" wrap="square" lIns="91425" tIns="45700" rIns="91425" bIns="45700" anchor="t" anchorCtr="0">
-            <a:noAutofit/>
-          </a:bodyPr>
-          <a:lstStyle/>
-          <a:p>
-            <a:pPr marL="0" lvl="0" indent="0" algn="l" rtl="0">
-              <a:spcBef>
-                <a:spcPts val="0"/>
-              </a:spcBef>
-              <a:spcAft>
-                <a:spcPts val="0"/>
-              </a:spcAft>
-              <a:buNone/>
-            </a:pPr>
-            <a:endParaRPr/>
-          </a:p>
-        </p:txBody>
-      </p:sp>
-      <p:sp>
-        <p:nvSpPr>
-          <p:cNvPr id="257" name="Google Shape;257;p25:notes"/>
-          <p:cNvSpPr>
-            <a:spLocks noGrp="1" noRot="1" noChangeAspect="1"/>
-          </p:cNvSpPr>
-          <p:nvPr>
-            <p:ph type="sldImg" idx="2"/>
-          </p:nvPr>
-        </p:nvSpPr>
-        <p:spPr>
-          <a:xfrm>
-            <a:off x="685800" y="1143000"/>
-            <a:ext cx="5486400" cy="3086100"/>
-          </a:xfrm>
-          <a:custGeom>
-            <a:avLst/>
-            <a:gdLst/>
-            <a:ahLst/>
-            <a:cxnLst/>
-            <a:rect l="l" t="t" r="r" b="b"/>
-            <a:pathLst>
-              <a:path w="120000" h="120000" extrusionOk="0">
-                <a:moveTo>
-                  <a:pt x="0" y="0"/>
-                </a:moveTo>
-                <a:lnTo>
-                  <a:pt x="120000" y="0"/>
-                </a:lnTo>
-                <a:lnTo>
-                  <a:pt x="120000" y="120000"/>
-                </a:lnTo>
-                <a:lnTo>
-                  <a:pt x="0" y="120000"/>
-                </a:lnTo>
-                <a:close/>
-              </a:path>
-            </a:pathLst>
-          </a:custGeom>
-        </p:spPr>
-      </p:sp>
-    </p:spTree>
-  </p:cSld>
-  <p:clrMapOvr>
-    <a:masterClrMapping/>
-  </p:clrMapOvr>
-</p:notes>
-</file>
-
-<file path=ppt/notesSlides/notesSlide33.xml><?xml version="1.0" encoding="utf-8"?>
-<p:notes xmlns:a="http://schemas.openxmlformats.org/drawingml/2006/main" xmlns:r="http://schemas.openxmlformats.org/officeDocument/2006/relationships" xmlns:p="http://schemas.openxmlformats.org/presentationml/2006/main" showMasterSp="0" showMasterPhAnim="0">
-  <p:cSld>
-    <p:spTree>
-      <p:nvGrpSpPr>
-        <p:cNvPr id="1" name="Shape 260"/>
-        <p:cNvGrpSpPr/>
-        <p:nvPr/>
-      </p:nvGrpSpPr>
-      <p:grpSpPr>
-        <a:xfrm>
-          <a:off x="0" y="0"/>
-          <a:ext cx="0" cy="0"/>
-          <a:chOff x="0" y="0"/>
-          <a:chExt cx="0" cy="0"/>
-        </a:xfrm>
-      </p:grpSpPr>
-      <p:sp>
-        <p:nvSpPr>
-          <p:cNvPr id="261" name="Google Shape;261;p26:notes"/>
-          <p:cNvSpPr txBox="1">
-            <a:spLocks noGrp="1"/>
-          </p:cNvSpPr>
-          <p:nvPr>
-            <p:ph type="body" idx="1"/>
-          </p:nvPr>
-        </p:nvSpPr>
-        <p:spPr>
-          <a:xfrm>
-            <a:off x="685800" y="4400550"/>
-            <a:ext cx="5486400" cy="3600450"/>
-          </a:xfrm>
-          <a:prstGeom prst="rect">
-            <a:avLst/>
-          </a:prstGeom>
-        </p:spPr>
-        <p:txBody>
-          <a:bodyPr spcFirstLastPara="1" wrap="square" lIns="91425" tIns="45700" rIns="91425" bIns="45700" anchor="t" anchorCtr="0">
-            <a:noAutofit/>
-          </a:bodyPr>
-          <a:lstStyle/>
-          <a:p>
-            <a:pPr marL="0" lvl="0" indent="0" algn="l" rtl="0">
-              <a:spcBef>
-                <a:spcPts val="0"/>
-              </a:spcBef>
-              <a:spcAft>
-                <a:spcPts val="0"/>
-              </a:spcAft>
-              <a:buNone/>
-            </a:pPr>
-            <a:endParaRPr/>
-          </a:p>
-        </p:txBody>
-      </p:sp>
-      <p:sp>
-        <p:nvSpPr>
-          <p:cNvPr id="262" name="Google Shape;262;p26:notes"/>
-          <p:cNvSpPr>
-            <a:spLocks noGrp="1" noRot="1" noChangeAspect="1"/>
-          </p:cNvSpPr>
-          <p:nvPr>
-            <p:ph type="sldImg" idx="2"/>
-          </p:nvPr>
-        </p:nvSpPr>
-        <p:spPr>
-          <a:xfrm>
-            <a:off x="685800" y="1143000"/>
-            <a:ext cx="5486400" cy="3086100"/>
-          </a:xfrm>
-          <a:custGeom>
-            <a:avLst/>
-            <a:gdLst/>
-            <a:ahLst/>
-            <a:cxnLst/>
-            <a:rect l="l" t="t" r="r" b="b"/>
-            <a:pathLst>
-              <a:path w="120000" h="120000" extrusionOk="0">
-                <a:moveTo>
-                  <a:pt x="0" y="0"/>
-                </a:moveTo>
-                <a:lnTo>
-                  <a:pt x="120000" y="0"/>
-                </a:lnTo>
-                <a:lnTo>
-                  <a:pt x="120000" y="120000"/>
-                </a:lnTo>
-                <a:lnTo>
-                  <a:pt x="0" y="120000"/>
-                </a:lnTo>
-                <a:close/>
-              </a:path>
-            </a:pathLst>
-          </a:custGeom>
-        </p:spPr>
-      </p:sp>
-    </p:spTree>
-  </p:cSld>
-  <p:clrMapOvr>
-    <a:masterClrMapping/>
-  </p:clrMapOvr>
-</p:notes>
-</file>
-
-<file path=ppt/notesSlides/notesSlide34.xml><?xml version="1.0" encoding="utf-8"?>
-<p:notes xmlns:a="http://schemas.openxmlformats.org/drawingml/2006/main" xmlns:r="http://schemas.openxmlformats.org/officeDocument/2006/relationships" xmlns:p="http://schemas.openxmlformats.org/presentationml/2006/main" showMasterSp="0" showMasterPhAnim="0">
-  <p:cSld>
-    <p:spTree>
-      <p:nvGrpSpPr>
-        <p:cNvPr id="1" name="Shape 268"/>
-        <p:cNvGrpSpPr/>
-        <p:nvPr/>
-      </p:nvGrpSpPr>
-      <p:grpSpPr>
-        <a:xfrm>
-          <a:off x="0" y="0"/>
-          <a:ext cx="0" cy="0"/>
-          <a:chOff x="0" y="0"/>
-          <a:chExt cx="0" cy="0"/>
-        </a:xfrm>
-      </p:grpSpPr>
-      <p:sp>
-        <p:nvSpPr>
-          <p:cNvPr id="269" name="Google Shape;269;p27:notes"/>
-          <p:cNvSpPr txBox="1">
-            <a:spLocks noGrp="1"/>
-          </p:cNvSpPr>
-          <p:nvPr>
-            <p:ph type="body" idx="1"/>
-          </p:nvPr>
-        </p:nvSpPr>
-        <p:spPr>
-          <a:xfrm>
-            <a:off x="685800" y="4400550"/>
-            <a:ext cx="5486400" cy="3600450"/>
-          </a:xfrm>
-          <a:prstGeom prst="rect">
-            <a:avLst/>
-          </a:prstGeom>
-        </p:spPr>
-        <p:txBody>
-          <a:bodyPr spcFirstLastPara="1" wrap="square" lIns="91425" tIns="45700" rIns="91425" bIns="45700" anchor="t" anchorCtr="0">
-            <a:noAutofit/>
-          </a:bodyPr>
-          <a:lstStyle/>
-          <a:p>
-            <a:pPr marL="0" lvl="0" indent="0" algn="l" rtl="0">
-              <a:spcBef>
-                <a:spcPts val="0"/>
-              </a:spcBef>
-              <a:spcAft>
-                <a:spcPts val="0"/>
-              </a:spcAft>
-              <a:buNone/>
-            </a:pPr>
-            <a:endParaRPr/>
-          </a:p>
-        </p:txBody>
-      </p:sp>
-      <p:sp>
-        <p:nvSpPr>
-          <p:cNvPr id="270" name="Google Shape;270;p27:notes"/>
-          <p:cNvSpPr>
-            <a:spLocks noGrp="1" noRot="1" noChangeAspect="1"/>
-          </p:cNvSpPr>
-          <p:nvPr>
-            <p:ph type="sldImg" idx="2"/>
-          </p:nvPr>
-        </p:nvSpPr>
-        <p:spPr>
-          <a:xfrm>
-            <a:off x="685800" y="1143000"/>
-            <a:ext cx="5486400" cy="3086100"/>
-          </a:xfrm>
-          <a:custGeom>
-            <a:avLst/>
-            <a:gdLst/>
-            <a:ahLst/>
-            <a:cxnLst/>
-            <a:rect l="l" t="t" r="r" b="b"/>
-            <a:pathLst>
-              <a:path w="120000" h="120000" extrusionOk="0">
-                <a:moveTo>
-                  <a:pt x="0" y="0"/>
-                </a:moveTo>
-                <a:lnTo>
-                  <a:pt x="120000" y="0"/>
-                </a:lnTo>
-                <a:lnTo>
-                  <a:pt x="120000" y="120000"/>
-                </a:lnTo>
-                <a:lnTo>
-                  <a:pt x="0" y="120000"/>
-                </a:lnTo>
-                <a:close/>
-              </a:path>
-            </a:pathLst>
-          </a:custGeom>
-        </p:spPr>
-      </p:sp>
-    </p:spTree>
-  </p:cSld>
-  <p:clrMapOvr>
-    <a:masterClrMapping/>
-  </p:clrMapOvr>
-</p:notes>
-</file>
-
-<file path=ppt/notesSlides/notesSlide35.xml><?xml version="1.0" encoding="utf-8"?>
-<p:notes xmlns:a="http://schemas.openxmlformats.org/drawingml/2006/main" xmlns:r="http://schemas.openxmlformats.org/officeDocument/2006/relationships" xmlns:p="http://schemas.openxmlformats.org/presentationml/2006/main" showMasterSp="0" showMasterPhAnim="0">
-  <p:cSld>
-    <p:spTree>
-      <p:nvGrpSpPr>
-        <p:cNvPr id="1" name="Shape 275"/>
-        <p:cNvGrpSpPr/>
-        <p:nvPr/>
-      </p:nvGrpSpPr>
-      <p:grpSpPr>
-        <a:xfrm>
-          <a:off x="0" y="0"/>
-          <a:ext cx="0" cy="0"/>
-          <a:chOff x="0" y="0"/>
-          <a:chExt cx="0" cy="0"/>
-        </a:xfrm>
-      </p:grpSpPr>
-      <p:sp>
-        <p:nvSpPr>
-          <p:cNvPr id="276" name="Google Shape;276;p28:notes"/>
-          <p:cNvSpPr txBox="1">
-            <a:spLocks noGrp="1"/>
-          </p:cNvSpPr>
-          <p:nvPr>
-            <p:ph type="body" idx="1"/>
-          </p:nvPr>
-        </p:nvSpPr>
-        <p:spPr>
-          <a:xfrm>
-            <a:off x="685800" y="4400550"/>
-            <a:ext cx="5486400" cy="3600450"/>
-          </a:xfrm>
-          <a:prstGeom prst="rect">
-            <a:avLst/>
-          </a:prstGeom>
-        </p:spPr>
-        <p:txBody>
-          <a:bodyPr spcFirstLastPara="1" wrap="square" lIns="91425" tIns="45700" rIns="91425" bIns="45700" anchor="t" anchorCtr="0">
-            <a:noAutofit/>
-          </a:bodyPr>
-          <a:lstStyle/>
-          <a:p>
-            <a:pPr marL="0" lvl="0" indent="0" algn="l" rtl="0">
-              <a:spcBef>
-                <a:spcPts val="0"/>
-              </a:spcBef>
-              <a:spcAft>
-                <a:spcPts val="0"/>
-              </a:spcAft>
-              <a:buNone/>
-            </a:pPr>
-            <a:endParaRPr/>
-          </a:p>
-        </p:txBody>
-      </p:sp>
-      <p:sp>
-        <p:nvSpPr>
-          <p:cNvPr id="277" name="Google Shape;277;p28:notes"/>
-          <p:cNvSpPr>
-            <a:spLocks noGrp="1" noRot="1" noChangeAspect="1"/>
-          </p:cNvSpPr>
-          <p:nvPr>
-            <p:ph type="sldImg" idx="2"/>
-          </p:nvPr>
-        </p:nvSpPr>
-        <p:spPr>
-          <a:xfrm>
-            <a:off x="685800" y="1143000"/>
-            <a:ext cx="5486400" cy="3086100"/>
-          </a:xfrm>
-          <a:custGeom>
-            <a:avLst/>
-            <a:gdLst/>
-            <a:ahLst/>
-            <a:cxnLst/>
-            <a:rect l="l" t="t" r="r" b="b"/>
-            <a:pathLst>
-              <a:path w="120000" h="120000" extrusionOk="0">
-                <a:moveTo>
-                  <a:pt x="0" y="0"/>
-                </a:moveTo>
-                <a:lnTo>
-                  <a:pt x="120000" y="0"/>
-                </a:lnTo>
-                <a:lnTo>
-                  <a:pt x="120000" y="120000"/>
-                </a:lnTo>
-                <a:lnTo>
-                  <a:pt x="0" y="120000"/>
-                </a:lnTo>
-                <a:close/>
-              </a:path>
-            </a:pathLst>
-          </a:custGeom>
-        </p:spPr>
-      </p:sp>
-    </p:spTree>
-  </p:cSld>
-  <p:clrMapOvr>
-    <a:masterClrMapping/>
-  </p:clrMapOvr>
-</p:notes>
-</file>
-
-<file path=ppt/notesSlides/notesSlide36.xml><?xml version="1.0" encoding="utf-8"?>
-<p:notes xmlns:a="http://schemas.openxmlformats.org/drawingml/2006/main" xmlns:r="http://schemas.openxmlformats.org/officeDocument/2006/relationships" xmlns:p="http://schemas.openxmlformats.org/presentationml/2006/main" showMasterSp="0" showMasterPhAnim="0">
-  <p:cSld>
-    <p:spTree>
-      <p:nvGrpSpPr>
-        <p:cNvPr id="1" name="Shape 280"/>
-        <p:cNvGrpSpPr/>
-        <p:nvPr/>
-      </p:nvGrpSpPr>
-      <p:grpSpPr>
-        <a:xfrm>
-          <a:off x="0" y="0"/>
-          <a:ext cx="0" cy="0"/>
-          <a:chOff x="0" y="0"/>
-          <a:chExt cx="0" cy="0"/>
-        </a:xfrm>
-      </p:grpSpPr>
-      <p:sp>
-        <p:nvSpPr>
-          <p:cNvPr id="281" name="Google Shape;281;p29:notes"/>
-          <p:cNvSpPr txBox="1">
-            <a:spLocks noGrp="1"/>
-          </p:cNvSpPr>
-          <p:nvPr>
-            <p:ph type="body" idx="1"/>
-          </p:nvPr>
-        </p:nvSpPr>
-        <p:spPr>
-          <a:xfrm>
-            <a:off x="685800" y="4400550"/>
-            <a:ext cx="5486400" cy="3600450"/>
-          </a:xfrm>
-          <a:prstGeom prst="rect">
-            <a:avLst/>
-          </a:prstGeom>
-        </p:spPr>
-        <p:txBody>
-          <a:bodyPr spcFirstLastPara="1" wrap="square" lIns="91425" tIns="45700" rIns="91425" bIns="45700" anchor="t" anchorCtr="0">
-            <a:noAutofit/>
-          </a:bodyPr>
-          <a:lstStyle/>
-          <a:p>
-            <a:pPr marL="0" lvl="0" indent="0" algn="l" rtl="0">
-              <a:spcBef>
-                <a:spcPts val="0"/>
-              </a:spcBef>
-              <a:spcAft>
-                <a:spcPts val="0"/>
-              </a:spcAft>
-              <a:buNone/>
-            </a:pPr>
-            <a:endParaRPr/>
-          </a:p>
-        </p:txBody>
-      </p:sp>
-      <p:sp>
-        <p:nvSpPr>
-          <p:cNvPr id="282" name="Google Shape;282;p29:notes"/>
-          <p:cNvSpPr>
-            <a:spLocks noGrp="1" noRot="1" noChangeAspect="1"/>
-          </p:cNvSpPr>
-          <p:nvPr>
-            <p:ph type="sldImg" idx="2"/>
-          </p:nvPr>
-        </p:nvSpPr>
-        <p:spPr>
-          <a:xfrm>
-            <a:off x="685800" y="1143000"/>
-            <a:ext cx="5486400" cy="3086100"/>
-          </a:xfrm>
-          <a:custGeom>
-            <a:avLst/>
-            <a:gdLst/>
-            <a:ahLst/>
-            <a:cxnLst/>
-            <a:rect l="l" t="t" r="r" b="b"/>
-            <a:pathLst>
-              <a:path w="120000" h="120000" extrusionOk="0">
-                <a:moveTo>
-                  <a:pt x="0" y="0"/>
-                </a:moveTo>
-                <a:lnTo>
-                  <a:pt x="120000" y="0"/>
-                </a:lnTo>
-                <a:lnTo>
-                  <a:pt x="120000" y="120000"/>
-                </a:lnTo>
-                <a:lnTo>
-                  <a:pt x="0" y="120000"/>
-                </a:lnTo>
-                <a:close/>
-              </a:path>
-            </a:pathLst>
-          </a:custGeom>
-        </p:spPr>
-      </p:sp>
-    </p:spTree>
   </p:cSld>
   <p:clrMapOvr>
     <a:masterClrMapping/>
@@ -16430,6 +15598,185 @@
     </p:bg>
     <p:spTree>
       <p:nvGrpSpPr>
+        <p:cNvPr id="1" name="Shape 121"/>
+        <p:cNvGrpSpPr/>
+        <p:nvPr/>
+      </p:nvGrpSpPr>
+      <p:grpSpPr>
+        <a:xfrm>
+          <a:off x="0" y="0"/>
+          <a:ext cx="0" cy="0"/>
+          <a:chOff x="0" y="0"/>
+          <a:chExt cx="0" cy="0"/>
+        </a:xfrm>
+      </p:grpSpPr>
+      <p:sp>
+        <p:nvSpPr>
+          <p:cNvPr id="122" name="Google Shape;122;p5"/>
+          <p:cNvSpPr txBox="1"/>
+          <p:nvPr/>
+        </p:nvSpPr>
+        <p:spPr>
+          <a:xfrm>
+            <a:off x="-950705" y="930373"/>
+            <a:ext cx="8458993" cy="769441"/>
+          </a:xfrm>
+          <a:prstGeom prst="rect">
+            <a:avLst/>
+          </a:prstGeom>
+          <a:noFill/>
+          <a:ln>
+            <a:noFill/>
+          </a:ln>
+        </p:spPr>
+        <p:txBody>
+          <a:bodyPr spcFirstLastPara="1" wrap="square" lIns="91425" tIns="45700" rIns="91425" bIns="45700" anchor="t" anchorCtr="0">
+            <a:spAutoFit/>
+          </a:bodyPr>
+          <a:lstStyle/>
+          <a:p>
+            <a:pPr marL="0" marR="0" lvl="0" indent="0" algn="l" rtl="0">
+              <a:spcBef>
+                <a:spcPts val="0"/>
+              </a:spcBef>
+              <a:spcAft>
+                <a:spcPts val="0"/>
+              </a:spcAft>
+              <a:buNone/>
+            </a:pPr>
+            <a:r>
+              <a:rPr lang="es-ES" sz="4400" b="1" dirty="0">
+                <a:solidFill>
+                  <a:srgbClr val="38AA00"/>
+                </a:solidFill>
+                <a:latin typeface="Work Sans"/>
+                <a:ea typeface="Work Sans"/>
+                <a:cs typeface="Work Sans"/>
+                <a:sym typeface="Work Sans"/>
+              </a:rPr>
+              <a:t>		</a:t>
+            </a:r>
+            <a:r>
+              <a:rPr lang="es-ES" sz="3600" b="1" dirty="0">
+                <a:solidFill>
+                  <a:srgbClr val="38AA00"/>
+                </a:solidFill>
+                <a:latin typeface="Work Sans"/>
+                <a:ea typeface="Work Sans"/>
+                <a:cs typeface="Work Sans"/>
+                <a:sym typeface="Work Sans"/>
+              </a:rPr>
+              <a:t>Casos de uso extendidos   </a:t>
+            </a:r>
+            <a:endParaRPr sz="3600" dirty="0"/>
+          </a:p>
+        </p:txBody>
+      </p:sp>
+      <p:cxnSp>
+        <p:nvCxnSpPr>
+          <p:cNvPr id="123" name="Google Shape;123;p5"/>
+          <p:cNvCxnSpPr/>
+          <p:nvPr/>
+        </p:nvCxnSpPr>
+        <p:spPr>
+          <a:xfrm>
+            <a:off x="1137531" y="1699814"/>
+            <a:ext cx="2247544" cy="0"/>
+          </a:xfrm>
+          <a:prstGeom prst="straightConnector1">
+            <a:avLst/>
+          </a:prstGeom>
+          <a:noFill/>
+          <a:ln w="12700" cap="flat" cmpd="sng">
+            <a:solidFill>
+              <a:srgbClr val="38AA00"/>
+            </a:solidFill>
+            <a:prstDash val="solid"/>
+            <a:miter lim="800000"/>
+            <a:headEnd type="none" w="sm" len="sm"/>
+            <a:tailEnd type="none" w="sm" len="sm"/>
+          </a:ln>
+        </p:spPr>
+      </p:cxnSp>
+      <p:sp>
+        <p:nvSpPr>
+          <p:cNvPr id="3" name="Google Shape;108;p3">
+            <a:extLst>
+              <a:ext uri="{FF2B5EF4-FFF2-40B4-BE49-F238E27FC236}">
+                <a16:creationId xmlns:a16="http://schemas.microsoft.com/office/drawing/2014/main" id="{9BA378F1-B648-DB3E-E0E4-63BE4CA9FC48}"/>
+              </a:ext>
+            </a:extLst>
+          </p:cNvPr>
+          <p:cNvSpPr txBox="1"/>
+          <p:nvPr/>
+        </p:nvSpPr>
+        <p:spPr>
+          <a:xfrm>
+            <a:off x="1004795" y="2773227"/>
+            <a:ext cx="8980101" cy="276959"/>
+          </a:xfrm>
+          <a:prstGeom prst="rect">
+            <a:avLst/>
+          </a:prstGeom>
+          <a:noFill/>
+          <a:ln>
+            <a:noFill/>
+          </a:ln>
+        </p:spPr>
+        <p:txBody>
+          <a:bodyPr spcFirstLastPara="1" wrap="square" lIns="91425" tIns="45700" rIns="91425" bIns="45700" anchor="t" anchorCtr="0">
+            <a:spAutoFit/>
+          </a:bodyPr>
+          <a:lstStyle/>
+          <a:p>
+            <a:pPr marL="0" marR="0" lvl="0" indent="0" algn="l" rtl="0">
+              <a:spcBef>
+                <a:spcPts val="0"/>
+              </a:spcBef>
+              <a:spcAft>
+                <a:spcPts val="0"/>
+              </a:spcAft>
+              <a:buNone/>
+            </a:pPr>
+            <a:r>
+              <a:rPr lang="es-CO" sz="1200" dirty="0"/>
+              <a:t>https://docs.google.com/document/d/1V-tHP_mhyak7A-cbb-9cp-iWkNIbS-eu/edit?usp=drive_link</a:t>
+            </a:r>
+            <a:endParaRPr sz="1200" dirty="0"/>
+          </a:p>
+        </p:txBody>
+      </p:sp>
+    </p:spTree>
+    <p:extLst>
+      <p:ext uri="{BB962C8B-B14F-4D97-AF65-F5344CB8AC3E}">
+        <p14:creationId xmlns:p14="http://schemas.microsoft.com/office/powerpoint/2010/main" val="2449380539"/>
+      </p:ext>
+    </p:extLst>
+  </p:cSld>
+  <p:clrMapOvr>
+    <a:masterClrMapping/>
+  </p:clrMapOvr>
+</p:sld>
+</file>
+
+<file path=ppt/slides/slide11.xml><?xml version="1.0" encoding="utf-8"?>
+<p:sld xmlns:a="http://schemas.openxmlformats.org/drawingml/2006/main" xmlns:r="http://schemas.openxmlformats.org/officeDocument/2006/relationships" xmlns:p="http://schemas.openxmlformats.org/presentationml/2006/main">
+  <p:cSld>
+    <p:bg>
+      <p:bgPr>
+        <a:blipFill>
+          <a:blip r:embed="rId3">
+            <a:alphaModFix/>
+          </a:blip>
+          <a:stretch>
+            <a:fillRect/>
+          </a:stretch>
+        </a:blipFill>
+        <a:effectLst/>
+      </p:bgPr>
+    </p:bg>
+    <p:spTree>
+      <p:nvGrpSpPr>
         <p:cNvPr id="1" name="Shape 128"/>
         <p:cNvGrpSpPr/>
         <p:nvPr/>
@@ -16534,170 +15881,6 @@
           </a:ln>
         </p:spPr>
       </p:cxnSp>
-    </p:spTree>
-  </p:cSld>
-  <p:clrMapOvr>
-    <a:masterClrMapping/>
-  </p:clrMapOvr>
-</p:sld>
-</file>
-
-<file path=ppt/slides/slide11.xml><?xml version="1.0" encoding="utf-8"?>
-<p:sld xmlns:a="http://schemas.openxmlformats.org/drawingml/2006/main" xmlns:r="http://schemas.openxmlformats.org/officeDocument/2006/relationships" xmlns:p="http://schemas.openxmlformats.org/presentationml/2006/main">
-  <p:cSld>
-    <p:bg>
-      <p:bgPr>
-        <a:blipFill>
-          <a:blip r:embed="rId3">
-            <a:alphaModFix/>
-          </a:blip>
-          <a:stretch>
-            <a:fillRect/>
-          </a:stretch>
-        </a:blipFill>
-        <a:effectLst/>
-      </p:bgPr>
-    </p:bg>
-    <p:spTree>
-      <p:nvGrpSpPr>
-        <p:cNvPr id="1" name="Shape 135"/>
-        <p:cNvGrpSpPr/>
-        <p:nvPr/>
-      </p:nvGrpSpPr>
-      <p:grpSpPr>
-        <a:xfrm>
-          <a:off x="0" y="0"/>
-          <a:ext cx="0" cy="0"/>
-          <a:chOff x="0" y="0"/>
-          <a:chExt cx="0" cy="0"/>
-        </a:xfrm>
-      </p:grpSpPr>
-      <p:sp>
-        <p:nvSpPr>
-          <p:cNvPr id="136" name="Google Shape;136;p7"/>
-          <p:cNvSpPr txBox="1"/>
-          <p:nvPr/>
-        </p:nvSpPr>
-        <p:spPr>
-          <a:xfrm>
-            <a:off x="-975706" y="535309"/>
-            <a:ext cx="9858218" cy="769401"/>
-          </a:xfrm>
-          <a:prstGeom prst="rect">
-            <a:avLst/>
-          </a:prstGeom>
-          <a:noFill/>
-          <a:ln>
-            <a:noFill/>
-          </a:ln>
-        </p:spPr>
-        <p:txBody>
-          <a:bodyPr spcFirstLastPara="1" wrap="square" lIns="91425" tIns="45700" rIns="91425" bIns="45700" anchor="t" anchorCtr="0">
-            <a:spAutoFit/>
-          </a:bodyPr>
-          <a:lstStyle/>
-          <a:p>
-            <a:pPr marL="0" marR="0" lvl="0" indent="0" algn="l" rtl="0">
-              <a:spcBef>
-                <a:spcPts val="0"/>
-              </a:spcBef>
-              <a:spcAft>
-                <a:spcPts val="0"/>
-              </a:spcAft>
-              <a:buNone/>
-            </a:pPr>
-            <a:r>
-              <a:rPr lang="es-ES" sz="4400" b="1" dirty="0">
-                <a:solidFill>
-                  <a:srgbClr val="38AA00"/>
-                </a:solidFill>
-                <a:latin typeface="Work Sans"/>
-                <a:ea typeface="Work Sans"/>
-                <a:cs typeface="Work Sans"/>
-                <a:sym typeface="Work Sans"/>
-              </a:rPr>
-              <a:t>		</a:t>
-            </a:r>
-            <a:r>
-              <a:rPr lang="es-ES" sz="4000" b="1" dirty="0">
-                <a:solidFill>
-                  <a:srgbClr val="38AA00"/>
-                </a:solidFill>
-                <a:latin typeface="Work Sans"/>
-                <a:ea typeface="Work Sans"/>
-                <a:cs typeface="Work Sans"/>
-                <a:sym typeface="Work Sans"/>
-              </a:rPr>
-              <a:t>Diagrama de Administrador </a:t>
-            </a:r>
-            <a:endParaRPr sz="4000" b="1" dirty="0">
-              <a:solidFill>
-                <a:srgbClr val="38AA00"/>
-              </a:solidFill>
-              <a:latin typeface="Times New Roman"/>
-              <a:ea typeface="Times New Roman"/>
-              <a:cs typeface="Times New Roman"/>
-              <a:sym typeface="Times New Roman"/>
-            </a:endParaRPr>
-          </a:p>
-        </p:txBody>
-      </p:sp>
-      <p:cxnSp>
-        <p:nvCxnSpPr>
-          <p:cNvPr id="137" name="Google Shape;137;p7"/>
-          <p:cNvCxnSpPr/>
-          <p:nvPr/>
-        </p:nvCxnSpPr>
-        <p:spPr>
-          <a:xfrm>
-            <a:off x="1214746" y="1399232"/>
-            <a:ext cx="2247544" cy="0"/>
-          </a:xfrm>
-          <a:prstGeom prst="straightConnector1">
-            <a:avLst/>
-          </a:prstGeom>
-          <a:noFill/>
-          <a:ln w="12700" cap="flat" cmpd="sng">
-            <a:solidFill>
-              <a:srgbClr val="38AA00"/>
-            </a:solidFill>
-            <a:prstDash val="solid"/>
-            <a:miter lim="800000"/>
-            <a:headEnd type="none" w="sm" len="sm"/>
-            <a:tailEnd type="none" w="sm" len="sm"/>
-          </a:ln>
-        </p:spPr>
-      </p:cxnSp>
-      <p:pic>
-        <p:nvPicPr>
-          <p:cNvPr id="3" name="Imagen 2">
-            <a:extLst>
-              <a:ext uri="{FF2B5EF4-FFF2-40B4-BE49-F238E27FC236}">
-                <a16:creationId xmlns:a16="http://schemas.microsoft.com/office/drawing/2014/main" id="{DF99191C-CD07-13CF-516E-191544F10060}"/>
-              </a:ext>
-            </a:extLst>
-          </p:cNvPr>
-          <p:cNvPicPr>
-            <a:picLocks noChangeAspect="1"/>
-          </p:cNvPicPr>
-          <p:nvPr/>
-        </p:nvPicPr>
-        <p:blipFill>
-          <a:blip r:embed="rId4"/>
-          <a:stretch>
-            <a:fillRect/>
-          </a:stretch>
-        </p:blipFill>
-        <p:spPr>
-          <a:xfrm>
-            <a:off x="1731145" y="1983503"/>
-            <a:ext cx="8729709" cy="4143879"/>
-          </a:xfrm>
-          <a:prstGeom prst="rect">
-            <a:avLst/>
-          </a:prstGeom>
-        </p:spPr>
-      </p:pic>
     </p:spTree>
   </p:cSld>
   <p:clrMapOvr>
@@ -16792,7 +15975,7 @@
                 <a:cs typeface="Work Sans"/>
                 <a:sym typeface="Work Sans"/>
               </a:rPr>
-              <a:t>Diagrama de Barbero  </a:t>
+              <a:t>Diagrama de Administrador </a:t>
             </a:r>
             <a:endParaRPr sz="4000" b="1" dirty="0">
               <a:solidFill>
@@ -16834,10 +16017,10 @@
       </p:cxnSp>
       <p:pic>
         <p:nvPicPr>
-          <p:cNvPr id="2" name="Imagen 1">
+          <p:cNvPr id="3" name="Imagen 2">
             <a:extLst>
               <a:ext uri="{FF2B5EF4-FFF2-40B4-BE49-F238E27FC236}">
-                <a16:creationId xmlns:a16="http://schemas.microsoft.com/office/drawing/2014/main" id="{08B65B61-8C18-DF49-2305-0FFB1E2169B4}"/>
+                <a16:creationId xmlns:a16="http://schemas.microsoft.com/office/drawing/2014/main" id="{DF99191C-CD07-13CF-516E-191544F10060}"/>
               </a:ext>
             </a:extLst>
           </p:cNvPr>
@@ -16854,8 +16037,8 @@
         </p:blipFill>
         <p:spPr>
           <a:xfrm>
-            <a:off x="1284303" y="1752577"/>
-            <a:ext cx="9623394" cy="4573598"/>
+            <a:off x="1731145" y="1983503"/>
+            <a:ext cx="8729709" cy="4143879"/>
           </a:xfrm>
           <a:prstGeom prst="rect">
             <a:avLst/>
@@ -16863,11 +16046,6 @@
         </p:spPr>
       </p:pic>
     </p:spTree>
-    <p:extLst>
-      <p:ext uri="{BB962C8B-B14F-4D97-AF65-F5344CB8AC3E}">
-        <p14:creationId xmlns:p14="http://schemas.microsoft.com/office/powerpoint/2010/main" val="3659353678"/>
-      </p:ext>
-    </p:extLst>
   </p:cSld>
   <p:clrMapOvr>
     <a:masterClrMapping/>
@@ -16913,7 +16091,7 @@
         </p:nvSpPr>
         <p:spPr>
           <a:xfrm>
-            <a:off x="-860296" y="629831"/>
+            <a:off x="-975706" y="535309"/>
             <a:ext cx="9858218" cy="769401"/>
           </a:xfrm>
           <a:prstGeom prst="rect">
@@ -16961,7 +16139,7 @@
                 <a:cs typeface="Work Sans"/>
                 <a:sym typeface="Work Sans"/>
               </a:rPr>
-              <a:t>Diagrama de cliente (Compras) </a:t>
+              <a:t>Diagrama de Barbero  </a:t>
             </a:r>
             <a:endParaRPr sz="4000" b="1" dirty="0">
               <a:solidFill>
@@ -17003,10 +16181,10 @@
       </p:cxnSp>
       <p:pic>
         <p:nvPicPr>
-          <p:cNvPr id="6" name="Imagen 5">
+          <p:cNvPr id="2" name="Imagen 1">
             <a:extLst>
               <a:ext uri="{FF2B5EF4-FFF2-40B4-BE49-F238E27FC236}">
-                <a16:creationId xmlns:a16="http://schemas.microsoft.com/office/drawing/2014/main" id="{4F5AF347-C083-DE86-F0B1-AF4199456192}"/>
+                <a16:creationId xmlns:a16="http://schemas.microsoft.com/office/drawing/2014/main" id="{08B65B61-8C18-DF49-2305-0FFB1E2169B4}"/>
               </a:ext>
             </a:extLst>
           </p:cNvPr>
@@ -17023,8 +16201,8 @@
         </p:blipFill>
         <p:spPr>
           <a:xfrm>
-            <a:off x="1435223" y="1605475"/>
-            <a:ext cx="9321553" cy="5035020"/>
+            <a:off x="1284303" y="1752577"/>
+            <a:ext cx="9623394" cy="4573598"/>
           </a:xfrm>
           <a:prstGeom prst="rect">
             <a:avLst/>
@@ -17034,7 +16212,7 @@
     </p:spTree>
     <p:extLst>
       <p:ext uri="{BB962C8B-B14F-4D97-AF65-F5344CB8AC3E}">
-        <p14:creationId xmlns:p14="http://schemas.microsoft.com/office/powerpoint/2010/main" val="4278141290"/>
+        <p14:creationId xmlns:p14="http://schemas.microsoft.com/office/powerpoint/2010/main" val="3659353678"/>
       </p:ext>
     </p:extLst>
   </p:cSld>
@@ -17082,6 +16260,175 @@
         </p:nvSpPr>
         <p:spPr>
           <a:xfrm>
+            <a:off x="-860296" y="629831"/>
+            <a:ext cx="9858218" cy="769401"/>
+          </a:xfrm>
+          <a:prstGeom prst="rect">
+            <a:avLst/>
+          </a:prstGeom>
+          <a:noFill/>
+          <a:ln>
+            <a:noFill/>
+          </a:ln>
+        </p:spPr>
+        <p:txBody>
+          <a:bodyPr spcFirstLastPara="1" wrap="square" lIns="91425" tIns="45700" rIns="91425" bIns="45700" anchor="t" anchorCtr="0">
+            <a:spAutoFit/>
+          </a:bodyPr>
+          <a:lstStyle/>
+          <a:p>
+            <a:pPr marL="0" marR="0" lvl="0" indent="0" algn="l" rtl="0">
+              <a:spcBef>
+                <a:spcPts val="0"/>
+              </a:spcBef>
+              <a:spcAft>
+                <a:spcPts val="0"/>
+              </a:spcAft>
+              <a:buNone/>
+            </a:pPr>
+            <a:r>
+              <a:rPr lang="es-ES" sz="4400" b="1" dirty="0">
+                <a:solidFill>
+                  <a:srgbClr val="38AA00"/>
+                </a:solidFill>
+                <a:latin typeface="Work Sans"/>
+                <a:ea typeface="Work Sans"/>
+                <a:cs typeface="Work Sans"/>
+                <a:sym typeface="Work Sans"/>
+              </a:rPr>
+              <a:t>		</a:t>
+            </a:r>
+            <a:r>
+              <a:rPr lang="es-ES" sz="4000" b="1" dirty="0">
+                <a:solidFill>
+                  <a:srgbClr val="38AA00"/>
+                </a:solidFill>
+                <a:latin typeface="Work Sans"/>
+                <a:ea typeface="Work Sans"/>
+                <a:cs typeface="Work Sans"/>
+                <a:sym typeface="Work Sans"/>
+              </a:rPr>
+              <a:t>Diagrama de cliente (Compras) </a:t>
+            </a:r>
+            <a:endParaRPr sz="4000" b="1" dirty="0">
+              <a:solidFill>
+                <a:srgbClr val="38AA00"/>
+              </a:solidFill>
+              <a:latin typeface="Times New Roman"/>
+              <a:ea typeface="Times New Roman"/>
+              <a:cs typeface="Times New Roman"/>
+              <a:sym typeface="Times New Roman"/>
+            </a:endParaRPr>
+          </a:p>
+        </p:txBody>
+      </p:sp>
+      <p:cxnSp>
+        <p:nvCxnSpPr>
+          <p:cNvPr id="137" name="Google Shape;137;p7"/>
+          <p:cNvCxnSpPr/>
+          <p:nvPr/>
+        </p:nvCxnSpPr>
+        <p:spPr>
+          <a:xfrm>
+            <a:off x="1214746" y="1399232"/>
+            <a:ext cx="2247544" cy="0"/>
+          </a:xfrm>
+          <a:prstGeom prst="straightConnector1">
+            <a:avLst/>
+          </a:prstGeom>
+          <a:noFill/>
+          <a:ln w="12700" cap="flat" cmpd="sng">
+            <a:solidFill>
+              <a:srgbClr val="38AA00"/>
+            </a:solidFill>
+            <a:prstDash val="solid"/>
+            <a:miter lim="800000"/>
+            <a:headEnd type="none" w="sm" len="sm"/>
+            <a:tailEnd type="none" w="sm" len="sm"/>
+          </a:ln>
+        </p:spPr>
+      </p:cxnSp>
+      <p:pic>
+        <p:nvPicPr>
+          <p:cNvPr id="6" name="Imagen 5">
+            <a:extLst>
+              <a:ext uri="{FF2B5EF4-FFF2-40B4-BE49-F238E27FC236}">
+                <a16:creationId xmlns:a16="http://schemas.microsoft.com/office/drawing/2014/main" id="{4F5AF347-C083-DE86-F0B1-AF4199456192}"/>
+              </a:ext>
+            </a:extLst>
+          </p:cNvPr>
+          <p:cNvPicPr>
+            <a:picLocks noChangeAspect="1"/>
+          </p:cNvPicPr>
+          <p:nvPr/>
+        </p:nvPicPr>
+        <p:blipFill>
+          <a:blip r:embed="rId4"/>
+          <a:stretch>
+            <a:fillRect/>
+          </a:stretch>
+        </p:blipFill>
+        <p:spPr>
+          <a:xfrm>
+            <a:off x="1435223" y="1605475"/>
+            <a:ext cx="9321553" cy="5035020"/>
+          </a:xfrm>
+          <a:prstGeom prst="rect">
+            <a:avLst/>
+          </a:prstGeom>
+        </p:spPr>
+      </p:pic>
+    </p:spTree>
+    <p:extLst>
+      <p:ext uri="{BB962C8B-B14F-4D97-AF65-F5344CB8AC3E}">
+        <p14:creationId xmlns:p14="http://schemas.microsoft.com/office/powerpoint/2010/main" val="4278141290"/>
+      </p:ext>
+    </p:extLst>
+  </p:cSld>
+  <p:clrMapOvr>
+    <a:masterClrMapping/>
+  </p:clrMapOvr>
+</p:sld>
+</file>
+
+<file path=ppt/slides/slide15.xml><?xml version="1.0" encoding="utf-8"?>
+<p:sld xmlns:a="http://schemas.openxmlformats.org/drawingml/2006/main" xmlns:r="http://schemas.openxmlformats.org/officeDocument/2006/relationships" xmlns:p="http://schemas.openxmlformats.org/presentationml/2006/main">
+  <p:cSld>
+    <p:bg>
+      <p:bgPr>
+        <a:blipFill>
+          <a:blip r:embed="rId3">
+            <a:alphaModFix/>
+          </a:blip>
+          <a:stretch>
+            <a:fillRect/>
+          </a:stretch>
+        </a:blipFill>
+        <a:effectLst/>
+      </p:bgPr>
+    </p:bg>
+    <p:spTree>
+      <p:nvGrpSpPr>
+        <p:cNvPr id="1" name="Shape 135"/>
+        <p:cNvGrpSpPr/>
+        <p:nvPr/>
+      </p:nvGrpSpPr>
+      <p:grpSpPr>
+        <a:xfrm>
+          <a:off x="0" y="0"/>
+          <a:ext cx="0" cy="0"/>
+          <a:chOff x="0" y="0"/>
+          <a:chExt cx="0" cy="0"/>
+        </a:xfrm>
+      </p:grpSpPr>
+      <p:sp>
+        <p:nvSpPr>
+          <p:cNvPr id="136" name="Google Shape;136;p7"/>
+          <p:cNvSpPr txBox="1"/>
+          <p:nvPr/>
+        </p:nvSpPr>
+        <p:spPr>
+          <a:xfrm>
             <a:off x="-860297" y="629831"/>
             <a:ext cx="11957383" cy="769401"/>
           </a:xfrm>
@@ -17213,7 +16560,7 @@
 </p:sld>
 </file>
 
-<file path=ppt/slides/slide15.xml><?xml version="1.0" encoding="utf-8"?>
+<file path=ppt/slides/slide16.xml><?xml version="1.0" encoding="utf-8"?>
 <p:sld xmlns:a="http://schemas.openxmlformats.org/drawingml/2006/main" xmlns:r="http://schemas.openxmlformats.org/officeDocument/2006/relationships" xmlns:p="http://schemas.openxmlformats.org/presentationml/2006/main">
   <p:cSld>
     <p:bg>
@@ -17392,7 +16739,7 @@
 </p:sld>
 </file>
 
-<file path=ppt/slides/slide16.xml><?xml version="1.0" encoding="utf-8"?>
+<file path=ppt/slides/slide17.xml><?xml version="1.0" encoding="utf-8"?>
 <p:sld xmlns:a="http://schemas.openxmlformats.org/drawingml/2006/main" xmlns:r="http://schemas.openxmlformats.org/officeDocument/2006/relationships" xmlns:p="http://schemas.openxmlformats.org/presentationml/2006/main">
   <p:cSld>
     <p:bg>
@@ -17514,7 +16861,7 @@
         </p:nvSpPr>
         <p:spPr>
           <a:xfrm>
-            <a:off x="939751" y="3334917"/>
+            <a:off x="939751" y="2782710"/>
             <a:ext cx="10312497" cy="646290"/>
           </a:xfrm>
           <a:prstGeom prst="rect">
@@ -17564,6 +16911,58 @@
           </a:p>
         </p:txBody>
       </p:sp>
+      <p:sp>
+        <p:nvSpPr>
+          <p:cNvPr id="3" name="CuadroTexto 2">
+            <a:extLst>
+              <a:ext uri="{FF2B5EF4-FFF2-40B4-BE49-F238E27FC236}">
+                <a16:creationId xmlns:a16="http://schemas.microsoft.com/office/drawing/2014/main" id="{CFE95C4D-F677-B6FC-3554-72FEC0FA50F9}"/>
+              </a:ext>
+            </a:extLst>
+          </p:cNvPr>
+          <p:cNvSpPr txBox="1"/>
+          <p:nvPr/>
+        </p:nvSpPr>
+        <p:spPr>
+          <a:xfrm>
+            <a:off x="2604319" y="5097806"/>
+            <a:ext cx="6983360" cy="523220"/>
+          </a:xfrm>
+          <a:prstGeom prst="rect">
+            <a:avLst/>
+          </a:prstGeom>
+          <a:noFill/>
+        </p:spPr>
+        <p:txBody>
+          <a:bodyPr wrap="square">
+            <a:spAutoFit/>
+          </a:bodyPr>
+          <a:lstStyle/>
+          <a:p>
+            <a:pPr marL="0" marR="0" lvl="0" indent="0" algn="l" rtl="0">
+              <a:spcBef>
+                <a:spcPts val="0"/>
+              </a:spcBef>
+              <a:spcAft>
+                <a:spcPts val="0"/>
+              </a:spcAft>
+              <a:buNone/>
+            </a:pPr>
+            <a:r>
+              <a:rPr lang="es-ES" sz="1400" dirty="0">
+                <a:solidFill>
+                  <a:schemeClr val="dk1"/>
+                </a:solidFill>
+                <a:latin typeface="Calibri"/>
+                <a:ea typeface="Calibri"/>
+                <a:cs typeface="Calibri"/>
+                <a:sym typeface="Calibri"/>
+              </a:rPr>
+              <a:t>https://docs.google.com/spreadsheets/d/1e9tjJm0ow8DfHcLpgm-b62gqtqoRsL6X/edit?usp=drive_link&amp;ouid=107603318303826641263&amp;rtpof=true&amp;sd=true</a:t>
+            </a:r>
+          </a:p>
+        </p:txBody>
+      </p:sp>
     </p:spTree>
   </p:cSld>
   <p:clrMapOvr>
@@ -17572,7 +16971,7 @@
 </p:sld>
 </file>
 
-<file path=ppt/slides/slide17.xml><?xml version="1.0" encoding="utf-8"?>
+<file path=ppt/slides/slide18.xml><?xml version="1.0" encoding="utf-8"?>
 <p:sld xmlns:a="http://schemas.openxmlformats.org/drawingml/2006/main" xmlns:r="http://schemas.openxmlformats.org/officeDocument/2006/relationships" xmlns:p="http://schemas.openxmlformats.org/presentationml/2006/main">
   <p:cSld>
     <p:bg>
@@ -17751,7 +17150,7 @@
 </p:sld>
 </file>
 
-<file path=ppt/slides/slide18.xml><?xml version="1.0" encoding="utf-8"?>
+<file path=ppt/slides/slide19.xml><?xml version="1.0" encoding="utf-8"?>
 <p:sld xmlns:a="http://schemas.openxmlformats.org/drawingml/2006/main" xmlns:r="http://schemas.openxmlformats.org/officeDocument/2006/relationships" xmlns:p="http://schemas.openxmlformats.org/presentationml/2006/main">
   <p:cSld>
     <p:bg>
@@ -17789,7 +17188,7 @@
         </p:nvSpPr>
         <p:spPr>
           <a:xfrm>
-            <a:off x="-1073360" y="1006155"/>
+            <a:off x="-1043862" y="784084"/>
             <a:ext cx="10572467" cy="769401"/>
           </a:xfrm>
           <a:prstGeom prst="rect">
@@ -17847,7 +17246,7 @@
         </p:nvCxnSpPr>
         <p:spPr>
           <a:xfrm>
-            <a:off x="980361" y="1775556"/>
+            <a:off x="995109" y="1553485"/>
             <a:ext cx="2247544" cy="0"/>
           </a:xfrm>
           <a:prstGeom prst="straightConnector1">
@@ -17879,89 +17278,50 @@
           </p:cNvPicPr>
           <p:nvPr/>
         </p:nvPicPr>
-        <p:blipFill>
+        <p:blipFill rotWithShape="1">
           <a:blip r:embed="rId4"/>
-          <a:stretch>
-            <a:fillRect/>
-          </a:stretch>
+          <a:srcRect l="7139" t="3428" r="7091" b="17960"/>
+          <a:stretch/>
         </p:blipFill>
         <p:spPr>
           <a:xfrm>
-            <a:off x="980361" y="2174682"/>
-            <a:ext cx="10231278" cy="3677163"/>
+            <a:off x="1472381" y="2039776"/>
+            <a:ext cx="8775290" cy="2890685"/>
           </a:xfrm>
           <a:prstGeom prst="rect">
             <a:avLst/>
           </a:prstGeom>
         </p:spPr>
       </p:pic>
-    </p:spTree>
-  </p:cSld>
-  <p:clrMapOvr>
-    <a:masterClrMapping/>
-  </p:clrMapOvr>
-</p:sld>
-</file>
-
-<file path=ppt/slides/slide19.xml><?xml version="1.0" encoding="utf-8"?>
-<p:sld xmlns:a="http://schemas.openxmlformats.org/drawingml/2006/main" xmlns:r="http://schemas.openxmlformats.org/officeDocument/2006/relationships" xmlns:p="http://schemas.openxmlformats.org/presentationml/2006/main">
-  <p:cSld>
-    <p:bg>
-      <p:bgPr>
-        <a:blipFill>
-          <a:blip r:embed="rId3">
-            <a:alphaModFix/>
-          </a:blip>
-          <a:stretch>
-            <a:fillRect/>
-          </a:stretch>
-        </a:blipFill>
-        <a:effectLst/>
-      </p:bgPr>
-    </p:bg>
-    <p:spTree>
-      <p:nvGrpSpPr>
-        <p:cNvPr id="1" name="Shape 171"/>
-        <p:cNvGrpSpPr/>
-        <p:nvPr/>
-      </p:nvGrpSpPr>
-      <p:grpSpPr>
-        <a:xfrm>
-          <a:off x="0" y="0"/>
-          <a:ext cx="0" cy="0"/>
-          <a:chOff x="0" y="0"/>
-          <a:chExt cx="0" cy="0"/>
-        </a:xfrm>
-      </p:grpSpPr>
       <p:sp>
         <p:nvSpPr>
-          <p:cNvPr id="172" name="Google Shape;172;p12"/>
-          <p:cNvSpPr/>
+          <p:cNvPr id="2" name="CuadroTexto 1">
+            <a:extLst>
+              <a:ext uri="{FF2B5EF4-FFF2-40B4-BE49-F238E27FC236}">
+                <a16:creationId xmlns:a16="http://schemas.microsoft.com/office/drawing/2014/main" id="{92552B69-A1F7-F107-D98A-7721FB93666E}"/>
+              </a:ext>
+            </a:extLst>
+          </p:cNvPr>
+          <p:cNvSpPr txBox="1"/>
           <p:nvPr/>
         </p:nvSpPr>
         <p:spPr>
           <a:xfrm>
-            <a:off x="3423628" y="3954050"/>
-            <a:ext cx="5344743" cy="369332"/>
+            <a:off x="2368346" y="5550696"/>
+            <a:ext cx="6983360" cy="523220"/>
           </a:xfrm>
           <a:prstGeom prst="rect">
             <a:avLst/>
           </a:prstGeom>
           <a:noFill/>
-          <a:ln>
-            <a:noFill/>
-          </a:ln>
         </p:spPr>
         <p:txBody>
-          <a:bodyPr spcFirstLastPara="1" wrap="square" lIns="91425" tIns="45700" rIns="91425" bIns="45700" anchor="t" anchorCtr="0">
+          <a:bodyPr wrap="square">
             <a:spAutoFit/>
           </a:bodyPr>
           <a:lstStyle/>
           <a:p>
             <a:pPr marL="0" marR="0" lvl="0" indent="0" algn="l" rtl="0">
-              <a:lnSpc>
-                <a:spcPct val="90000"/>
-              </a:lnSpc>
               <a:spcBef>
                 <a:spcPts val="0"/>
               </a:spcBef>
@@ -17970,122 +17330,21 @@
               </a:spcAft>
               <a:buNone/>
             </a:pPr>
-            <a:endParaRPr sz="2000">
-              <a:solidFill>
-                <a:schemeClr val="lt1"/>
-              </a:solidFill>
-              <a:latin typeface="Work Sans Medium"/>
-              <a:ea typeface="Work Sans Medium"/>
-              <a:cs typeface="Work Sans Medium"/>
-              <a:sym typeface="Work Sans Medium"/>
-            </a:endParaRPr>
+            <a:r>
+              <a:rPr lang="es-ES" sz="1400" dirty="0">
+                <a:solidFill>
+                  <a:schemeClr val="dk1"/>
+                </a:solidFill>
+                <a:latin typeface="Calibri"/>
+                <a:ea typeface="Calibri"/>
+                <a:cs typeface="Calibri"/>
+                <a:sym typeface="Calibri"/>
+              </a:rPr>
+              <a:t>https://docs.google.com/spreadsheets/d/1wouH7W3z15q8toJcpn3zJRuDCFAK31W2/edit?usp=drive_link&amp;ouid=107603318303826641263&amp;rtpof=true&amp;sd=true</a:t>
+            </a:r>
           </a:p>
         </p:txBody>
       </p:sp>
-      <p:sp>
-        <p:nvSpPr>
-          <p:cNvPr id="173" name="Google Shape;173;p12"/>
-          <p:cNvSpPr txBox="1"/>
-          <p:nvPr/>
-        </p:nvSpPr>
-        <p:spPr>
-          <a:xfrm>
-            <a:off x="-534041" y="2623935"/>
-            <a:ext cx="13490187" cy="830997"/>
-          </a:xfrm>
-          <a:prstGeom prst="rect">
-            <a:avLst/>
-          </a:prstGeom>
-          <a:noFill/>
-          <a:ln>
-            <a:noFill/>
-          </a:ln>
-        </p:spPr>
-        <p:txBody>
-          <a:bodyPr spcFirstLastPara="1" wrap="square" lIns="91425" tIns="45700" rIns="91425" bIns="45700" anchor="t" anchorCtr="0">
-            <a:spAutoFit/>
-          </a:bodyPr>
-          <a:lstStyle/>
-          <a:p>
-            <a:pPr marL="0" marR="0" lvl="0" indent="0" algn="ctr" rtl="0">
-              <a:lnSpc>
-                <a:spcPct val="100000"/>
-              </a:lnSpc>
-              <a:spcBef>
-                <a:spcPts val="0"/>
-              </a:spcBef>
-              <a:spcAft>
-                <a:spcPts val="0"/>
-              </a:spcAft>
-              <a:buClr>
-                <a:schemeClr val="lt1"/>
-              </a:buClr>
-              <a:buSzPts val="4800"/>
-              <a:buFont typeface="Work Sans"/>
-              <a:buNone/>
-            </a:pPr>
-            <a:r>
-              <a:rPr lang="es-ES" sz="4800" b="1" u="none" strike="noStrike" cap="none">
-                <a:solidFill>
-                  <a:schemeClr val="lt1"/>
-                </a:solidFill>
-                <a:latin typeface="Work Sans"/>
-                <a:ea typeface="Work Sans"/>
-                <a:cs typeface="Work Sans"/>
-                <a:sym typeface="Work Sans"/>
-              </a:rPr>
-              <a:t>JU</a:t>
-            </a:r>
-            <a:r>
-              <a:rPr lang="es-ES" sz="4800" b="1">
-                <a:solidFill>
-                  <a:schemeClr val="lt1"/>
-                </a:solidFill>
-                <a:latin typeface="Work Sans"/>
-                <a:ea typeface="Work Sans"/>
-                <a:cs typeface="Work Sans"/>
-                <a:sym typeface="Work Sans"/>
-              </a:rPr>
-              <a:t>STIFICACIÓN</a:t>
-            </a:r>
-            <a:endParaRPr sz="4800" b="1" u="none" strike="noStrike" cap="none">
-              <a:solidFill>
-                <a:schemeClr val="lt1"/>
-              </a:solidFill>
-              <a:latin typeface="Work Sans"/>
-              <a:ea typeface="Work Sans"/>
-              <a:cs typeface="Work Sans"/>
-              <a:sym typeface="Work Sans"/>
-            </a:endParaRPr>
-          </a:p>
-        </p:txBody>
-      </p:sp>
-      <p:cxnSp>
-        <p:nvCxnSpPr>
-          <p:cNvPr id="174" name="Google Shape;174;p12"/>
-          <p:cNvCxnSpPr/>
-          <p:nvPr/>
-        </p:nvCxnSpPr>
-        <p:spPr>
-          <a:xfrm>
-            <a:off x="5013630" y="3555133"/>
-            <a:ext cx="2247544" cy="0"/>
-          </a:xfrm>
-          <a:prstGeom prst="straightConnector1">
-            <a:avLst/>
-          </a:prstGeom>
-          <a:noFill/>
-          <a:ln w="12700" cap="flat" cmpd="sng">
-            <a:solidFill>
-              <a:schemeClr val="lt1"/>
-            </a:solidFill>
-            <a:prstDash val="solid"/>
-            <a:miter lim="800000"/>
-            <a:headEnd type="none" w="sm" len="sm"/>
-            <a:tailEnd type="none" w="sm" len="sm"/>
-          </a:ln>
-        </p:spPr>
-      </p:cxnSp>
     </p:spTree>
   </p:cSld>
   <p:clrMapOvr>
@@ -18291,6 +17550,185 @@
     </p:bg>
     <p:spTree>
       <p:nvGrpSpPr>
+        <p:cNvPr id="1" name="Shape 171"/>
+        <p:cNvGrpSpPr/>
+        <p:nvPr/>
+      </p:nvGrpSpPr>
+      <p:grpSpPr>
+        <a:xfrm>
+          <a:off x="0" y="0"/>
+          <a:ext cx="0" cy="0"/>
+          <a:chOff x="0" y="0"/>
+          <a:chExt cx="0" cy="0"/>
+        </a:xfrm>
+      </p:grpSpPr>
+      <p:sp>
+        <p:nvSpPr>
+          <p:cNvPr id="172" name="Google Shape;172;p12"/>
+          <p:cNvSpPr/>
+          <p:nvPr/>
+        </p:nvSpPr>
+        <p:spPr>
+          <a:xfrm>
+            <a:off x="3423628" y="3954050"/>
+            <a:ext cx="5344743" cy="369332"/>
+          </a:xfrm>
+          <a:prstGeom prst="rect">
+            <a:avLst/>
+          </a:prstGeom>
+          <a:noFill/>
+          <a:ln>
+            <a:noFill/>
+          </a:ln>
+        </p:spPr>
+        <p:txBody>
+          <a:bodyPr spcFirstLastPara="1" wrap="square" lIns="91425" tIns="45700" rIns="91425" bIns="45700" anchor="t" anchorCtr="0">
+            <a:spAutoFit/>
+          </a:bodyPr>
+          <a:lstStyle/>
+          <a:p>
+            <a:pPr marL="0" marR="0" lvl="0" indent="0" algn="l" rtl="0">
+              <a:lnSpc>
+                <a:spcPct val="90000"/>
+              </a:lnSpc>
+              <a:spcBef>
+                <a:spcPts val="0"/>
+              </a:spcBef>
+              <a:spcAft>
+                <a:spcPts val="0"/>
+              </a:spcAft>
+              <a:buNone/>
+            </a:pPr>
+            <a:endParaRPr sz="2000">
+              <a:solidFill>
+                <a:schemeClr val="lt1"/>
+              </a:solidFill>
+              <a:latin typeface="Work Sans Medium"/>
+              <a:ea typeface="Work Sans Medium"/>
+              <a:cs typeface="Work Sans Medium"/>
+              <a:sym typeface="Work Sans Medium"/>
+            </a:endParaRPr>
+          </a:p>
+        </p:txBody>
+      </p:sp>
+      <p:sp>
+        <p:nvSpPr>
+          <p:cNvPr id="173" name="Google Shape;173;p12"/>
+          <p:cNvSpPr txBox="1"/>
+          <p:nvPr/>
+        </p:nvSpPr>
+        <p:spPr>
+          <a:xfrm>
+            <a:off x="-534041" y="2623935"/>
+            <a:ext cx="13490187" cy="830997"/>
+          </a:xfrm>
+          <a:prstGeom prst="rect">
+            <a:avLst/>
+          </a:prstGeom>
+          <a:noFill/>
+          <a:ln>
+            <a:noFill/>
+          </a:ln>
+        </p:spPr>
+        <p:txBody>
+          <a:bodyPr spcFirstLastPara="1" wrap="square" lIns="91425" tIns="45700" rIns="91425" bIns="45700" anchor="t" anchorCtr="0">
+            <a:spAutoFit/>
+          </a:bodyPr>
+          <a:lstStyle/>
+          <a:p>
+            <a:pPr marL="0" marR="0" lvl="0" indent="0" algn="ctr" rtl="0">
+              <a:lnSpc>
+                <a:spcPct val="100000"/>
+              </a:lnSpc>
+              <a:spcBef>
+                <a:spcPts val="0"/>
+              </a:spcBef>
+              <a:spcAft>
+                <a:spcPts val="0"/>
+              </a:spcAft>
+              <a:buClr>
+                <a:schemeClr val="lt1"/>
+              </a:buClr>
+              <a:buSzPts val="4800"/>
+              <a:buFont typeface="Work Sans"/>
+              <a:buNone/>
+            </a:pPr>
+            <a:r>
+              <a:rPr lang="es-ES" sz="4800" b="1" u="none" strike="noStrike" cap="none" dirty="0">
+                <a:solidFill>
+                  <a:schemeClr val="lt1"/>
+                </a:solidFill>
+                <a:latin typeface="Work Sans"/>
+                <a:ea typeface="Work Sans"/>
+                <a:cs typeface="Work Sans"/>
+                <a:sym typeface="Work Sans"/>
+              </a:rPr>
+              <a:t>DIAGRAMA DE CLASES</a:t>
+            </a:r>
+            <a:endParaRPr sz="4800" b="1" u="none" strike="noStrike" cap="none" dirty="0">
+              <a:solidFill>
+                <a:schemeClr val="lt1"/>
+              </a:solidFill>
+              <a:latin typeface="Work Sans"/>
+              <a:ea typeface="Work Sans"/>
+              <a:cs typeface="Work Sans"/>
+              <a:sym typeface="Work Sans"/>
+            </a:endParaRPr>
+          </a:p>
+        </p:txBody>
+      </p:sp>
+      <p:cxnSp>
+        <p:nvCxnSpPr>
+          <p:cNvPr id="174" name="Google Shape;174;p12"/>
+          <p:cNvCxnSpPr/>
+          <p:nvPr/>
+        </p:nvCxnSpPr>
+        <p:spPr>
+          <a:xfrm>
+            <a:off x="5013630" y="3555133"/>
+            <a:ext cx="2247544" cy="0"/>
+          </a:xfrm>
+          <a:prstGeom prst="straightConnector1">
+            <a:avLst/>
+          </a:prstGeom>
+          <a:noFill/>
+          <a:ln w="12700" cap="flat" cmpd="sng">
+            <a:solidFill>
+              <a:schemeClr val="lt1"/>
+            </a:solidFill>
+            <a:prstDash val="solid"/>
+            <a:miter lim="800000"/>
+            <a:headEnd type="none" w="sm" len="sm"/>
+            <a:tailEnd type="none" w="sm" len="sm"/>
+          </a:ln>
+        </p:spPr>
+      </p:cxnSp>
+    </p:spTree>
+  </p:cSld>
+  <p:clrMapOvr>
+    <a:masterClrMapping/>
+  </p:clrMapOvr>
+</p:sld>
+</file>
+
+<file path=ppt/slides/slide21.xml><?xml version="1.0" encoding="utf-8"?>
+<p:sld xmlns:a="http://schemas.openxmlformats.org/drawingml/2006/main" xmlns:r="http://schemas.openxmlformats.org/officeDocument/2006/relationships" xmlns:p="http://schemas.openxmlformats.org/presentationml/2006/main">
+  <p:cSld>
+    <p:bg>
+      <p:bgPr>
+        <a:blipFill>
+          <a:blip r:embed="rId3">
+            <a:alphaModFix/>
+          </a:blip>
+          <a:stretch>
+            <a:fillRect/>
+          </a:stretch>
+        </a:blipFill>
+        <a:effectLst/>
+      </p:bgPr>
+    </p:bg>
+    <p:spTree>
+      <p:nvGrpSpPr>
         <p:cNvPr id="1" name="Shape 178"/>
         <p:cNvGrpSpPr/>
         <p:nvPr/>
@@ -18311,7 +17749,7 @@
         </p:nvSpPr>
         <p:spPr>
           <a:xfrm>
-            <a:off x="-1046727" y="1521060"/>
+            <a:off x="-1046729" y="715113"/>
             <a:ext cx="8458993" cy="769441"/>
           </a:xfrm>
           <a:prstGeom prst="rect">
@@ -18338,7 +17776,7 @@
               <a:buNone/>
             </a:pPr>
             <a:r>
-              <a:rPr lang="es-ES" sz="4400" b="1">
+              <a:rPr lang="es-ES" sz="4400" b="1" dirty="0">
                 <a:solidFill>
                   <a:srgbClr val="38AA00"/>
                 </a:solidFill>
@@ -18347,21 +17785,9 @@
                 <a:cs typeface="Work Sans"/>
                 <a:sym typeface="Work Sans"/>
               </a:rPr>
-              <a:t>		</a:t>
+              <a:t>		Diagrama de clases</a:t>
             </a:r>
-            <a:r>
-              <a:rPr lang="es-ES" sz="4000" b="1">
-                <a:solidFill>
-                  <a:srgbClr val="38AA00"/>
-                </a:solidFill>
-                <a:latin typeface="Work Sans"/>
-                <a:ea typeface="Work Sans"/>
-                <a:cs typeface="Work Sans"/>
-                <a:sym typeface="Work Sans"/>
-              </a:rPr>
-              <a:t>Justificación</a:t>
-            </a:r>
-            <a:endParaRPr sz="4000" b="1">
+            <a:endParaRPr sz="4000" b="1" dirty="0">
               <a:solidFill>
                 <a:srgbClr val="38AA00"/>
               </a:solidFill>
@@ -18381,7 +17807,7 @@
         </p:nvCxnSpPr>
         <p:spPr>
           <a:xfrm>
-            <a:off x="935225" y="2290501"/>
+            <a:off x="935224" y="1540776"/>
             <a:ext cx="2247544" cy="0"/>
           </a:xfrm>
           <a:prstGeom prst="straightConnector1">
@@ -18408,7 +17834,7 @@
         <p:spPr>
           <a:xfrm>
             <a:off x="780679" y="2967335"/>
-            <a:ext cx="9903854" cy="2031325"/>
+            <a:ext cx="9903854" cy="307736"/>
           </a:xfrm>
           <a:prstGeom prst="rect">
             <a:avLst/>
@@ -18433,8 +17859,79 @@
               </a:spcAft>
               <a:buNone/>
             </a:pPr>
+            <a:endParaRPr dirty="0"/>
+          </a:p>
+        </p:txBody>
+      </p:sp>
+      <p:pic>
+        <p:nvPicPr>
+          <p:cNvPr id="3" name="Imagen 2">
+            <a:extLst>
+              <a:ext uri="{FF2B5EF4-FFF2-40B4-BE49-F238E27FC236}">
+                <a16:creationId xmlns:a16="http://schemas.microsoft.com/office/drawing/2014/main" id="{BAB3C6CF-2BD0-7ECF-6BA8-0643980FD0B0}"/>
+              </a:ext>
+            </a:extLst>
+          </p:cNvPr>
+          <p:cNvPicPr>
+            <a:picLocks noChangeAspect="1"/>
+          </p:cNvPicPr>
+          <p:nvPr/>
+        </p:nvPicPr>
+        <p:blipFill>
+          <a:blip r:embed="rId4"/>
+          <a:stretch>
+            <a:fillRect/>
+          </a:stretch>
+        </p:blipFill>
+        <p:spPr>
+          <a:xfrm>
+            <a:off x="2409312" y="2023288"/>
+            <a:ext cx="6646588" cy="3119284"/>
+          </a:xfrm>
+          <a:prstGeom prst="rect">
+            <a:avLst/>
+          </a:prstGeom>
+        </p:spPr>
+      </p:pic>
+      <p:sp>
+        <p:nvSpPr>
+          <p:cNvPr id="6" name="CuadroTexto 5">
+            <a:extLst>
+              <a:ext uri="{FF2B5EF4-FFF2-40B4-BE49-F238E27FC236}">
+                <a16:creationId xmlns:a16="http://schemas.microsoft.com/office/drawing/2014/main" id="{DD746222-CEF6-7B2A-C3A1-91F770CBF729}"/>
+              </a:ext>
+            </a:extLst>
+          </p:cNvPr>
+          <p:cNvSpPr txBox="1"/>
+          <p:nvPr/>
+        </p:nvSpPr>
+        <p:spPr>
+          <a:xfrm>
+            <a:off x="2368346" y="5550696"/>
+            <a:ext cx="6983360" cy="523220"/>
+          </a:xfrm>
+          <a:prstGeom prst="rect">
+            <a:avLst/>
+          </a:prstGeom>
+          <a:noFill/>
+        </p:spPr>
+        <p:txBody>
+          <a:bodyPr wrap="square">
+            <a:spAutoFit/>
+          </a:bodyPr>
+          <a:lstStyle/>
+          <a:p>
+            <a:pPr marL="0" marR="0" lvl="0" indent="0" algn="l" rtl="0">
+              <a:spcBef>
+                <a:spcPts val="0"/>
+              </a:spcBef>
+              <a:spcAft>
+                <a:spcPts val="0"/>
+              </a:spcAft>
+              <a:buNone/>
+            </a:pPr>
             <a:r>
-              <a:rPr lang="es-ES" sz="1800" dirty="0">
+              <a:rPr lang="es-ES" sz="1400" dirty="0">
                 <a:solidFill>
                   <a:schemeClr val="dk1"/>
                 </a:solidFill>
@@ -18443,161 +17940,8 @@
                 <a:cs typeface="Calibri"/>
                 <a:sym typeface="Calibri"/>
               </a:rPr>
-              <a:t>Para el logro de sus objetivos misionales y mejorar el rendimiento en la</a:t>
+              <a:t>https://drive.google.com/file/d/1pjsWe1eZfQYhCUIdje8O30W9AmWHL0KV/view?usp=drive_link</a:t>
             </a:r>
-            <a:endParaRPr dirty="0"/>
-          </a:p>
-          <a:p>
-            <a:pPr marL="0" marR="0" lvl="0" indent="0" algn="l" rtl="0">
-              <a:spcBef>
-                <a:spcPts val="0"/>
-              </a:spcBef>
-              <a:spcAft>
-                <a:spcPts val="0"/>
-              </a:spcAft>
-              <a:buNone/>
-            </a:pPr>
-            <a:r>
-              <a:rPr lang="es-ES" sz="1800" dirty="0">
-                <a:solidFill>
-                  <a:schemeClr val="dk1"/>
-                </a:solidFill>
-                <a:latin typeface="Calibri"/>
-                <a:ea typeface="Calibri"/>
-                <a:cs typeface="Calibri"/>
-                <a:sym typeface="Calibri"/>
-              </a:rPr>
-              <a:t>calidad y prestación de los servicios que brinda Master Barber es necesario </a:t>
-            </a:r>
-            <a:endParaRPr dirty="0"/>
-          </a:p>
-          <a:p>
-            <a:pPr marL="0" marR="0" lvl="0" indent="0" algn="l" rtl="0">
-              <a:spcBef>
-                <a:spcPts val="0"/>
-              </a:spcBef>
-              <a:spcAft>
-                <a:spcPts val="0"/>
-              </a:spcAft>
-              <a:buNone/>
-            </a:pPr>
-            <a:r>
-              <a:rPr lang="es-ES" sz="1800" dirty="0">
-                <a:solidFill>
-                  <a:schemeClr val="dk1"/>
-                </a:solidFill>
-                <a:latin typeface="Calibri"/>
-                <a:ea typeface="Calibri"/>
-                <a:cs typeface="Calibri"/>
-                <a:sym typeface="Calibri"/>
-              </a:rPr>
-              <a:t>construir un sistema de información que de solución a las reservas de turnos</a:t>
-            </a:r>
-            <a:endParaRPr dirty="0"/>
-          </a:p>
-          <a:p>
-            <a:pPr marL="0" marR="0" lvl="0" indent="0" algn="l" rtl="0">
-              <a:spcBef>
-                <a:spcPts val="0"/>
-              </a:spcBef>
-              <a:spcAft>
-                <a:spcPts val="0"/>
-              </a:spcAft>
-              <a:buNone/>
-            </a:pPr>
-            <a:r>
-              <a:rPr lang="es-ES" sz="1800" dirty="0">
-                <a:solidFill>
-                  <a:schemeClr val="dk1"/>
-                </a:solidFill>
-                <a:latin typeface="Calibri"/>
-                <a:ea typeface="Calibri"/>
-                <a:cs typeface="Calibri"/>
-                <a:sym typeface="Calibri"/>
-              </a:rPr>
-              <a:t>y de a conocer los productos que están a la venta, esto genera un gran</a:t>
-            </a:r>
-            <a:endParaRPr dirty="0"/>
-          </a:p>
-          <a:p>
-            <a:pPr marL="0" marR="0" lvl="0" indent="0" algn="l" rtl="0">
-              <a:spcBef>
-                <a:spcPts val="0"/>
-              </a:spcBef>
-              <a:spcAft>
-                <a:spcPts val="0"/>
-              </a:spcAft>
-              <a:buNone/>
-            </a:pPr>
-            <a:r>
-              <a:rPr lang="es-ES" sz="1800" dirty="0">
-                <a:solidFill>
-                  <a:schemeClr val="dk1"/>
-                </a:solidFill>
-                <a:latin typeface="Calibri"/>
-                <a:ea typeface="Calibri"/>
-                <a:cs typeface="Calibri"/>
-                <a:sym typeface="Calibri"/>
-              </a:rPr>
-              <a:t>beneficio para la Barberia en cuanto su reconocimiento y mejoras en sus funciones.</a:t>
-            </a:r>
-            <a:endParaRPr dirty="0"/>
-          </a:p>
-          <a:p>
-            <a:pPr marL="0" marR="0" lvl="0" indent="0" algn="l" rtl="0">
-              <a:spcBef>
-                <a:spcPts val="0"/>
-              </a:spcBef>
-              <a:spcAft>
-                <a:spcPts val="0"/>
-              </a:spcAft>
-              <a:buNone/>
-            </a:pPr>
-            <a:r>
-              <a:rPr lang="es-ES" sz="1800" dirty="0">
-                <a:solidFill>
-                  <a:schemeClr val="dk1"/>
-                </a:solidFill>
-                <a:latin typeface="Calibri"/>
-                <a:ea typeface="Calibri"/>
-                <a:cs typeface="Calibri"/>
-                <a:sym typeface="Calibri"/>
-              </a:rPr>
-              <a:t>Los clientes al contar con un sistema de información realizaran reservas y compras</a:t>
-            </a:r>
-            <a:endParaRPr dirty="0"/>
-          </a:p>
-          <a:p>
-            <a:pPr marL="0" marR="0" lvl="0" indent="0" algn="l" rtl="0">
-              <a:spcBef>
-                <a:spcPts val="0"/>
-              </a:spcBef>
-              <a:spcAft>
-                <a:spcPts val="0"/>
-              </a:spcAft>
-              <a:buNone/>
-            </a:pPr>
-            <a:r>
-              <a:rPr lang="es-ES" sz="1800" dirty="0">
-                <a:solidFill>
-                  <a:schemeClr val="dk1"/>
-                </a:solidFill>
-                <a:latin typeface="Calibri"/>
-                <a:ea typeface="Calibri"/>
-                <a:cs typeface="Calibri"/>
-                <a:sym typeface="Calibri"/>
-              </a:rPr>
-              <a:t>Mas seguras y eficaces.  </a:t>
-            </a:r>
-            <a:endParaRPr sz="1800" dirty="0">
-              <a:solidFill>
-                <a:schemeClr val="dk1"/>
-              </a:solidFill>
-              <a:latin typeface="Calibri"/>
-              <a:ea typeface="Calibri"/>
-              <a:cs typeface="Calibri"/>
-              <a:sym typeface="Calibri"/>
-            </a:endParaRPr>
           </a:p>
         </p:txBody>
       </p:sp>
@@ -18609,7 +17953,7 @@
 </p:sld>
 </file>
 
-<file path=ppt/slides/slide21.xml><?xml version="1.0" encoding="utf-8"?>
+<file path=ppt/slides/slide22.xml><?xml version="1.0" encoding="utf-8"?>
 <p:sld xmlns:a="http://schemas.openxmlformats.org/drawingml/2006/main" xmlns:r="http://schemas.openxmlformats.org/officeDocument/2006/relationships" xmlns:p="http://schemas.openxmlformats.org/presentationml/2006/main">
   <p:cSld>
     <p:bg>
@@ -18731,7 +18075,7 @@
               <a:buNone/>
             </a:pPr>
             <a:r>
-              <a:rPr lang="es-ES" sz="4800" b="1" u="none" strike="noStrike" cap="none">
+              <a:rPr lang="es-ES" sz="4800" b="1" dirty="0">
                 <a:solidFill>
                   <a:schemeClr val="lt1"/>
                 </a:solidFill>
@@ -18740,9 +18084,9 @@
                 <a:cs typeface="Work Sans"/>
                 <a:sym typeface="Work Sans"/>
               </a:rPr>
-              <a:t>MAPA DE PROCESOS</a:t>
+              <a:t>DIAGRAMAS DE DESPLIEGUE</a:t>
             </a:r>
-            <a:endParaRPr sz="4800" b="1" u="none" strike="noStrike" cap="none">
+            <a:endParaRPr sz="4800" b="1" u="none" strike="noStrike" cap="none" dirty="0">
               <a:solidFill>
                 <a:schemeClr val="lt1"/>
               </a:solidFill>
@@ -18788,7 +18132,7 @@
 </p:sld>
 </file>
 
-<file path=ppt/slides/slide22.xml><?xml version="1.0" encoding="utf-8"?>
+<file path=ppt/slides/slide23.xml><?xml version="1.0" encoding="utf-8"?>
 <p:sld xmlns:a="http://schemas.openxmlformats.org/drawingml/2006/main" xmlns:r="http://schemas.openxmlformats.org/officeDocument/2006/relationships" xmlns:p="http://schemas.openxmlformats.org/presentationml/2006/main">
   <p:cSld>
     <p:bg>
@@ -18826,8 +18170,8 @@
         </p:nvSpPr>
         <p:spPr>
           <a:xfrm>
-            <a:off x="-1128609" y="0"/>
-            <a:ext cx="8458993" cy="769441"/>
+            <a:off x="-1231848" y="427703"/>
+            <a:ext cx="9918648" cy="769401"/>
           </a:xfrm>
           <a:prstGeom prst="rect">
             <a:avLst/>
@@ -18853,7 +18197,7 @@
               <a:buNone/>
             </a:pPr>
             <a:r>
-              <a:rPr lang="es-ES" sz="4400" b="1">
+              <a:rPr lang="es-ES" sz="4400" b="1" dirty="0">
                 <a:solidFill>
                   <a:srgbClr val="38AA00"/>
                 </a:solidFill>
@@ -18865,7 +18209,7 @@
               <a:t>		</a:t>
             </a:r>
             <a:r>
-              <a:rPr lang="es-ES" sz="4000" b="1">
+              <a:rPr lang="es-ES" sz="4000" b="1" dirty="0">
                 <a:solidFill>
                   <a:srgbClr val="38AA00"/>
                 </a:solidFill>
@@ -18874,9 +18218,9 @@
                 <a:cs typeface="Work Sans"/>
                 <a:sym typeface="Work Sans"/>
               </a:rPr>
-              <a:t>Mapa de procesos</a:t>
+              <a:t>Diagrama Reserva De Turno</a:t>
             </a:r>
-            <a:endParaRPr sz="4000" b="1">
+            <a:endParaRPr sz="4000" b="1" dirty="0">
               <a:solidFill>
                 <a:srgbClr val="38AA00"/>
               </a:solidFill>
@@ -18896,7 +18240,7 @@
         </p:nvCxnSpPr>
         <p:spPr>
           <a:xfrm>
-            <a:off x="1016308" y="769441"/>
+            <a:off x="809830" y="1199629"/>
             <a:ext cx="2247544" cy="0"/>
           </a:xfrm>
           <a:prstGeom prst="straightConnector1">
@@ -18916,29 +18260,32 @@
       </p:cxnSp>
       <p:pic>
         <p:nvPicPr>
-          <p:cNvPr id="195" name="Google Shape;195;p15"/>
-          <p:cNvPicPr preferRelativeResize="0"/>
+          <p:cNvPr id="3" name="Imagen 2">
+            <a:extLst>
+              <a:ext uri="{FF2B5EF4-FFF2-40B4-BE49-F238E27FC236}">
+                <a16:creationId xmlns:a16="http://schemas.microsoft.com/office/drawing/2014/main" id="{EE9F9AAC-8AE4-AB97-F010-EFF56D340CA1}"/>
+              </a:ext>
+            </a:extLst>
+          </p:cNvPr>
+          <p:cNvPicPr>
+            <a:picLocks noChangeAspect="1"/>
+          </p:cNvPicPr>
           <p:nvPr/>
         </p:nvPicPr>
-        <p:blipFill rotWithShape="1">
-          <a:blip r:embed="rId4">
-            <a:alphaModFix/>
-          </a:blip>
-          <a:srcRect/>
-          <a:stretch/>
+        <p:blipFill>
+          <a:blip r:embed="rId4"/>
+          <a:stretch>
+            <a:fillRect/>
+          </a:stretch>
         </p:blipFill>
         <p:spPr>
           <a:xfrm>
-            <a:off x="1161361" y="965916"/>
-            <a:ext cx="9869277" cy="5675215"/>
+            <a:off x="2525047" y="1351321"/>
+            <a:ext cx="7141906" cy="5086350"/>
           </a:xfrm>
           <a:prstGeom prst="rect">
             <a:avLst/>
           </a:prstGeom>
-          <a:noFill/>
-          <a:ln>
-            <a:noFill/>
-          </a:ln>
         </p:spPr>
       </p:pic>
     </p:spTree>
@@ -18949,7 +18296,7 @@
 </p:sld>
 </file>
 
-<file path=ppt/slides/slide23.xml><?xml version="1.0" encoding="utf-8"?>
+<file path=ppt/slides/slide24.xml><?xml version="1.0" encoding="utf-8"?>
 <p:sld xmlns:a="http://schemas.openxmlformats.org/drawingml/2006/main" xmlns:r="http://schemas.openxmlformats.org/officeDocument/2006/relationships" xmlns:p="http://schemas.openxmlformats.org/presentationml/2006/main">
   <p:cSld>
     <p:bg>
@@ -18987,7 +18334,7 @@
         </p:nvSpPr>
         <p:spPr>
           <a:xfrm>
-            <a:off x="-1128609" y="0"/>
+            <a:off x="-1009890" y="545690"/>
             <a:ext cx="8458993" cy="769441"/>
           </a:xfrm>
           <a:prstGeom prst="rect">
@@ -19014,7 +18361,7 @@
               <a:buNone/>
             </a:pPr>
             <a:r>
-              <a:rPr lang="es-ES" sz="4400" b="1">
+              <a:rPr lang="es-ES" sz="4400" b="1" dirty="0">
                 <a:solidFill>
                   <a:srgbClr val="38AA00"/>
                 </a:solidFill>
@@ -19026,7 +18373,7 @@
               <a:t>		</a:t>
             </a:r>
             <a:r>
-              <a:rPr lang="es-ES" sz="4000" b="1">
+              <a:rPr lang="es-ES" sz="4000" b="1" dirty="0">
                 <a:solidFill>
                   <a:srgbClr val="38AA00"/>
                 </a:solidFill>
@@ -19035,9 +18382,9 @@
                 <a:cs typeface="Work Sans"/>
                 <a:sym typeface="Work Sans"/>
               </a:rPr>
-              <a:t>Mapa de procesos</a:t>
+              <a:t>Diagrama Inventario</a:t>
             </a:r>
-            <a:endParaRPr sz="4000" b="1">
+            <a:endParaRPr sz="4000" b="1" dirty="0">
               <a:solidFill>
                 <a:srgbClr val="38AA00"/>
               </a:solidFill>
@@ -19057,7 +18404,7 @@
         </p:nvCxnSpPr>
         <p:spPr>
           <a:xfrm>
-            <a:off x="1016308" y="769441"/>
+            <a:off x="972063" y="1315131"/>
             <a:ext cx="2247544" cy="0"/>
           </a:xfrm>
           <a:prstGeom prst="straightConnector1">
@@ -19077,210 +18424,34 @@
       </p:cxnSp>
       <p:pic>
         <p:nvPicPr>
-          <p:cNvPr id="202" name="Google Shape;202;p16"/>
-          <p:cNvPicPr preferRelativeResize="0"/>
+          <p:cNvPr id="3" name="Imagen 2">
+            <a:extLst>
+              <a:ext uri="{FF2B5EF4-FFF2-40B4-BE49-F238E27FC236}">
+                <a16:creationId xmlns:a16="http://schemas.microsoft.com/office/drawing/2014/main" id="{73C31BA4-8D29-5CDA-9A29-C0F5D137E7F0}"/>
+              </a:ext>
+            </a:extLst>
+          </p:cNvPr>
+          <p:cNvPicPr>
+            <a:picLocks noChangeAspect="1"/>
+          </p:cNvPicPr>
           <p:nvPr/>
         </p:nvPicPr>
-        <p:blipFill rotWithShape="1">
-          <a:blip r:embed="rId4">
-            <a:alphaModFix/>
-          </a:blip>
-          <a:srcRect/>
-          <a:stretch/>
-        </p:blipFill>
-        <p:spPr>
-          <a:xfrm>
-            <a:off x="1432678" y="862887"/>
-            <a:ext cx="9069066" cy="5853446"/>
-          </a:xfrm>
-          <a:prstGeom prst="rect">
-            <a:avLst/>
-          </a:prstGeom>
-          <a:noFill/>
-          <a:ln>
-            <a:noFill/>
-          </a:ln>
-        </p:spPr>
-      </p:pic>
-    </p:spTree>
-  </p:cSld>
-  <p:clrMapOvr>
-    <a:masterClrMapping/>
-  </p:clrMapOvr>
-</p:sld>
-</file>
-
-<file path=ppt/slides/slide24.xml><?xml version="1.0" encoding="utf-8"?>
-<p:sld xmlns:a="http://schemas.openxmlformats.org/drawingml/2006/main" xmlns:r="http://schemas.openxmlformats.org/officeDocument/2006/relationships" xmlns:p="http://schemas.openxmlformats.org/presentationml/2006/main">
-  <p:cSld>
-    <p:bg>
-      <p:bgPr>
-        <a:blipFill>
-          <a:blip r:embed="rId3">
-            <a:alphaModFix/>
-          </a:blip>
+        <p:blipFill>
+          <a:blip r:embed="rId4"/>
           <a:stretch>
             <a:fillRect/>
           </a:stretch>
-        </a:blipFill>
-        <a:effectLst/>
-      </p:bgPr>
-    </p:bg>
-    <p:spTree>
-      <p:nvGrpSpPr>
-        <p:cNvPr id="1" name="Shape 206"/>
-        <p:cNvGrpSpPr/>
-        <p:nvPr/>
-      </p:nvGrpSpPr>
-      <p:grpSpPr>
-        <a:xfrm>
-          <a:off x="0" y="0"/>
-          <a:ext cx="0" cy="0"/>
-          <a:chOff x="0" y="0"/>
-          <a:chExt cx="0" cy="0"/>
-        </a:xfrm>
-      </p:grpSpPr>
-      <p:sp>
-        <p:nvSpPr>
-          <p:cNvPr id="207" name="Google Shape;207;p17"/>
-          <p:cNvSpPr/>
-          <p:nvPr/>
-        </p:nvSpPr>
+        </p:blipFill>
         <p:spPr>
           <a:xfrm>
-            <a:off x="3423628" y="3954050"/>
-            <a:ext cx="5344743" cy="369332"/>
+            <a:off x="1921438" y="1914064"/>
+            <a:ext cx="7877175" cy="4398246"/>
           </a:xfrm>
           <a:prstGeom prst="rect">
             <a:avLst/>
           </a:prstGeom>
-          <a:noFill/>
-          <a:ln>
-            <a:noFill/>
-          </a:ln>
-        </p:spPr>
-        <p:txBody>
-          <a:bodyPr spcFirstLastPara="1" wrap="square" lIns="91425" tIns="45700" rIns="91425" bIns="45700" anchor="t" anchorCtr="0">
-            <a:spAutoFit/>
-          </a:bodyPr>
-          <a:lstStyle/>
-          <a:p>
-            <a:pPr marL="0" marR="0" lvl="0" indent="0" algn="l" rtl="0">
-              <a:lnSpc>
-                <a:spcPct val="90000"/>
-              </a:lnSpc>
-              <a:spcBef>
-                <a:spcPts val="0"/>
-              </a:spcBef>
-              <a:spcAft>
-                <a:spcPts val="0"/>
-              </a:spcAft>
-              <a:buNone/>
-            </a:pPr>
-            <a:endParaRPr sz="2000">
-              <a:solidFill>
-                <a:schemeClr val="lt1"/>
-              </a:solidFill>
-              <a:latin typeface="Work Sans Medium"/>
-              <a:ea typeface="Work Sans Medium"/>
-              <a:cs typeface="Work Sans Medium"/>
-              <a:sym typeface="Work Sans Medium"/>
-            </a:endParaRPr>
-          </a:p>
-        </p:txBody>
-      </p:sp>
-      <p:sp>
-        <p:nvSpPr>
-          <p:cNvPr id="208" name="Google Shape;208;p17"/>
-          <p:cNvSpPr txBox="1"/>
-          <p:nvPr/>
-        </p:nvSpPr>
-        <p:spPr>
-          <a:xfrm>
-            <a:off x="-534041" y="2623935"/>
-            <a:ext cx="13490187" cy="830997"/>
-          </a:xfrm>
-          <a:prstGeom prst="rect">
-            <a:avLst/>
-          </a:prstGeom>
-          <a:noFill/>
-          <a:ln>
-            <a:noFill/>
-          </a:ln>
-        </p:spPr>
-        <p:txBody>
-          <a:bodyPr spcFirstLastPara="1" wrap="square" lIns="91425" tIns="45700" rIns="91425" bIns="45700" anchor="t" anchorCtr="0">
-            <a:spAutoFit/>
-          </a:bodyPr>
-          <a:lstStyle/>
-          <a:p>
-            <a:pPr marL="0" marR="0" lvl="0" indent="0" algn="ctr" rtl="0">
-              <a:lnSpc>
-                <a:spcPct val="100000"/>
-              </a:lnSpc>
-              <a:spcBef>
-                <a:spcPts val="0"/>
-              </a:spcBef>
-              <a:spcAft>
-                <a:spcPts val="0"/>
-              </a:spcAft>
-              <a:buClr>
-                <a:schemeClr val="lt1"/>
-              </a:buClr>
-              <a:buSzPts val="4800"/>
-              <a:buFont typeface="Work Sans"/>
-              <a:buNone/>
-            </a:pPr>
-            <a:r>
-              <a:rPr lang="es-ES" sz="4800" b="1">
-                <a:solidFill>
-                  <a:schemeClr val="lt1"/>
-                </a:solidFill>
-                <a:latin typeface="Work Sans"/>
-                <a:ea typeface="Work Sans"/>
-                <a:cs typeface="Work Sans"/>
-                <a:sym typeface="Work Sans"/>
-              </a:rPr>
-              <a:t>Método de recolección de información</a:t>
-            </a:r>
-            <a:endParaRPr sz="4800" b="1" u="none" strike="noStrike" cap="none">
-              <a:solidFill>
-                <a:schemeClr val="lt1"/>
-              </a:solidFill>
-              <a:latin typeface="Work Sans"/>
-              <a:ea typeface="Work Sans"/>
-              <a:cs typeface="Work Sans"/>
-              <a:sym typeface="Work Sans"/>
-            </a:endParaRPr>
-          </a:p>
-        </p:txBody>
-      </p:sp>
-      <p:cxnSp>
-        <p:nvCxnSpPr>
-          <p:cNvPr id="209" name="Google Shape;209;p17"/>
-          <p:cNvCxnSpPr/>
-          <p:nvPr/>
-        </p:nvCxnSpPr>
-        <p:spPr>
-          <a:xfrm>
-            <a:off x="5013630" y="3555133"/>
-            <a:ext cx="2247544" cy="0"/>
-          </a:xfrm>
-          <a:prstGeom prst="straightConnector1">
-            <a:avLst/>
-          </a:prstGeom>
-          <a:noFill/>
-          <a:ln w="12700" cap="flat" cmpd="sng">
-            <a:solidFill>
-              <a:schemeClr val="lt1"/>
-            </a:solidFill>
-            <a:prstDash val="solid"/>
-            <a:miter lim="800000"/>
-            <a:headEnd type="none" w="sm" len="sm"/>
-            <a:tailEnd type="none" w="sm" len="sm"/>
-          </a:ln>
-        </p:spPr>
-      </p:cxnSp>
+        </p:spPr>
+      </p:pic>
     </p:spTree>
   </p:cSld>
   <p:clrMapOvr>
@@ -19307,7 +18478,7 @@
     </p:bg>
     <p:spTree>
       <p:nvGrpSpPr>
-        <p:cNvPr id="1" name="Shape 213"/>
+        <p:cNvPr id="1" name="Shape 199"/>
         <p:cNvGrpSpPr/>
         <p:nvPr/>
       </p:nvGrpSpPr>
@@ -19321,14 +18492,14 @@
       </p:grpSpPr>
       <p:sp>
         <p:nvSpPr>
-          <p:cNvPr id="214" name="Google Shape;214;p18"/>
+          <p:cNvPr id="200" name="Google Shape;200;p16"/>
           <p:cNvSpPr txBox="1"/>
           <p:nvPr/>
         </p:nvSpPr>
         <p:spPr>
           <a:xfrm>
-            <a:off x="-1071895" y="1092013"/>
-            <a:ext cx="12120196" cy="769441"/>
+            <a:off x="-1304858" y="301076"/>
+            <a:ext cx="8458993" cy="769441"/>
           </a:xfrm>
           <a:prstGeom prst="rect">
             <a:avLst/>
@@ -19354,7 +18525,7 @@
               <a:buNone/>
             </a:pPr>
             <a:r>
-              <a:rPr lang="es-ES" sz="4400" b="1">
+              <a:rPr lang="es-ES" sz="4400" b="1" dirty="0">
                 <a:solidFill>
                   <a:srgbClr val="38AA00"/>
                 </a:solidFill>
@@ -19366,7 +18537,7 @@
               <a:t>		</a:t>
             </a:r>
             <a:r>
-              <a:rPr lang="es-ES" sz="4000" b="1">
+              <a:rPr lang="es-ES" sz="4000" b="1" dirty="0">
                 <a:solidFill>
                   <a:srgbClr val="38AA00"/>
                 </a:solidFill>
@@ -19375,9 +18546,9 @@
                 <a:cs typeface="Work Sans"/>
                 <a:sym typeface="Work Sans"/>
               </a:rPr>
-              <a:t>Método de recolección de información</a:t>
+              <a:t>Diagrama De Compras</a:t>
             </a:r>
-            <a:endParaRPr sz="4000" b="1">
+            <a:endParaRPr sz="4000" b="1" dirty="0">
               <a:solidFill>
                 <a:srgbClr val="38AA00"/>
               </a:solidFill>
@@ -19391,13 +18562,13 @@
       </p:sp>
       <p:cxnSp>
         <p:nvCxnSpPr>
-          <p:cNvPr id="215" name="Google Shape;215;p18"/>
+          <p:cNvPr id="201" name="Google Shape;201;p16"/>
           <p:cNvCxnSpPr/>
           <p:nvPr/>
         </p:nvCxnSpPr>
         <p:spPr>
           <a:xfrm>
-            <a:off x="1067558" y="1861454"/>
+            <a:off x="677094" y="1070517"/>
             <a:ext cx="2247544" cy="0"/>
           </a:xfrm>
           <a:prstGeom prst="straightConnector1">
@@ -19415,89 +18586,42 @@
           </a:ln>
         </p:spPr>
       </p:cxnSp>
-      <p:sp>
-        <p:nvSpPr>
-          <p:cNvPr id="216" name="Google Shape;216;p18"/>
-          <p:cNvSpPr txBox="1"/>
+      <p:pic>
+        <p:nvPicPr>
+          <p:cNvPr id="4" name="Imagen 3">
+            <a:extLst>
+              <a:ext uri="{FF2B5EF4-FFF2-40B4-BE49-F238E27FC236}">
+                <a16:creationId xmlns:a16="http://schemas.microsoft.com/office/drawing/2014/main" id="{EC0BB3CF-6590-FCBA-BC62-39ABE5807429}"/>
+              </a:ext>
+            </a:extLst>
+          </p:cNvPr>
+          <p:cNvPicPr>
+            <a:picLocks noChangeAspect="1"/>
+          </p:cNvPicPr>
           <p:nvPr/>
-        </p:nvSpPr>
+        </p:nvPicPr>
+        <p:blipFill>
+          <a:blip r:embed="rId4"/>
+          <a:stretch>
+            <a:fillRect/>
+          </a:stretch>
+        </p:blipFill>
         <p:spPr>
           <a:xfrm>
-            <a:off x="994775" y="2330957"/>
-            <a:ext cx="5436066" cy="1477328"/>
+            <a:off x="1328584" y="1179874"/>
+            <a:ext cx="9534831" cy="5377050"/>
           </a:xfrm>
           <a:prstGeom prst="rect">
             <a:avLst/>
           </a:prstGeom>
-          <a:noFill/>
-          <a:ln>
-            <a:noFill/>
-          </a:ln>
-        </p:spPr>
-        <p:txBody>
-          <a:bodyPr spcFirstLastPara="1" wrap="square" lIns="91425" tIns="45700" rIns="91425" bIns="45700" anchor="t" anchorCtr="0">
-            <a:spAutoFit/>
-          </a:bodyPr>
-          <a:lstStyle/>
-          <a:p>
-            <a:pPr marL="0" marR="0" lvl="0" indent="0" algn="l" rtl="0">
-              <a:spcBef>
-                <a:spcPts val="0"/>
-              </a:spcBef>
-              <a:spcAft>
-                <a:spcPts val="0"/>
-              </a:spcAft>
-              <a:buNone/>
-            </a:pPr>
-            <a:r>
-              <a:rPr lang="es-ES" sz="1800" b="1">
-                <a:solidFill>
-                  <a:schemeClr val="dk1"/>
-                </a:solidFill>
-                <a:latin typeface="Calibri"/>
-                <a:ea typeface="Calibri"/>
-                <a:cs typeface="Calibri"/>
-                <a:sym typeface="Calibri"/>
-              </a:rPr>
-              <a:t>ENCUESTA</a:t>
-            </a:r>
-            <a:r>
-              <a:rPr lang="es-ES" sz="1800">
-                <a:solidFill>
-                  <a:schemeClr val="dk1"/>
-                </a:solidFill>
-                <a:latin typeface="Calibri"/>
-                <a:ea typeface="Calibri"/>
-                <a:cs typeface="Calibri"/>
-                <a:sym typeface="Calibri"/>
-              </a:rPr>
-              <a:t>: https://docs.google.com/forms/d/e/1FAIpQLSfIGmHP4l45tozP01t-_Ppv3uEt2U2hG1OTClSOt68Wj8-bTg/viewform</a:t>
-            </a:r>
-            <a:endParaRPr/>
-          </a:p>
-          <a:p>
-            <a:pPr marL="0" marR="0" lvl="0" indent="0" algn="l" rtl="0">
-              <a:spcBef>
-                <a:spcPts val="0"/>
-              </a:spcBef>
-              <a:spcAft>
-                <a:spcPts val="0"/>
-              </a:spcAft>
-              <a:buNone/>
-            </a:pPr>
-            <a:endParaRPr sz="1800">
-              <a:solidFill>
-                <a:schemeClr val="dk1"/>
-              </a:solidFill>
-              <a:latin typeface="Calibri"/>
-              <a:ea typeface="Calibri"/>
-              <a:cs typeface="Calibri"/>
-              <a:sym typeface="Calibri"/>
-            </a:endParaRPr>
-          </a:p>
-        </p:txBody>
-      </p:sp>
+        </p:spPr>
+      </p:pic>
     </p:spTree>
+    <p:extLst>
+      <p:ext uri="{BB962C8B-B14F-4D97-AF65-F5344CB8AC3E}">
+        <p14:creationId xmlns:p14="http://schemas.microsoft.com/office/powerpoint/2010/main" val="2453076917"/>
+      </p:ext>
+    </p:extLst>
   </p:cSld>
   <p:clrMapOvr>
     <a:masterClrMapping/>
@@ -19523,7 +18647,7 @@
     </p:bg>
     <p:spTree>
       <p:nvGrpSpPr>
-        <p:cNvPr id="1" name="Shape 220"/>
+        <p:cNvPr id="1" name="Shape 199"/>
         <p:cNvGrpSpPr/>
         <p:nvPr/>
       </p:nvGrpSpPr>
@@ -19537,14 +18661,14 @@
       </p:grpSpPr>
       <p:sp>
         <p:nvSpPr>
-          <p:cNvPr id="221" name="Google Shape;221;p19"/>
-          <p:cNvSpPr/>
+          <p:cNvPr id="200" name="Google Shape;200;p16"/>
+          <p:cNvSpPr txBox="1"/>
           <p:nvPr/>
         </p:nvSpPr>
         <p:spPr>
           <a:xfrm>
-            <a:off x="3423628" y="3954050"/>
-            <a:ext cx="5344743" cy="369332"/>
+            <a:off x="-1334355" y="522302"/>
+            <a:ext cx="10330871" cy="769401"/>
           </a:xfrm>
           <a:prstGeom prst="rect">
             <a:avLst/>
@@ -19561,104 +18685,59 @@
           <a:lstStyle/>
           <a:p>
             <a:pPr marL="0" marR="0" lvl="0" indent="0" algn="l" rtl="0">
-              <a:lnSpc>
-                <a:spcPct val="90000"/>
-              </a:lnSpc>
-              <a:spcBef>
-                <a:spcPts val="0"/>
-              </a:spcBef>
-              <a:spcAft>
-                <a:spcPts val="0"/>
-              </a:spcAft>
-              <a:buNone/>
-            </a:pPr>
-            <a:endParaRPr sz="2000">
-              <a:solidFill>
-                <a:schemeClr val="lt1"/>
-              </a:solidFill>
-              <a:latin typeface="Work Sans Medium"/>
-              <a:ea typeface="Work Sans Medium"/>
-              <a:cs typeface="Work Sans Medium"/>
-              <a:sym typeface="Work Sans Medium"/>
-            </a:endParaRPr>
-          </a:p>
-        </p:txBody>
-      </p:sp>
-      <p:sp>
-        <p:nvSpPr>
-          <p:cNvPr id="222" name="Google Shape;222;p19"/>
-          <p:cNvSpPr txBox="1"/>
-          <p:nvPr/>
-        </p:nvSpPr>
-        <p:spPr>
-          <a:xfrm>
-            <a:off x="-391428" y="1985473"/>
-            <a:ext cx="12726041" cy="1569660"/>
-          </a:xfrm>
-          <a:prstGeom prst="rect">
-            <a:avLst/>
-          </a:prstGeom>
-          <a:noFill/>
-          <a:ln>
-            <a:noFill/>
-          </a:ln>
-        </p:spPr>
-        <p:txBody>
-          <a:bodyPr spcFirstLastPara="1" wrap="square" lIns="91425" tIns="45700" rIns="91425" bIns="45700" anchor="t" anchorCtr="0">
-            <a:spAutoFit/>
-          </a:bodyPr>
-          <a:lstStyle/>
-          <a:p>
-            <a:pPr marL="0" marR="0" lvl="0" indent="0" algn="ctr" rtl="0">
-              <a:lnSpc>
-                <a:spcPct val="100000"/>
-              </a:lnSpc>
-              <a:spcBef>
-                <a:spcPts val="0"/>
-              </a:spcBef>
-              <a:spcAft>
-                <a:spcPts val="0"/>
-              </a:spcAft>
-              <a:buClr>
-                <a:schemeClr val="lt1"/>
-              </a:buClr>
-              <a:buSzPts val="4800"/>
-              <a:buFont typeface="Work Sans"/>
+              <a:spcBef>
+                <a:spcPts val="0"/>
+              </a:spcBef>
+              <a:spcAft>
+                <a:spcPts val="0"/>
+              </a:spcAft>
               <a:buNone/>
             </a:pPr>
             <a:r>
-              <a:rPr lang="es-ES" sz="4800" b="1">
+              <a:rPr lang="es-ES" sz="4400" b="1" dirty="0">
                 <a:solidFill>
-                  <a:schemeClr val="lt1"/>
+                  <a:srgbClr val="38AA00"/>
                 </a:solidFill>
                 <a:latin typeface="Work Sans"/>
                 <a:ea typeface="Work Sans"/>
                 <a:cs typeface="Work Sans"/>
                 <a:sym typeface="Work Sans"/>
               </a:rPr>
-              <a:t>REQUERIMINETOS FUNCIONALES Y NO FUNCIONALES</a:t>
+              <a:t>		</a:t>
             </a:r>
-            <a:endParaRPr sz="4800" b="1" u="none" strike="noStrike" cap="none">
+            <a:r>
+              <a:rPr lang="es-ES" sz="4000" b="1" dirty="0">
+                <a:solidFill>
+                  <a:srgbClr val="38AA00"/>
+                </a:solidFill>
+                <a:latin typeface="Work Sans"/>
+                <a:ea typeface="Work Sans"/>
+                <a:cs typeface="Work Sans"/>
+                <a:sym typeface="Work Sans"/>
+              </a:rPr>
+              <a:t>Diagrama Carrito De Compras</a:t>
+            </a:r>
+            <a:endParaRPr sz="4000" b="1" dirty="0">
               <a:solidFill>
-                <a:schemeClr val="lt1"/>
+                <a:srgbClr val="38AA00"/>
               </a:solidFill>
-              <a:latin typeface="Work Sans"/>
-              <a:ea typeface="Work Sans"/>
-              <a:cs typeface="Work Sans"/>
-              <a:sym typeface="Work Sans"/>
+              <a:latin typeface="Times New Roman"/>
+              <a:ea typeface="Times New Roman"/>
+              <a:cs typeface="Times New Roman"/>
+              <a:sym typeface="Times New Roman"/>
             </a:endParaRPr>
           </a:p>
         </p:txBody>
       </p:sp>
       <p:cxnSp>
         <p:nvCxnSpPr>
-          <p:cNvPr id="223" name="Google Shape;223;p19"/>
+          <p:cNvPr id="201" name="Google Shape;201;p16"/>
           <p:cNvCxnSpPr/>
           <p:nvPr/>
         </p:nvCxnSpPr>
         <p:spPr>
           <a:xfrm>
-            <a:off x="4847820" y="3555133"/>
+            <a:off x="647598" y="1291743"/>
             <a:ext cx="2247544" cy="0"/>
           </a:xfrm>
           <a:prstGeom prst="straightConnector1">
@@ -19667,7 +18746,7 @@
           <a:noFill/>
           <a:ln w="12700" cap="flat" cmpd="sng">
             <a:solidFill>
-              <a:schemeClr val="lt1"/>
+              <a:srgbClr val="38AA00"/>
             </a:solidFill>
             <a:prstDash val="solid"/>
             <a:miter lim="800000"/>
@@ -19676,7 +18755,42 @@
           </a:ln>
         </p:spPr>
       </p:cxnSp>
+      <p:pic>
+        <p:nvPicPr>
+          <p:cNvPr id="3" name="Imagen 2">
+            <a:extLst>
+              <a:ext uri="{FF2B5EF4-FFF2-40B4-BE49-F238E27FC236}">
+                <a16:creationId xmlns:a16="http://schemas.microsoft.com/office/drawing/2014/main" id="{F431EE5A-84C8-07FF-F7D7-6C4E4F0629E4}"/>
+              </a:ext>
+            </a:extLst>
+          </p:cNvPr>
+          <p:cNvPicPr>
+            <a:picLocks noChangeAspect="1"/>
+          </p:cNvPicPr>
+          <p:nvPr/>
+        </p:nvPicPr>
+        <p:blipFill>
+          <a:blip r:embed="rId4"/>
+          <a:stretch>
+            <a:fillRect/>
+          </a:stretch>
+        </p:blipFill>
+        <p:spPr>
+          <a:xfrm>
+            <a:off x="2069690" y="1576577"/>
+            <a:ext cx="8052619" cy="4736998"/>
+          </a:xfrm>
+          <a:prstGeom prst="rect">
+            <a:avLst/>
+          </a:prstGeom>
+        </p:spPr>
+      </p:pic>
     </p:spTree>
+    <p:extLst>
+      <p:ext uri="{BB962C8B-B14F-4D97-AF65-F5344CB8AC3E}">
+        <p14:creationId xmlns:p14="http://schemas.microsoft.com/office/powerpoint/2010/main" val="4097675449"/>
+      </p:ext>
+    </p:extLst>
   </p:cSld>
   <p:clrMapOvr>
     <a:masterClrMapping/>
@@ -19702,7 +18816,7 @@
     </p:bg>
     <p:spTree>
       <p:nvGrpSpPr>
-        <p:cNvPr id="1" name="Shape 227"/>
+        <p:cNvPr id="1" name="Shape 278"/>
         <p:cNvGrpSpPr/>
         <p:nvPr/>
       </p:nvGrpSpPr>
@@ -19716,14 +18830,14 @@
       </p:grpSpPr>
       <p:sp>
         <p:nvSpPr>
-          <p:cNvPr id="228" name="Google Shape;228;p20"/>
+          <p:cNvPr id="279" name="Google Shape;279;p28"/>
           <p:cNvSpPr txBox="1"/>
           <p:nvPr/>
         </p:nvSpPr>
         <p:spPr>
           <a:xfrm>
-            <a:off x="-1105451" y="303448"/>
-            <a:ext cx="12120196" cy="769441"/>
+            <a:off x="626378" y="1357834"/>
+            <a:ext cx="8836404" cy="3970318"/>
           </a:xfrm>
           <a:prstGeom prst="rect">
             <a:avLst/>
@@ -19749,783 +18863,320 @@
               <a:buNone/>
             </a:pPr>
             <a:r>
-              <a:rPr lang="es-ES" sz="4400" b="1">
+              <a:rPr lang="es-ES" sz="1800" b="1" dirty="0">
                 <a:solidFill>
-                  <a:srgbClr val="38AA00"/>
+                  <a:schemeClr val="dk1"/>
                 </a:solidFill>
-                <a:latin typeface="Work Sans"/>
-                <a:ea typeface="Work Sans"/>
-                <a:cs typeface="Work Sans"/>
-                <a:sym typeface="Work Sans"/>
+                <a:latin typeface="Calibri"/>
+                <a:ea typeface="Calibri"/>
+                <a:cs typeface="Calibri"/>
+                <a:sym typeface="Calibri"/>
               </a:rPr>
-              <a:t>		</a:t>
+              <a:t>Empresa: </a:t>
             </a:r>
             <a:r>
-              <a:rPr lang="es-ES" sz="4000" b="1">
+              <a:rPr lang="es-ES" sz="1800" dirty="0">
                 <a:solidFill>
-                  <a:srgbClr val="38AA00"/>
+                  <a:schemeClr val="dk1"/>
                 </a:solidFill>
-                <a:latin typeface="Work Sans"/>
-                <a:ea typeface="Work Sans"/>
-                <a:cs typeface="Work Sans"/>
-                <a:sym typeface="Work Sans"/>
+                <a:latin typeface="Calibri"/>
+                <a:ea typeface="Calibri"/>
+                <a:cs typeface="Calibri"/>
+                <a:sym typeface="Calibri"/>
               </a:rPr>
-              <a:t>Requerimientos Funcionales</a:t>
+              <a:t>Master Barber (Barberia)</a:t>
             </a:r>
-            <a:endParaRPr sz="4000" b="1">
+            <a:endParaRPr dirty="0"/>
+          </a:p>
+          <a:p>
+            <a:pPr marL="0" marR="0" lvl="0" indent="0" algn="l" rtl="0">
+              <a:spcBef>
+                <a:spcPts val="0"/>
+              </a:spcBef>
+              <a:spcAft>
+                <a:spcPts val="0"/>
+              </a:spcAft>
+              <a:buNone/>
+            </a:pPr>
+            <a:endParaRPr sz="1800" dirty="0">
               <a:solidFill>
-                <a:srgbClr val="38AA00"/>
+                <a:schemeClr val="dk1"/>
               </a:solidFill>
-              <a:latin typeface="Times New Roman"/>
-              <a:ea typeface="Times New Roman"/>
-              <a:cs typeface="Times New Roman"/>
-              <a:sym typeface="Times New Roman"/>
+              <a:latin typeface="Calibri"/>
+              <a:ea typeface="Calibri"/>
+              <a:cs typeface="Calibri"/>
+              <a:sym typeface="Calibri"/>
+            </a:endParaRPr>
+          </a:p>
+          <a:p>
+            <a:pPr marL="0" marR="0" lvl="0" indent="0" algn="l" rtl="0">
+              <a:spcBef>
+                <a:spcPts val="0"/>
+              </a:spcBef>
+              <a:spcAft>
+                <a:spcPts val="0"/>
+              </a:spcAft>
+              <a:buNone/>
+            </a:pPr>
+            <a:r>
+              <a:rPr lang="es-ES" sz="1800" b="1" dirty="0">
+                <a:solidFill>
+                  <a:schemeClr val="dk1"/>
+                </a:solidFill>
+                <a:latin typeface="Calibri"/>
+                <a:ea typeface="Calibri"/>
+                <a:cs typeface="Calibri"/>
+                <a:sym typeface="Calibri"/>
+              </a:rPr>
+              <a:t>Áreas las cuales serán apoyadas: </a:t>
+            </a:r>
+            <a:endParaRPr dirty="0"/>
+          </a:p>
+          <a:p>
+            <a:pPr marL="0" marR="0" lvl="0" indent="0" algn="l" rtl="0">
+              <a:spcBef>
+                <a:spcPts val="0"/>
+              </a:spcBef>
+              <a:spcAft>
+                <a:spcPts val="0"/>
+              </a:spcAft>
+              <a:buNone/>
+            </a:pPr>
+            <a:endParaRPr sz="1800" b="1" dirty="0">
+              <a:solidFill>
+                <a:schemeClr val="dk1"/>
+              </a:solidFill>
+              <a:latin typeface="Calibri"/>
+              <a:ea typeface="Calibri"/>
+              <a:cs typeface="Calibri"/>
+              <a:sym typeface="Calibri"/>
+            </a:endParaRPr>
+          </a:p>
+          <a:p>
+            <a:pPr marL="285750" marR="0" lvl="0" indent="-285750" algn="l" rtl="0">
+              <a:spcBef>
+                <a:spcPts val="0"/>
+              </a:spcBef>
+              <a:spcAft>
+                <a:spcPts val="0"/>
+              </a:spcAft>
+              <a:buClr>
+                <a:schemeClr val="dk1"/>
+              </a:buClr>
+              <a:buSzPts val="1800"/>
+              <a:buFont typeface="Arial"/>
+              <a:buChar char="•"/>
+            </a:pPr>
+            <a:r>
+              <a:rPr lang="es-ES" sz="1800" dirty="0">
+                <a:solidFill>
+                  <a:schemeClr val="dk1"/>
+                </a:solidFill>
+                <a:latin typeface="Calibri"/>
+                <a:ea typeface="Calibri"/>
+                <a:cs typeface="Calibri"/>
+                <a:sym typeface="Calibri"/>
+              </a:rPr>
+              <a:t>Gestión de inventario </a:t>
+            </a:r>
+            <a:endParaRPr dirty="0"/>
+          </a:p>
+          <a:p>
+            <a:pPr marL="285750" marR="0" lvl="0" indent="-285750" algn="l" rtl="0">
+              <a:spcBef>
+                <a:spcPts val="0"/>
+              </a:spcBef>
+              <a:spcAft>
+                <a:spcPts val="0"/>
+              </a:spcAft>
+              <a:buClr>
+                <a:schemeClr val="dk1"/>
+              </a:buClr>
+              <a:buSzPts val="1800"/>
+              <a:buFont typeface="Arial"/>
+              <a:buChar char="•"/>
+            </a:pPr>
+            <a:r>
+              <a:rPr lang="es-ES" sz="1800" dirty="0">
+                <a:solidFill>
+                  <a:schemeClr val="dk1"/>
+                </a:solidFill>
+                <a:latin typeface="Calibri"/>
+                <a:ea typeface="Calibri"/>
+                <a:cs typeface="Calibri"/>
+                <a:sym typeface="Calibri"/>
+              </a:rPr>
+              <a:t>Gestionar las reservas de turnos </a:t>
+            </a:r>
+            <a:endParaRPr dirty="0"/>
+          </a:p>
+          <a:p>
+            <a:pPr marL="285750" marR="0" lvl="0" indent="-285750" algn="l" rtl="0">
+              <a:spcBef>
+                <a:spcPts val="0"/>
+              </a:spcBef>
+              <a:spcAft>
+                <a:spcPts val="0"/>
+              </a:spcAft>
+              <a:buClr>
+                <a:schemeClr val="dk1"/>
+              </a:buClr>
+              <a:buSzPts val="1800"/>
+              <a:buFont typeface="Arial"/>
+              <a:buChar char="•"/>
+            </a:pPr>
+            <a:r>
+              <a:rPr lang="es-ES" sz="1800" dirty="0">
+                <a:solidFill>
+                  <a:schemeClr val="dk1"/>
+                </a:solidFill>
+                <a:latin typeface="Calibri"/>
+                <a:ea typeface="Calibri"/>
+                <a:cs typeface="Calibri"/>
+                <a:sym typeface="Calibri"/>
+              </a:rPr>
+              <a:t>Administrar ventas</a:t>
+            </a:r>
+            <a:endParaRPr dirty="0"/>
+          </a:p>
+          <a:p>
+            <a:pPr marL="0" marR="0" lvl="0" indent="0" algn="l" rtl="0">
+              <a:spcBef>
+                <a:spcPts val="0"/>
+              </a:spcBef>
+              <a:spcAft>
+                <a:spcPts val="0"/>
+              </a:spcAft>
+              <a:buNone/>
+            </a:pPr>
+            <a:endParaRPr sz="1800" dirty="0">
+              <a:solidFill>
+                <a:schemeClr val="dk1"/>
+              </a:solidFill>
+              <a:latin typeface="Calibri"/>
+              <a:ea typeface="Calibri"/>
+              <a:cs typeface="Calibri"/>
+              <a:sym typeface="Calibri"/>
+            </a:endParaRPr>
+          </a:p>
+          <a:p>
+            <a:pPr marL="0" marR="0" lvl="0" indent="0" algn="l" rtl="0">
+              <a:spcBef>
+                <a:spcPts val="0"/>
+              </a:spcBef>
+              <a:spcAft>
+                <a:spcPts val="0"/>
+              </a:spcAft>
+              <a:buNone/>
+            </a:pPr>
+            <a:r>
+              <a:rPr lang="es-ES" sz="1800" b="1" dirty="0">
+                <a:solidFill>
+                  <a:schemeClr val="dk1"/>
+                </a:solidFill>
+                <a:latin typeface="Calibri"/>
+                <a:ea typeface="Calibri"/>
+                <a:cs typeface="Calibri"/>
+                <a:sym typeface="Calibri"/>
+              </a:rPr>
+              <a:t>Funcionalidades principales del software:</a:t>
+            </a:r>
+            <a:r>
+              <a:rPr lang="es-ES" sz="1800" dirty="0">
+                <a:solidFill>
+                  <a:schemeClr val="dk1"/>
+                </a:solidFill>
+                <a:latin typeface="Calibri"/>
+                <a:ea typeface="Calibri"/>
+                <a:cs typeface="Calibri"/>
+                <a:sym typeface="Calibri"/>
+              </a:rPr>
+              <a:t> Poder ofrecer una variedad de funcionalidades que ayuden a mejorar la eficacia operativa y la experiencia del cliente</a:t>
+            </a:r>
+            <a:endParaRPr dirty="0"/>
+          </a:p>
+          <a:p>
+            <a:pPr marL="0" marR="0" lvl="0" indent="0" algn="l" rtl="0">
+              <a:spcBef>
+                <a:spcPts val="0"/>
+              </a:spcBef>
+              <a:spcAft>
+                <a:spcPts val="0"/>
+              </a:spcAft>
+              <a:buNone/>
+            </a:pPr>
+            <a:endParaRPr sz="1800" dirty="0">
+              <a:solidFill>
+                <a:schemeClr val="dk1"/>
+              </a:solidFill>
+              <a:latin typeface="Calibri"/>
+              <a:ea typeface="Calibri"/>
+              <a:cs typeface="Calibri"/>
+              <a:sym typeface="Calibri"/>
+            </a:endParaRPr>
+          </a:p>
+          <a:p>
+            <a:pPr marL="0" marR="0" lvl="0" indent="0" algn="l" rtl="0">
+              <a:spcBef>
+                <a:spcPts val="0"/>
+              </a:spcBef>
+              <a:spcAft>
+                <a:spcPts val="0"/>
+              </a:spcAft>
+              <a:buNone/>
+            </a:pPr>
+            <a:endParaRPr sz="1800" dirty="0">
+              <a:solidFill>
+                <a:schemeClr val="dk1"/>
+              </a:solidFill>
+              <a:latin typeface="Calibri"/>
+              <a:ea typeface="Calibri"/>
+              <a:cs typeface="Calibri"/>
+              <a:sym typeface="Calibri"/>
+            </a:endParaRPr>
+          </a:p>
+          <a:p>
+            <a:pPr marL="0" marR="0" lvl="0" indent="0" algn="l" rtl="0">
+              <a:spcBef>
+                <a:spcPts val="0"/>
+              </a:spcBef>
+              <a:spcAft>
+                <a:spcPts val="0"/>
+              </a:spcAft>
+              <a:buNone/>
+            </a:pPr>
+            <a:endParaRPr sz="1800" dirty="0">
+              <a:solidFill>
+                <a:schemeClr val="dk1"/>
+              </a:solidFill>
+              <a:latin typeface="Calibri"/>
+              <a:ea typeface="Calibri"/>
+              <a:cs typeface="Calibri"/>
+              <a:sym typeface="Calibri"/>
+            </a:endParaRPr>
+          </a:p>
+          <a:p>
+            <a:pPr marL="0" marR="0" lvl="0" indent="0" algn="l" rtl="0">
+              <a:spcBef>
+                <a:spcPts val="0"/>
+              </a:spcBef>
+              <a:spcAft>
+                <a:spcPts val="0"/>
+              </a:spcAft>
+              <a:buNone/>
+            </a:pPr>
+            <a:endParaRPr sz="1800" b="1" dirty="0">
+              <a:solidFill>
+                <a:schemeClr val="dk1"/>
+              </a:solidFill>
+              <a:latin typeface="Calibri"/>
+              <a:ea typeface="Calibri"/>
+              <a:cs typeface="Calibri"/>
+              <a:sym typeface="Calibri"/>
             </a:endParaRPr>
           </a:p>
         </p:txBody>
       </p:sp>
-      <p:cxnSp>
-        <p:nvCxnSpPr>
-          <p:cNvPr id="229" name="Google Shape;229;p20"/>
-          <p:cNvCxnSpPr/>
-          <p:nvPr/>
-        </p:nvCxnSpPr>
-        <p:spPr>
-          <a:xfrm>
-            <a:off x="941723" y="1072889"/>
-            <a:ext cx="2247544" cy="0"/>
-          </a:xfrm>
-          <a:prstGeom prst="straightConnector1">
-            <a:avLst/>
-          </a:prstGeom>
-          <a:noFill/>
-          <a:ln w="12700" cap="flat" cmpd="sng">
-            <a:solidFill>
-              <a:srgbClr val="38AA00"/>
-            </a:solidFill>
-            <a:prstDash val="solid"/>
-            <a:miter lim="800000"/>
-            <a:headEnd type="none" w="sm" len="sm"/>
-            <a:tailEnd type="none" w="sm" len="sm"/>
-          </a:ln>
-        </p:spPr>
-      </p:cxnSp>
-      <p:graphicFrame>
-        <p:nvGraphicFramePr>
-          <p:cNvPr id="230" name="Google Shape;230;p20"/>
-          <p:cNvGraphicFramePr/>
-          <p:nvPr/>
-        </p:nvGraphicFramePr>
-        <p:xfrm>
-          <a:off x="706044" y="1312763"/>
-          <a:ext cx="3000000" cy="3000000"/>
-        </p:xfrm>
-        <a:graphic>
-          <a:graphicData uri="http://schemas.openxmlformats.org/drawingml/2006/table">
-            <a:tbl>
-              <a:tblPr firstRow="1" bandRow="1">
-                <a:noFill/>
-                <a:tableStyleId>{6029E849-1789-492E-AAAF-E0C966B507EE}</a:tableStyleId>
-              </a:tblPr>
-              <a:tblGrid>
-                <a:gridCol w="1937800">
-                  <a:extLst>
-                    <a:ext uri="{9D8B030D-6E8A-4147-A177-3AD203B41FA5}">
-                      <a16:colId xmlns:a16="http://schemas.microsoft.com/office/drawing/2014/main" val="20000"/>
-                    </a:ext>
-                  </a:extLst>
-                </a:gridCol>
-                <a:gridCol w="5256325">
-                  <a:extLst>
-                    <a:ext uri="{9D8B030D-6E8A-4147-A177-3AD203B41FA5}">
-                      <a16:colId xmlns:a16="http://schemas.microsoft.com/office/drawing/2014/main" val="20001"/>
-                    </a:ext>
-                  </a:extLst>
-                </a:gridCol>
-                <a:gridCol w="2803375">
-                  <a:extLst>
-                    <a:ext uri="{9D8B030D-6E8A-4147-A177-3AD203B41FA5}">
-                      <a16:colId xmlns:a16="http://schemas.microsoft.com/office/drawing/2014/main" val="20002"/>
-                    </a:ext>
-                  </a:extLst>
-                </a:gridCol>
-              </a:tblGrid>
-              <a:tr h="727350">
-                <a:tc>
-                  <a:txBody>
-                    <a:bodyPr/>
-                    <a:lstStyle/>
-                    <a:p>
-                      <a:pPr marL="0" marR="0" lvl="0" indent="0" algn="ctr" rtl="0">
-                        <a:spcBef>
-                          <a:spcPts val="0"/>
-                        </a:spcBef>
-                        <a:spcAft>
-                          <a:spcPts val="0"/>
-                        </a:spcAft>
-                        <a:buNone/>
-                      </a:pPr>
-                      <a:r>
-                        <a:rPr lang="es-ES" sz="1800" u="none" strike="noStrike" cap="none">
-                          <a:solidFill>
-                            <a:schemeClr val="dk1"/>
-                          </a:solidFill>
-                        </a:rPr>
-                        <a:t>No.de Requisito</a:t>
-                      </a:r>
-                      <a:endParaRPr sz="1800" u="none" strike="noStrike" cap="none">
-                        <a:solidFill>
-                          <a:schemeClr val="dk1"/>
-                        </a:solidFill>
-                      </a:endParaRPr>
-                    </a:p>
-                  </a:txBody>
-                  <a:tcPr marL="91450" marR="91450" marT="45725" marB="45725">
-                    <a:solidFill>
-                      <a:schemeClr val="accent6"/>
-                    </a:solidFill>
-                  </a:tcPr>
-                </a:tc>
-                <a:tc>
-                  <a:txBody>
-                    <a:bodyPr/>
-                    <a:lstStyle/>
-                    <a:p>
-                      <a:pPr marL="0" marR="0" lvl="0" indent="0" algn="ctr" rtl="0">
-                        <a:spcBef>
-                          <a:spcPts val="0"/>
-                        </a:spcBef>
-                        <a:spcAft>
-                          <a:spcPts val="0"/>
-                        </a:spcAft>
-                        <a:buNone/>
-                      </a:pPr>
-                      <a:r>
-                        <a:rPr lang="es-ES" sz="1800" u="none" strike="noStrike" cap="none">
-                          <a:solidFill>
-                            <a:schemeClr val="dk1"/>
-                          </a:solidFill>
-                        </a:rPr>
-                        <a:t>Nombre de requisito</a:t>
-                      </a:r>
-                      <a:endParaRPr sz="1800" u="none" strike="noStrike" cap="none">
-                        <a:solidFill>
-                          <a:schemeClr val="dk1"/>
-                        </a:solidFill>
-                      </a:endParaRPr>
-                    </a:p>
-                  </a:txBody>
-                  <a:tcPr marL="91450" marR="91450" marT="45725" marB="45725">
-                    <a:solidFill>
-                      <a:schemeClr val="accent6"/>
-                    </a:solidFill>
-                  </a:tcPr>
-                </a:tc>
-                <a:tc>
-                  <a:txBody>
-                    <a:bodyPr/>
-                    <a:lstStyle/>
-                    <a:p>
-                      <a:pPr marL="0" marR="0" lvl="0" indent="0" algn="ctr" rtl="0">
-                        <a:spcBef>
-                          <a:spcPts val="0"/>
-                        </a:spcBef>
-                        <a:spcAft>
-                          <a:spcPts val="0"/>
-                        </a:spcAft>
-                        <a:buNone/>
-                      </a:pPr>
-                      <a:r>
-                        <a:rPr lang="es-ES" sz="1800" u="none" strike="noStrike" cap="none">
-                          <a:solidFill>
-                            <a:schemeClr val="dk1"/>
-                          </a:solidFill>
-                        </a:rPr>
-                        <a:t>Prioridad</a:t>
-                      </a:r>
-                      <a:endParaRPr sz="1800" u="none" strike="noStrike" cap="none">
-                        <a:solidFill>
-                          <a:schemeClr val="dk1"/>
-                        </a:solidFill>
-                      </a:endParaRPr>
-                    </a:p>
-                  </a:txBody>
-                  <a:tcPr marL="91450" marR="91450" marT="45725" marB="45725">
-                    <a:solidFill>
-                      <a:schemeClr val="accent6"/>
-                    </a:solidFill>
-                  </a:tcPr>
-                </a:tc>
-                <a:extLst>
-                  <a:ext uri="{0D108BD9-81ED-4DB2-BD59-A6C34878D82A}">
-                    <a16:rowId xmlns:a16="http://schemas.microsoft.com/office/drawing/2014/main" val="10000"/>
-                  </a:ext>
-                </a:extLst>
-              </a:tr>
-              <a:tr h="601375">
-                <a:tc>
-                  <a:txBody>
-                    <a:bodyPr/>
-                    <a:lstStyle/>
-                    <a:p>
-                      <a:pPr marL="0" marR="0" lvl="0" indent="0" algn="l" rtl="0">
-                        <a:spcBef>
-                          <a:spcPts val="0"/>
-                        </a:spcBef>
-                        <a:spcAft>
-                          <a:spcPts val="0"/>
-                        </a:spcAft>
-                        <a:buNone/>
-                      </a:pPr>
-                      <a:r>
-                        <a:rPr lang="es-ES" sz="1800" u="none" strike="noStrike" cap="none"/>
-                        <a:t>RF1</a:t>
-                      </a:r>
-                      <a:endParaRPr sz="1800" u="none" strike="noStrike" cap="none"/>
-                    </a:p>
-                  </a:txBody>
-                  <a:tcPr marL="91450" marR="91450" marT="45725" marB="45725"/>
-                </a:tc>
-                <a:tc>
-                  <a:txBody>
-                    <a:bodyPr/>
-                    <a:lstStyle/>
-                    <a:p>
-                      <a:pPr marL="0" marR="0" lvl="0" indent="0" algn="l" rtl="0">
-                        <a:spcBef>
-                          <a:spcPts val="0"/>
-                        </a:spcBef>
-                        <a:spcAft>
-                          <a:spcPts val="0"/>
-                        </a:spcAft>
-                        <a:buNone/>
-                      </a:pPr>
-                      <a:r>
-                        <a:rPr lang="es-ES" sz="1600" u="none" strike="noStrike" cap="none"/>
-                        <a:t>El sistema permitirá a los clientes registrarse proporcionando información (Nombre de usuario, Fecha de nacimiento, Correo electrónico, Contraseña) .</a:t>
-                      </a:r>
-                      <a:endParaRPr sz="1600" u="none" strike="noStrike" cap="none"/>
-                    </a:p>
-                  </a:txBody>
-                  <a:tcPr marL="91450" marR="91450" marT="45725" marB="45725"/>
-                </a:tc>
-                <a:tc>
-                  <a:txBody>
-                    <a:bodyPr/>
-                    <a:lstStyle/>
-                    <a:p>
-                      <a:pPr marL="0" marR="0" lvl="0" indent="0" algn="ctr" rtl="0">
-                        <a:spcBef>
-                          <a:spcPts val="0"/>
-                        </a:spcBef>
-                        <a:spcAft>
-                          <a:spcPts val="0"/>
-                        </a:spcAft>
-                        <a:buNone/>
-                      </a:pPr>
-                      <a:r>
-                        <a:rPr lang="es-ES" sz="1800" u="none" strike="noStrike" cap="none"/>
-                        <a:t>Alta</a:t>
-                      </a:r>
-                      <a:endParaRPr sz="1800" u="none" strike="noStrike" cap="none"/>
-                    </a:p>
-                  </a:txBody>
-                  <a:tcPr marL="91450" marR="91450" marT="45725" marB="45725"/>
-                </a:tc>
-                <a:extLst>
-                  <a:ext uri="{0D108BD9-81ED-4DB2-BD59-A6C34878D82A}">
-                    <a16:rowId xmlns:a16="http://schemas.microsoft.com/office/drawing/2014/main" val="10001"/>
-                  </a:ext>
-                </a:extLst>
-              </a:tr>
-              <a:tr h="228600">
-                <a:tc>
-                  <a:txBody>
-                    <a:bodyPr/>
-                    <a:lstStyle/>
-                    <a:p>
-                      <a:pPr marL="0" marR="0" lvl="0" indent="0" algn="l" rtl="0">
-                        <a:spcBef>
-                          <a:spcPts val="0"/>
-                        </a:spcBef>
-                        <a:spcAft>
-                          <a:spcPts val="0"/>
-                        </a:spcAft>
-                        <a:buNone/>
-                      </a:pPr>
-                      <a:r>
-                        <a:rPr lang="es-ES" sz="1800" u="none" strike="noStrike" cap="none"/>
-                        <a:t>RF2</a:t>
-                      </a:r>
-                      <a:endParaRPr sz="1800"/>
-                    </a:p>
-                  </a:txBody>
-                  <a:tcPr marL="91450" marR="91450" marT="45725" marB="45725"/>
-                </a:tc>
-                <a:tc>
-                  <a:txBody>
-                    <a:bodyPr/>
-                    <a:lstStyle/>
-                    <a:p>
-                      <a:pPr marL="0" marR="0" lvl="0" indent="0" algn="l" rtl="0">
-                        <a:lnSpc>
-                          <a:spcPct val="100000"/>
-                        </a:lnSpc>
-                        <a:spcBef>
-                          <a:spcPts val="0"/>
-                        </a:spcBef>
-                        <a:spcAft>
-                          <a:spcPts val="0"/>
-                        </a:spcAft>
-                        <a:buClr>
-                          <a:schemeClr val="dk1"/>
-                        </a:buClr>
-                        <a:buSzPts val="1600"/>
-                        <a:buFont typeface="Calibri"/>
-                        <a:buNone/>
-                      </a:pPr>
-                      <a:r>
-                        <a:rPr lang="es-ES" sz="1600" b="0">
-                          <a:solidFill>
-                            <a:schemeClr val="dk1"/>
-                          </a:solidFill>
-                        </a:rPr>
-                        <a:t>El sistema permitirá a los clientes iniciar sesión proporcionando los datos requeridos como lo son (Correo electrónico y Contraseña)</a:t>
-                      </a:r>
-                      <a:endParaRPr sz="1600" b="0">
-                        <a:solidFill>
-                          <a:schemeClr val="dk1"/>
-                        </a:solidFill>
-                      </a:endParaRPr>
-                    </a:p>
-                    <a:p>
-                      <a:pPr marL="0" marR="0" lvl="0" indent="0" algn="l" rtl="0">
-                        <a:spcBef>
-                          <a:spcPts val="0"/>
-                        </a:spcBef>
-                        <a:spcAft>
-                          <a:spcPts val="0"/>
-                        </a:spcAft>
-                        <a:buNone/>
-                      </a:pPr>
-                      <a:endParaRPr sz="1600"/>
-                    </a:p>
-                  </a:txBody>
-                  <a:tcPr marL="91450" marR="91450" marT="45725" marB="45725"/>
-                </a:tc>
-                <a:tc>
-                  <a:txBody>
-                    <a:bodyPr/>
-                    <a:lstStyle/>
-                    <a:p>
-                      <a:pPr marL="0" marR="0" lvl="0" indent="0" algn="ctr" rtl="0">
-                        <a:spcBef>
-                          <a:spcPts val="0"/>
-                        </a:spcBef>
-                        <a:spcAft>
-                          <a:spcPts val="0"/>
-                        </a:spcAft>
-                        <a:buNone/>
-                      </a:pPr>
-                      <a:r>
-                        <a:rPr lang="es-ES" sz="1800"/>
-                        <a:t>Alta </a:t>
-                      </a:r>
-                      <a:endParaRPr sz="1800"/>
-                    </a:p>
-                  </a:txBody>
-                  <a:tcPr marL="91450" marR="91450" marT="45725" marB="45725"/>
-                </a:tc>
-                <a:extLst>
-                  <a:ext uri="{0D108BD9-81ED-4DB2-BD59-A6C34878D82A}">
-                    <a16:rowId xmlns:a16="http://schemas.microsoft.com/office/drawing/2014/main" val="10002"/>
-                  </a:ext>
-                </a:extLst>
-              </a:tr>
-              <a:tr h="601375">
-                <a:tc>
-                  <a:txBody>
-                    <a:bodyPr/>
-                    <a:lstStyle/>
-                    <a:p>
-                      <a:pPr marL="0" marR="0" lvl="0" indent="0" algn="l" rtl="0">
-                        <a:spcBef>
-                          <a:spcPts val="0"/>
-                        </a:spcBef>
-                        <a:spcAft>
-                          <a:spcPts val="0"/>
-                        </a:spcAft>
-                        <a:buNone/>
-                      </a:pPr>
-                      <a:r>
-                        <a:rPr lang="es-ES" sz="1800"/>
-                        <a:t>RF3</a:t>
-                      </a:r>
-                      <a:endParaRPr sz="1800"/>
-                    </a:p>
-                  </a:txBody>
-                  <a:tcPr marL="91450" marR="91450" marT="45725" marB="45725"/>
-                </a:tc>
-                <a:tc>
-                  <a:txBody>
-                    <a:bodyPr/>
-                    <a:lstStyle/>
-                    <a:p>
-                      <a:pPr marL="0" marR="0" lvl="0" indent="0" algn="l" rtl="0">
-                        <a:spcBef>
-                          <a:spcPts val="0"/>
-                        </a:spcBef>
-                        <a:spcAft>
-                          <a:spcPts val="0"/>
-                        </a:spcAft>
-                        <a:buNone/>
-                      </a:pPr>
-                      <a:r>
-                        <a:rPr lang="es-ES" sz="1600"/>
-                        <a:t>El sistema permitirá a los barberos ingresar y obtener sus propias funciones </a:t>
-                      </a:r>
-                      <a:endParaRPr sz="1600"/>
-                    </a:p>
-                  </a:txBody>
-                  <a:tcPr marL="91450" marR="91450" marT="45725" marB="45725"/>
-                </a:tc>
-                <a:tc>
-                  <a:txBody>
-                    <a:bodyPr/>
-                    <a:lstStyle/>
-                    <a:p>
-                      <a:pPr marL="0" marR="0" lvl="0" indent="0" algn="ctr" rtl="0">
-                        <a:spcBef>
-                          <a:spcPts val="0"/>
-                        </a:spcBef>
-                        <a:spcAft>
-                          <a:spcPts val="0"/>
-                        </a:spcAft>
-                        <a:buNone/>
-                      </a:pPr>
-                      <a:r>
-                        <a:rPr lang="es-ES" sz="1800"/>
-                        <a:t>Alta</a:t>
-                      </a:r>
-                      <a:endParaRPr sz="1800"/>
-                    </a:p>
-                  </a:txBody>
-                  <a:tcPr marL="91450" marR="91450" marT="45725" marB="45725"/>
-                </a:tc>
-                <a:extLst>
-                  <a:ext uri="{0D108BD9-81ED-4DB2-BD59-A6C34878D82A}">
-                    <a16:rowId xmlns:a16="http://schemas.microsoft.com/office/drawing/2014/main" val="10003"/>
-                  </a:ext>
-                </a:extLst>
-              </a:tr>
-              <a:tr h="601375">
-                <a:tc>
-                  <a:txBody>
-                    <a:bodyPr/>
-                    <a:lstStyle/>
-                    <a:p>
-                      <a:pPr marL="0" marR="0" lvl="0" indent="0" algn="l" rtl="0">
-                        <a:spcBef>
-                          <a:spcPts val="0"/>
-                        </a:spcBef>
-                        <a:spcAft>
-                          <a:spcPts val="0"/>
-                        </a:spcAft>
-                        <a:buNone/>
-                      </a:pPr>
-                      <a:r>
-                        <a:rPr lang="es-ES" sz="1800"/>
-                        <a:t>RF4</a:t>
-                      </a:r>
-                      <a:endParaRPr sz="1800"/>
-                    </a:p>
-                  </a:txBody>
-                  <a:tcPr marL="91450" marR="91450" marT="45725" marB="45725"/>
-                </a:tc>
-                <a:tc>
-                  <a:txBody>
-                    <a:bodyPr/>
-                    <a:lstStyle/>
-                    <a:p>
-                      <a:pPr marL="0" marR="0" lvl="0" indent="0" algn="l" rtl="0">
-                        <a:spcBef>
-                          <a:spcPts val="0"/>
-                        </a:spcBef>
-                        <a:spcAft>
-                          <a:spcPts val="0"/>
-                        </a:spcAft>
-                        <a:buNone/>
-                      </a:pPr>
-                      <a:r>
-                        <a:rPr lang="es-ES" sz="1600"/>
-                        <a:t>El sistema permitirá al Administrador generar estadísticas de las ventas</a:t>
-                      </a:r>
-                      <a:endParaRPr sz="1600"/>
-                    </a:p>
-                  </a:txBody>
-                  <a:tcPr marL="91450" marR="91450" marT="45725" marB="45725"/>
-                </a:tc>
-                <a:tc>
-                  <a:txBody>
-                    <a:bodyPr/>
-                    <a:lstStyle/>
-                    <a:p>
-                      <a:pPr marL="0" marR="0" lvl="0" indent="0" algn="ctr" rtl="0">
-                        <a:spcBef>
-                          <a:spcPts val="0"/>
-                        </a:spcBef>
-                        <a:spcAft>
-                          <a:spcPts val="0"/>
-                        </a:spcAft>
-                        <a:buNone/>
-                      </a:pPr>
-                      <a:r>
-                        <a:rPr lang="es-ES" sz="1800"/>
-                        <a:t>Alta </a:t>
-                      </a:r>
-                      <a:endParaRPr sz="1800"/>
-                    </a:p>
-                  </a:txBody>
-                  <a:tcPr marL="91450" marR="91450" marT="45725" marB="45725"/>
-                </a:tc>
-                <a:extLst>
-                  <a:ext uri="{0D108BD9-81ED-4DB2-BD59-A6C34878D82A}">
-                    <a16:rowId xmlns:a16="http://schemas.microsoft.com/office/drawing/2014/main" val="10004"/>
-                  </a:ext>
-                </a:extLst>
-              </a:tr>
-              <a:tr h="421400">
-                <a:tc>
-                  <a:txBody>
-                    <a:bodyPr/>
-                    <a:lstStyle/>
-                    <a:p>
-                      <a:pPr marL="0" marR="0" lvl="0" indent="0" algn="l" rtl="0">
-                        <a:spcBef>
-                          <a:spcPts val="0"/>
-                        </a:spcBef>
-                        <a:spcAft>
-                          <a:spcPts val="0"/>
-                        </a:spcAft>
-                        <a:buNone/>
-                      </a:pPr>
-                      <a:r>
-                        <a:rPr lang="es-ES" sz="1800"/>
-                        <a:t>RF5</a:t>
-                      </a:r>
-                      <a:endParaRPr sz="1800"/>
-                    </a:p>
-                  </a:txBody>
-                  <a:tcPr marL="91450" marR="91450" marT="45725" marB="45725"/>
-                </a:tc>
-                <a:tc>
-                  <a:txBody>
-                    <a:bodyPr/>
-                    <a:lstStyle/>
-                    <a:p>
-                      <a:pPr marL="0" marR="0" lvl="0" indent="0" algn="l" rtl="0">
-                        <a:spcBef>
-                          <a:spcPts val="0"/>
-                        </a:spcBef>
-                        <a:spcAft>
-                          <a:spcPts val="0"/>
-                        </a:spcAft>
-                        <a:buNone/>
-                      </a:pPr>
-                      <a:r>
-                        <a:rPr lang="es-ES" sz="1600"/>
-                        <a:t>El sistema permitirá a los barberos asignar su disponibilidad</a:t>
-                      </a:r>
-                      <a:endParaRPr sz="1600"/>
-                    </a:p>
-                  </a:txBody>
-                  <a:tcPr marL="91450" marR="91450" marT="45725" marB="45725"/>
-                </a:tc>
-                <a:tc>
-                  <a:txBody>
-                    <a:bodyPr/>
-                    <a:lstStyle/>
-                    <a:p>
-                      <a:pPr marL="0" marR="0" lvl="0" indent="0" algn="ctr" rtl="0">
-                        <a:spcBef>
-                          <a:spcPts val="0"/>
-                        </a:spcBef>
-                        <a:spcAft>
-                          <a:spcPts val="0"/>
-                        </a:spcAft>
-                        <a:buNone/>
-                      </a:pPr>
-                      <a:r>
-                        <a:rPr lang="es-ES" sz="1800"/>
-                        <a:t>Alta</a:t>
-                      </a:r>
-                      <a:endParaRPr sz="1800"/>
-                    </a:p>
-                  </a:txBody>
-                  <a:tcPr marL="91450" marR="91450" marT="45725" marB="45725"/>
-                </a:tc>
-                <a:extLst>
-                  <a:ext uri="{0D108BD9-81ED-4DB2-BD59-A6C34878D82A}">
-                    <a16:rowId xmlns:a16="http://schemas.microsoft.com/office/drawing/2014/main" val="10005"/>
-                  </a:ext>
-                </a:extLst>
-              </a:tr>
-              <a:tr h="421400">
-                <a:tc>
-                  <a:txBody>
-                    <a:bodyPr/>
-                    <a:lstStyle/>
-                    <a:p>
-                      <a:pPr marL="0" marR="0" lvl="0" indent="0" algn="l" rtl="0">
-                        <a:spcBef>
-                          <a:spcPts val="0"/>
-                        </a:spcBef>
-                        <a:spcAft>
-                          <a:spcPts val="0"/>
-                        </a:spcAft>
-                        <a:buNone/>
-                      </a:pPr>
-                      <a:r>
-                        <a:rPr lang="es-ES" sz="1800"/>
-                        <a:t>RF6</a:t>
-                      </a:r>
-                      <a:endParaRPr sz="1800"/>
-                    </a:p>
-                  </a:txBody>
-                  <a:tcPr marL="91450" marR="91450" marT="45725" marB="45725"/>
-                </a:tc>
-                <a:tc>
-                  <a:txBody>
-                    <a:bodyPr/>
-                    <a:lstStyle/>
-                    <a:p>
-                      <a:pPr marL="0" marR="0" lvl="0" indent="0" algn="l" rtl="0">
-                        <a:spcBef>
-                          <a:spcPts val="0"/>
-                        </a:spcBef>
-                        <a:spcAft>
-                          <a:spcPts val="0"/>
-                        </a:spcAft>
-                        <a:buNone/>
-                      </a:pPr>
-                      <a:r>
-                        <a:rPr lang="es-ES" sz="1600"/>
-                        <a:t>El sistema permitirá a los clientes hacer compras de los productos en venta </a:t>
-                      </a:r>
-                      <a:endParaRPr sz="1600"/>
-                    </a:p>
-                  </a:txBody>
-                  <a:tcPr marL="91450" marR="91450" marT="45725" marB="45725"/>
-                </a:tc>
-                <a:tc>
-                  <a:txBody>
-                    <a:bodyPr/>
-                    <a:lstStyle/>
-                    <a:p>
-                      <a:pPr marL="0" marR="0" lvl="0" indent="0" algn="ctr" rtl="0">
-                        <a:spcBef>
-                          <a:spcPts val="0"/>
-                        </a:spcBef>
-                        <a:spcAft>
-                          <a:spcPts val="0"/>
-                        </a:spcAft>
-                        <a:buNone/>
-                      </a:pPr>
-                      <a:r>
-                        <a:rPr lang="es-ES" sz="1800"/>
-                        <a:t>Alta</a:t>
-                      </a:r>
-                      <a:endParaRPr sz="1800"/>
-                    </a:p>
-                  </a:txBody>
-                  <a:tcPr marL="91450" marR="91450" marT="45725" marB="45725"/>
-                </a:tc>
-                <a:extLst>
-                  <a:ext uri="{0D108BD9-81ED-4DB2-BD59-A6C34878D82A}">
-                    <a16:rowId xmlns:a16="http://schemas.microsoft.com/office/drawing/2014/main" val="10006"/>
-                  </a:ext>
-                </a:extLst>
-              </a:tr>
-              <a:tr h="421400">
-                <a:tc>
-                  <a:txBody>
-                    <a:bodyPr/>
-                    <a:lstStyle/>
-                    <a:p>
-                      <a:pPr marL="0" marR="0" lvl="0" indent="0" algn="l" rtl="0">
-                        <a:spcBef>
-                          <a:spcPts val="0"/>
-                        </a:spcBef>
-                        <a:spcAft>
-                          <a:spcPts val="0"/>
-                        </a:spcAft>
-                        <a:buNone/>
-                      </a:pPr>
-                      <a:r>
-                        <a:rPr lang="es-ES" sz="1800"/>
-                        <a:t>RF7</a:t>
-                      </a:r>
-                      <a:endParaRPr sz="1800"/>
-                    </a:p>
-                  </a:txBody>
-                  <a:tcPr marL="91450" marR="91450" marT="45725" marB="45725"/>
-                </a:tc>
-                <a:tc>
-                  <a:txBody>
-                    <a:bodyPr/>
-                    <a:lstStyle/>
-                    <a:p>
-                      <a:pPr marL="0" marR="0" lvl="0" indent="0" algn="l" rtl="0">
-                        <a:spcBef>
-                          <a:spcPts val="0"/>
-                        </a:spcBef>
-                        <a:spcAft>
-                          <a:spcPts val="0"/>
-                        </a:spcAft>
-                        <a:buNone/>
-                      </a:pPr>
-                      <a:r>
-                        <a:rPr lang="es-ES" sz="1600"/>
-                        <a:t>El sistema permitirá al cliente modificar o especificar su perfil </a:t>
-                      </a:r>
-                      <a:endParaRPr sz="1600"/>
-                    </a:p>
-                  </a:txBody>
-                  <a:tcPr marL="91450" marR="91450" marT="45725" marB="45725"/>
-                </a:tc>
-                <a:tc>
-                  <a:txBody>
-                    <a:bodyPr/>
-                    <a:lstStyle/>
-                    <a:p>
-                      <a:pPr marL="0" marR="0" lvl="0" indent="0" algn="ctr" rtl="0">
-                        <a:spcBef>
-                          <a:spcPts val="0"/>
-                        </a:spcBef>
-                        <a:spcAft>
-                          <a:spcPts val="0"/>
-                        </a:spcAft>
-                        <a:buNone/>
-                      </a:pPr>
-                      <a:r>
-                        <a:rPr lang="es-ES" sz="1800"/>
-                        <a:t>Media</a:t>
-                      </a:r>
-                      <a:endParaRPr sz="1800"/>
-                    </a:p>
-                  </a:txBody>
-                  <a:tcPr marL="91450" marR="91450" marT="45725" marB="45725"/>
-                </a:tc>
-                <a:extLst>
-                  <a:ext uri="{0D108BD9-81ED-4DB2-BD59-A6C34878D82A}">
-                    <a16:rowId xmlns:a16="http://schemas.microsoft.com/office/drawing/2014/main" val="10007"/>
-                  </a:ext>
-                </a:extLst>
-              </a:tr>
-            </a:tbl>
-          </a:graphicData>
-        </a:graphic>
-      </p:graphicFrame>
     </p:spTree>
   </p:cSld>
   <p:clrMapOvr>
@@ -20552,7 +19203,7 @@
     </p:bg>
     <p:spTree>
       <p:nvGrpSpPr>
-        <p:cNvPr id="1" name="Shape 234"/>
+        <p:cNvPr id="1" name="Shape 283"/>
         <p:cNvGrpSpPr/>
         <p:nvPr/>
       </p:nvGrpSpPr>
@@ -20564,1045 +19215,6 @@
           <a:chExt cx="0" cy="0"/>
         </a:xfrm>
       </p:grpSpPr>
-      <p:sp>
-        <p:nvSpPr>
-          <p:cNvPr id="235" name="Google Shape;235;p21"/>
-          <p:cNvSpPr txBox="1"/>
-          <p:nvPr/>
-        </p:nvSpPr>
-        <p:spPr>
-          <a:xfrm>
-            <a:off x="-1105451" y="303448"/>
-            <a:ext cx="12120196" cy="769441"/>
-          </a:xfrm>
-          <a:prstGeom prst="rect">
-            <a:avLst/>
-          </a:prstGeom>
-          <a:noFill/>
-          <a:ln>
-            <a:noFill/>
-          </a:ln>
-        </p:spPr>
-        <p:txBody>
-          <a:bodyPr spcFirstLastPara="1" wrap="square" lIns="91425" tIns="45700" rIns="91425" bIns="45700" anchor="t" anchorCtr="0">
-            <a:spAutoFit/>
-          </a:bodyPr>
-          <a:lstStyle/>
-          <a:p>
-            <a:pPr marL="0" marR="0" lvl="0" indent="0" algn="l" rtl="0">
-              <a:spcBef>
-                <a:spcPts val="0"/>
-              </a:spcBef>
-              <a:spcAft>
-                <a:spcPts val="0"/>
-              </a:spcAft>
-              <a:buNone/>
-            </a:pPr>
-            <a:r>
-              <a:rPr lang="es-ES" sz="4400" b="1">
-                <a:solidFill>
-                  <a:srgbClr val="38AA00"/>
-                </a:solidFill>
-                <a:latin typeface="Work Sans"/>
-                <a:ea typeface="Work Sans"/>
-                <a:cs typeface="Work Sans"/>
-                <a:sym typeface="Work Sans"/>
-              </a:rPr>
-              <a:t>		</a:t>
-            </a:r>
-            <a:r>
-              <a:rPr lang="es-ES" sz="4000" b="1">
-                <a:solidFill>
-                  <a:srgbClr val="38AA00"/>
-                </a:solidFill>
-                <a:latin typeface="Work Sans"/>
-                <a:ea typeface="Work Sans"/>
-                <a:cs typeface="Work Sans"/>
-                <a:sym typeface="Work Sans"/>
-              </a:rPr>
-              <a:t>Requerimientos NO Funcionales</a:t>
-            </a:r>
-            <a:endParaRPr sz="4000" b="1">
-              <a:solidFill>
-                <a:srgbClr val="38AA00"/>
-              </a:solidFill>
-              <a:latin typeface="Times New Roman"/>
-              <a:ea typeface="Times New Roman"/>
-              <a:cs typeface="Times New Roman"/>
-              <a:sym typeface="Times New Roman"/>
-            </a:endParaRPr>
-          </a:p>
-        </p:txBody>
-      </p:sp>
-      <p:cxnSp>
-        <p:nvCxnSpPr>
-          <p:cNvPr id="236" name="Google Shape;236;p21"/>
-          <p:cNvCxnSpPr/>
-          <p:nvPr/>
-        </p:nvCxnSpPr>
-        <p:spPr>
-          <a:xfrm>
-            <a:off x="941723" y="1072889"/>
-            <a:ext cx="2247544" cy="0"/>
-          </a:xfrm>
-          <a:prstGeom prst="straightConnector1">
-            <a:avLst/>
-          </a:prstGeom>
-          <a:noFill/>
-          <a:ln w="12700" cap="flat" cmpd="sng">
-            <a:solidFill>
-              <a:srgbClr val="38AA00"/>
-            </a:solidFill>
-            <a:prstDash val="solid"/>
-            <a:miter lim="800000"/>
-            <a:headEnd type="none" w="sm" len="sm"/>
-            <a:tailEnd type="none" w="sm" len="sm"/>
-          </a:ln>
-        </p:spPr>
-      </p:cxnSp>
-      <p:graphicFrame>
-        <p:nvGraphicFramePr>
-          <p:cNvPr id="237" name="Google Shape;237;p21"/>
-          <p:cNvGraphicFramePr/>
-          <p:nvPr/>
-        </p:nvGraphicFramePr>
-        <p:xfrm>
-          <a:off x="781683" y="1405994"/>
-          <a:ext cx="3000000" cy="3000000"/>
-        </p:xfrm>
-        <a:graphic>
-          <a:graphicData uri="http://schemas.openxmlformats.org/drawingml/2006/table">
-            <a:tbl>
-              <a:tblPr firstRow="1" bandRow="1">
-                <a:noFill/>
-                <a:tableStyleId>{6029E849-1789-492E-AAAF-E0C966B507EE}</a:tableStyleId>
-              </a:tblPr>
-              <a:tblGrid>
-                <a:gridCol w="1473275">
-                  <a:extLst>
-                    <a:ext uri="{9D8B030D-6E8A-4147-A177-3AD203B41FA5}">
-                      <a16:colId xmlns:a16="http://schemas.microsoft.com/office/drawing/2014/main" val="20000"/>
-                    </a:ext>
-                  </a:extLst>
-                </a:gridCol>
-                <a:gridCol w="5533325">
-                  <a:extLst>
-                    <a:ext uri="{9D8B030D-6E8A-4147-A177-3AD203B41FA5}">
-                      <a16:colId xmlns:a16="http://schemas.microsoft.com/office/drawing/2014/main" val="20001"/>
-                    </a:ext>
-                  </a:extLst>
-                </a:gridCol>
-                <a:gridCol w="3503300">
-                  <a:extLst>
-                    <a:ext uri="{9D8B030D-6E8A-4147-A177-3AD203B41FA5}">
-                      <a16:colId xmlns:a16="http://schemas.microsoft.com/office/drawing/2014/main" val="20002"/>
-                    </a:ext>
-                  </a:extLst>
-                </a:gridCol>
-              </a:tblGrid>
-              <a:tr h="562275">
-                <a:tc>
-                  <a:txBody>
-                    <a:bodyPr/>
-                    <a:lstStyle/>
-                    <a:p>
-                      <a:pPr marL="0" marR="0" lvl="0" indent="0" algn="ctr" rtl="0">
-                        <a:spcBef>
-                          <a:spcPts val="0"/>
-                        </a:spcBef>
-                        <a:spcAft>
-                          <a:spcPts val="0"/>
-                        </a:spcAft>
-                        <a:buNone/>
-                      </a:pPr>
-                      <a:r>
-                        <a:rPr lang="es-ES" sz="1800">
-                          <a:solidFill>
-                            <a:schemeClr val="dk1"/>
-                          </a:solidFill>
-                        </a:rPr>
-                        <a:t>No. de requisitos</a:t>
-                      </a:r>
-                      <a:endParaRPr sz="1800">
-                        <a:solidFill>
-                          <a:schemeClr val="dk1"/>
-                        </a:solidFill>
-                      </a:endParaRPr>
-                    </a:p>
-                  </a:txBody>
-                  <a:tcPr marL="91450" marR="91450" marT="45725" marB="45725">
-                    <a:solidFill>
-                      <a:schemeClr val="accent6"/>
-                    </a:solidFill>
-                  </a:tcPr>
-                </a:tc>
-                <a:tc>
-                  <a:txBody>
-                    <a:bodyPr/>
-                    <a:lstStyle/>
-                    <a:p>
-                      <a:pPr marL="0" marR="0" lvl="0" indent="0" algn="ctr" rtl="0">
-                        <a:spcBef>
-                          <a:spcPts val="0"/>
-                        </a:spcBef>
-                        <a:spcAft>
-                          <a:spcPts val="0"/>
-                        </a:spcAft>
-                        <a:buNone/>
-                      </a:pPr>
-                      <a:r>
-                        <a:rPr lang="es-ES" sz="1800">
-                          <a:solidFill>
-                            <a:schemeClr val="dk1"/>
-                          </a:solidFill>
-                        </a:rPr>
-                        <a:t>Nombre de requisito</a:t>
-                      </a:r>
-                      <a:endParaRPr sz="1800">
-                        <a:solidFill>
-                          <a:schemeClr val="dk1"/>
-                        </a:solidFill>
-                      </a:endParaRPr>
-                    </a:p>
-                  </a:txBody>
-                  <a:tcPr marL="91450" marR="91450" marT="45725" marB="45725">
-                    <a:solidFill>
-                      <a:schemeClr val="accent6"/>
-                    </a:solidFill>
-                  </a:tcPr>
-                </a:tc>
-                <a:tc>
-                  <a:txBody>
-                    <a:bodyPr/>
-                    <a:lstStyle/>
-                    <a:p>
-                      <a:pPr marL="0" marR="0" lvl="0" indent="0" algn="ctr" rtl="0">
-                        <a:spcBef>
-                          <a:spcPts val="0"/>
-                        </a:spcBef>
-                        <a:spcAft>
-                          <a:spcPts val="0"/>
-                        </a:spcAft>
-                        <a:buNone/>
-                      </a:pPr>
-                      <a:r>
-                        <a:rPr lang="es-ES" sz="1800">
-                          <a:solidFill>
-                            <a:schemeClr val="dk1"/>
-                          </a:solidFill>
-                        </a:rPr>
-                        <a:t>Categoría </a:t>
-                      </a:r>
-                      <a:endParaRPr sz="1800">
-                        <a:solidFill>
-                          <a:schemeClr val="dk1"/>
-                        </a:solidFill>
-                      </a:endParaRPr>
-                    </a:p>
-                  </a:txBody>
-                  <a:tcPr marL="91450" marR="91450" marT="45725" marB="45725">
-                    <a:solidFill>
-                      <a:schemeClr val="accent6"/>
-                    </a:solidFill>
-                  </a:tcPr>
-                </a:tc>
-                <a:extLst>
-                  <a:ext uri="{0D108BD9-81ED-4DB2-BD59-A6C34878D82A}">
-                    <a16:rowId xmlns:a16="http://schemas.microsoft.com/office/drawing/2014/main" val="10000"/>
-                  </a:ext>
-                </a:extLst>
-              </a:tr>
-              <a:tr h="678925">
-                <a:tc>
-                  <a:txBody>
-                    <a:bodyPr/>
-                    <a:lstStyle/>
-                    <a:p>
-                      <a:pPr marL="0" marR="0" lvl="0" indent="0" algn="l" rtl="0">
-                        <a:spcBef>
-                          <a:spcPts val="0"/>
-                        </a:spcBef>
-                        <a:spcAft>
-                          <a:spcPts val="0"/>
-                        </a:spcAft>
-                        <a:buNone/>
-                      </a:pPr>
-                      <a:r>
-                        <a:rPr lang="es-ES" sz="1800"/>
-                        <a:t>RNF1</a:t>
-                      </a:r>
-                      <a:endParaRPr sz="1800"/>
-                    </a:p>
-                  </a:txBody>
-                  <a:tcPr marL="91450" marR="91450" marT="45725" marB="45725"/>
-                </a:tc>
-                <a:tc>
-                  <a:txBody>
-                    <a:bodyPr/>
-                    <a:lstStyle/>
-                    <a:p>
-                      <a:pPr marL="0" marR="0" lvl="0" indent="0" algn="l" rtl="0">
-                        <a:spcBef>
-                          <a:spcPts val="0"/>
-                        </a:spcBef>
-                        <a:spcAft>
-                          <a:spcPts val="0"/>
-                        </a:spcAft>
-                        <a:buNone/>
-                      </a:pPr>
-                      <a:r>
-                        <a:rPr lang="es-ES" sz="1600"/>
-                        <a:t>El sistema debe responder de forma rápida y eficiente. </a:t>
-                      </a:r>
-                      <a:endParaRPr sz="1600"/>
-                    </a:p>
-                  </a:txBody>
-                  <a:tcPr marL="91450" marR="91450" marT="45725" marB="45725"/>
-                </a:tc>
-                <a:tc>
-                  <a:txBody>
-                    <a:bodyPr/>
-                    <a:lstStyle/>
-                    <a:p>
-                      <a:pPr marL="0" marR="0" lvl="0" indent="0" algn="ctr" rtl="0">
-                        <a:spcBef>
-                          <a:spcPts val="0"/>
-                        </a:spcBef>
-                        <a:spcAft>
-                          <a:spcPts val="0"/>
-                        </a:spcAft>
-                        <a:buNone/>
-                      </a:pPr>
-                      <a:r>
-                        <a:rPr lang="es-ES" sz="1800"/>
-                        <a:t>Rendimiento</a:t>
-                      </a:r>
-                      <a:endParaRPr sz="1800"/>
-                    </a:p>
-                  </a:txBody>
-                  <a:tcPr marL="91450" marR="91450" marT="45725" marB="45725"/>
-                </a:tc>
-                <a:extLst>
-                  <a:ext uri="{0D108BD9-81ED-4DB2-BD59-A6C34878D82A}">
-                    <a16:rowId xmlns:a16="http://schemas.microsoft.com/office/drawing/2014/main" val="10001"/>
-                  </a:ext>
-                </a:extLst>
-              </a:tr>
-              <a:tr h="754375">
-                <a:tc>
-                  <a:txBody>
-                    <a:bodyPr/>
-                    <a:lstStyle/>
-                    <a:p>
-                      <a:pPr marL="0" marR="0" lvl="0" indent="0" algn="l" rtl="0">
-                        <a:spcBef>
-                          <a:spcPts val="0"/>
-                        </a:spcBef>
-                        <a:spcAft>
-                          <a:spcPts val="0"/>
-                        </a:spcAft>
-                        <a:buNone/>
-                      </a:pPr>
-                      <a:r>
-                        <a:rPr lang="es-ES" sz="1800"/>
-                        <a:t>RNF2</a:t>
-                      </a:r>
-                      <a:endParaRPr sz="1800"/>
-                    </a:p>
-                  </a:txBody>
-                  <a:tcPr marL="91450" marR="91450" marT="45725" marB="45725"/>
-                </a:tc>
-                <a:tc>
-                  <a:txBody>
-                    <a:bodyPr/>
-                    <a:lstStyle/>
-                    <a:p>
-                      <a:pPr marL="0" marR="0" lvl="0" indent="0" algn="l" rtl="0">
-                        <a:spcBef>
-                          <a:spcPts val="0"/>
-                        </a:spcBef>
-                        <a:spcAft>
-                          <a:spcPts val="0"/>
-                        </a:spcAft>
-                        <a:buNone/>
-                      </a:pPr>
-                      <a:r>
-                        <a:rPr lang="es-ES" sz="1600"/>
-                        <a:t>El sistema debe proteger información personal de los clientes y garantizar su confidencialidad.</a:t>
-                      </a:r>
-                      <a:endParaRPr sz="1600"/>
-                    </a:p>
-                  </a:txBody>
-                  <a:tcPr marL="91450" marR="91450" marT="45725" marB="45725"/>
-                </a:tc>
-                <a:tc>
-                  <a:txBody>
-                    <a:bodyPr/>
-                    <a:lstStyle/>
-                    <a:p>
-                      <a:pPr marL="0" marR="0" lvl="0" indent="0" algn="ctr" rtl="0">
-                        <a:spcBef>
-                          <a:spcPts val="0"/>
-                        </a:spcBef>
-                        <a:spcAft>
-                          <a:spcPts val="0"/>
-                        </a:spcAft>
-                        <a:buNone/>
-                      </a:pPr>
-                      <a:r>
-                        <a:rPr lang="es-ES" sz="1800"/>
-                        <a:t>Seguridad</a:t>
-                      </a:r>
-                      <a:endParaRPr sz="1800"/>
-                    </a:p>
-                  </a:txBody>
-                  <a:tcPr marL="91450" marR="91450" marT="45725" marB="45725"/>
-                </a:tc>
-                <a:extLst>
-                  <a:ext uri="{0D108BD9-81ED-4DB2-BD59-A6C34878D82A}">
-                    <a16:rowId xmlns:a16="http://schemas.microsoft.com/office/drawing/2014/main" val="10002"/>
-                  </a:ext>
-                </a:extLst>
-              </a:tr>
-              <a:tr h="383275">
-                <a:tc>
-                  <a:txBody>
-                    <a:bodyPr/>
-                    <a:lstStyle/>
-                    <a:p>
-                      <a:pPr marL="0" marR="0" lvl="0" indent="0" algn="l" rtl="0">
-                        <a:spcBef>
-                          <a:spcPts val="0"/>
-                        </a:spcBef>
-                        <a:spcAft>
-                          <a:spcPts val="0"/>
-                        </a:spcAft>
-                        <a:buNone/>
-                      </a:pPr>
-                      <a:r>
-                        <a:rPr lang="es-ES" sz="1800"/>
-                        <a:t>RNF3</a:t>
-                      </a:r>
-                      <a:endParaRPr sz="1800"/>
-                    </a:p>
-                  </a:txBody>
-                  <a:tcPr marL="91450" marR="91450" marT="45725" marB="45725"/>
-                </a:tc>
-                <a:tc>
-                  <a:txBody>
-                    <a:bodyPr/>
-                    <a:lstStyle/>
-                    <a:p>
-                      <a:pPr marL="0" marR="0" lvl="0" indent="0" algn="l" rtl="0">
-                        <a:spcBef>
-                          <a:spcPts val="0"/>
-                        </a:spcBef>
-                        <a:spcAft>
-                          <a:spcPts val="0"/>
-                        </a:spcAft>
-                        <a:buNone/>
-                      </a:pPr>
-                      <a:r>
-                        <a:rPr lang="es-ES" sz="1600"/>
-                        <a:t>El sistema debe tener disponibilidad las 24 horas</a:t>
-                      </a:r>
-                      <a:endParaRPr sz="1600"/>
-                    </a:p>
-                  </a:txBody>
-                  <a:tcPr marL="91450" marR="91450" marT="45725" marB="45725"/>
-                </a:tc>
-                <a:tc>
-                  <a:txBody>
-                    <a:bodyPr/>
-                    <a:lstStyle/>
-                    <a:p>
-                      <a:pPr marL="0" marR="0" lvl="0" indent="0" algn="ctr" rtl="0">
-                        <a:spcBef>
-                          <a:spcPts val="0"/>
-                        </a:spcBef>
-                        <a:spcAft>
-                          <a:spcPts val="0"/>
-                        </a:spcAft>
-                        <a:buNone/>
-                      </a:pPr>
-                      <a:r>
-                        <a:rPr lang="es-ES" sz="1800"/>
-                        <a:t>Disponibilidad</a:t>
-                      </a:r>
-                      <a:endParaRPr sz="1800"/>
-                    </a:p>
-                  </a:txBody>
-                  <a:tcPr marL="91450" marR="91450" marT="45725" marB="45725"/>
-                </a:tc>
-                <a:extLst>
-                  <a:ext uri="{0D108BD9-81ED-4DB2-BD59-A6C34878D82A}">
-                    <a16:rowId xmlns:a16="http://schemas.microsoft.com/office/drawing/2014/main" val="10003"/>
-                  </a:ext>
-                </a:extLst>
-              </a:tr>
-              <a:tr h="722925">
-                <a:tc>
-                  <a:txBody>
-                    <a:bodyPr/>
-                    <a:lstStyle/>
-                    <a:p>
-                      <a:pPr marL="0" marR="0" lvl="0" indent="0" algn="l" rtl="0">
-                        <a:spcBef>
-                          <a:spcPts val="0"/>
-                        </a:spcBef>
-                        <a:spcAft>
-                          <a:spcPts val="0"/>
-                        </a:spcAft>
-                        <a:buNone/>
-                      </a:pPr>
-                      <a:r>
-                        <a:rPr lang="es-ES" sz="1800"/>
-                        <a:t>RNF4</a:t>
-                      </a:r>
-                      <a:endParaRPr sz="1800"/>
-                    </a:p>
-                  </a:txBody>
-                  <a:tcPr marL="91450" marR="91450" marT="45725" marB="45725"/>
-                </a:tc>
-                <a:tc>
-                  <a:txBody>
-                    <a:bodyPr/>
-                    <a:lstStyle/>
-                    <a:p>
-                      <a:pPr marL="0" marR="0" lvl="0" indent="0" algn="l" rtl="0">
-                        <a:spcBef>
-                          <a:spcPts val="0"/>
-                        </a:spcBef>
-                        <a:spcAft>
-                          <a:spcPts val="0"/>
-                        </a:spcAft>
-                        <a:buNone/>
-                      </a:pPr>
-                      <a:r>
-                        <a:rPr lang="es-ES" sz="1600"/>
-                        <a:t>El sistema debe estar en actualización frecuentemente(actualizar nuevos productos, nuevos servicios, etc.)</a:t>
-                      </a:r>
-                      <a:endParaRPr sz="1600"/>
-                    </a:p>
-                  </a:txBody>
-                  <a:tcPr marL="91450" marR="91450" marT="45725" marB="45725"/>
-                </a:tc>
-                <a:tc>
-                  <a:txBody>
-                    <a:bodyPr/>
-                    <a:lstStyle/>
-                    <a:p>
-                      <a:pPr marL="0" marR="0" lvl="0" indent="0" algn="ctr" rtl="0">
-                        <a:spcBef>
-                          <a:spcPts val="0"/>
-                        </a:spcBef>
-                        <a:spcAft>
-                          <a:spcPts val="0"/>
-                        </a:spcAft>
-                        <a:buNone/>
-                      </a:pPr>
-                      <a:r>
-                        <a:rPr lang="es-ES" sz="1800"/>
-                        <a:t>Escalabilidad</a:t>
-                      </a:r>
-                      <a:endParaRPr sz="1800"/>
-                    </a:p>
-                  </a:txBody>
-                  <a:tcPr marL="91450" marR="91450" marT="45725" marB="45725"/>
-                </a:tc>
-                <a:extLst>
-                  <a:ext uri="{0D108BD9-81ED-4DB2-BD59-A6C34878D82A}">
-                    <a16:rowId xmlns:a16="http://schemas.microsoft.com/office/drawing/2014/main" val="10004"/>
-                  </a:ext>
-                </a:extLst>
-              </a:tr>
-              <a:tr h="508725">
-                <a:tc>
-                  <a:txBody>
-                    <a:bodyPr/>
-                    <a:lstStyle/>
-                    <a:p>
-                      <a:pPr marL="0" marR="0" lvl="0" indent="0" algn="l" rtl="0">
-                        <a:spcBef>
-                          <a:spcPts val="0"/>
-                        </a:spcBef>
-                        <a:spcAft>
-                          <a:spcPts val="0"/>
-                        </a:spcAft>
-                        <a:buNone/>
-                      </a:pPr>
-                      <a:r>
-                        <a:rPr lang="es-ES" sz="1800"/>
-                        <a:t>RNF5</a:t>
-                      </a:r>
-                      <a:endParaRPr sz="1800"/>
-                    </a:p>
-                  </a:txBody>
-                  <a:tcPr marL="91450" marR="91450" marT="45725" marB="45725"/>
-                </a:tc>
-                <a:tc>
-                  <a:txBody>
-                    <a:bodyPr/>
-                    <a:lstStyle/>
-                    <a:p>
-                      <a:pPr marL="0" marR="0" lvl="0" indent="0" algn="l" rtl="0">
-                        <a:spcBef>
-                          <a:spcPts val="0"/>
-                        </a:spcBef>
-                        <a:spcAft>
-                          <a:spcPts val="0"/>
-                        </a:spcAft>
-                        <a:buNone/>
-                      </a:pPr>
-                      <a:r>
-                        <a:rPr lang="es-ES" sz="1600"/>
-                        <a:t>El sistema debe adaptarse a los diferentes hardware </a:t>
-                      </a:r>
-                      <a:endParaRPr sz="1600"/>
-                    </a:p>
-                  </a:txBody>
-                  <a:tcPr marL="91450" marR="91450" marT="45725" marB="45725"/>
-                </a:tc>
-                <a:tc>
-                  <a:txBody>
-                    <a:bodyPr/>
-                    <a:lstStyle/>
-                    <a:p>
-                      <a:pPr marL="0" marR="0" lvl="0" indent="0" algn="ctr" rtl="0">
-                        <a:spcBef>
-                          <a:spcPts val="0"/>
-                        </a:spcBef>
-                        <a:spcAft>
-                          <a:spcPts val="0"/>
-                        </a:spcAft>
-                        <a:buNone/>
-                      </a:pPr>
-                      <a:r>
-                        <a:rPr lang="es-ES" sz="1800"/>
-                        <a:t>Usabilidad</a:t>
-                      </a:r>
-                      <a:endParaRPr sz="1800"/>
-                    </a:p>
-                  </a:txBody>
-                  <a:tcPr marL="91450" marR="91450" marT="45725" marB="45725"/>
-                </a:tc>
-                <a:extLst>
-                  <a:ext uri="{0D108BD9-81ED-4DB2-BD59-A6C34878D82A}">
-                    <a16:rowId xmlns:a16="http://schemas.microsoft.com/office/drawing/2014/main" val="10005"/>
-                  </a:ext>
-                </a:extLst>
-              </a:tr>
-              <a:tr h="383275">
-                <a:tc>
-                  <a:txBody>
-                    <a:bodyPr/>
-                    <a:lstStyle/>
-                    <a:p>
-                      <a:pPr marL="0" marR="0" lvl="0" indent="0" algn="l" rtl="0">
-                        <a:spcBef>
-                          <a:spcPts val="0"/>
-                        </a:spcBef>
-                        <a:spcAft>
-                          <a:spcPts val="0"/>
-                        </a:spcAft>
-                        <a:buNone/>
-                      </a:pPr>
-                      <a:r>
-                        <a:rPr lang="es-ES" sz="1800"/>
-                        <a:t>RNF6</a:t>
-                      </a:r>
-                      <a:endParaRPr sz="1800"/>
-                    </a:p>
-                  </a:txBody>
-                  <a:tcPr marL="91450" marR="91450" marT="45725" marB="45725"/>
-                </a:tc>
-                <a:tc>
-                  <a:txBody>
-                    <a:bodyPr/>
-                    <a:lstStyle/>
-                    <a:p>
-                      <a:pPr marL="0" marR="0" lvl="0" indent="0" algn="l" rtl="0">
-                        <a:spcBef>
-                          <a:spcPts val="0"/>
-                        </a:spcBef>
-                        <a:spcAft>
-                          <a:spcPts val="0"/>
-                        </a:spcAft>
-                        <a:buNone/>
-                      </a:pPr>
-                      <a:r>
-                        <a:rPr lang="es-ES" sz="1600"/>
-                        <a:t>El sistema debe almacenar los datos que se solicitan al ingresar </a:t>
-                      </a:r>
-                      <a:endParaRPr sz="1600"/>
-                    </a:p>
-                  </a:txBody>
-                  <a:tcPr marL="91450" marR="91450" marT="45725" marB="45725"/>
-                </a:tc>
-                <a:tc>
-                  <a:txBody>
-                    <a:bodyPr/>
-                    <a:lstStyle/>
-                    <a:p>
-                      <a:pPr marL="0" marR="0" lvl="0" indent="0" algn="ctr" rtl="0">
-                        <a:spcBef>
-                          <a:spcPts val="0"/>
-                        </a:spcBef>
-                        <a:spcAft>
-                          <a:spcPts val="0"/>
-                        </a:spcAft>
-                        <a:buNone/>
-                      </a:pPr>
-                      <a:r>
-                        <a:rPr lang="es-ES" sz="1800"/>
-                        <a:t>Eficiencia</a:t>
-                      </a:r>
-                      <a:endParaRPr sz="1800"/>
-                    </a:p>
-                  </a:txBody>
-                  <a:tcPr marL="91450" marR="91450" marT="45725" marB="45725"/>
-                </a:tc>
-                <a:extLst>
-                  <a:ext uri="{0D108BD9-81ED-4DB2-BD59-A6C34878D82A}">
-                    <a16:rowId xmlns:a16="http://schemas.microsoft.com/office/drawing/2014/main" val="10006"/>
-                  </a:ext>
-                </a:extLst>
-              </a:tr>
-              <a:tr h="383275">
-                <a:tc>
-                  <a:txBody>
-                    <a:bodyPr/>
-                    <a:lstStyle/>
-                    <a:p>
-                      <a:pPr marL="0" marR="0" lvl="0" indent="0" algn="l" rtl="0">
-                        <a:spcBef>
-                          <a:spcPts val="0"/>
-                        </a:spcBef>
-                        <a:spcAft>
-                          <a:spcPts val="0"/>
-                        </a:spcAft>
-                        <a:buNone/>
-                      </a:pPr>
-                      <a:r>
-                        <a:rPr lang="es-ES" sz="1800"/>
-                        <a:t>RNF7</a:t>
-                      </a:r>
-                      <a:endParaRPr sz="1800"/>
-                    </a:p>
-                  </a:txBody>
-                  <a:tcPr marL="91450" marR="91450" marT="45725" marB="45725"/>
-                </a:tc>
-                <a:tc>
-                  <a:txBody>
-                    <a:bodyPr/>
-                    <a:lstStyle/>
-                    <a:p>
-                      <a:pPr marL="0" marR="0" lvl="0" indent="0" algn="l" rtl="0">
-                        <a:spcBef>
-                          <a:spcPts val="0"/>
-                        </a:spcBef>
-                        <a:spcAft>
-                          <a:spcPts val="0"/>
-                        </a:spcAft>
-                        <a:buNone/>
-                      </a:pPr>
-                      <a:r>
-                        <a:rPr lang="es-ES" sz="1600"/>
-                        <a:t>El sistema debe mantener los datos personales del cliente encriptados o cifrados  </a:t>
-                      </a:r>
-                      <a:endParaRPr sz="1600"/>
-                    </a:p>
-                  </a:txBody>
-                  <a:tcPr marL="91450" marR="91450" marT="45725" marB="45725"/>
-                </a:tc>
-                <a:tc>
-                  <a:txBody>
-                    <a:bodyPr/>
-                    <a:lstStyle/>
-                    <a:p>
-                      <a:pPr marL="0" marR="0" lvl="0" indent="0" algn="ctr" rtl="0">
-                        <a:spcBef>
-                          <a:spcPts val="0"/>
-                        </a:spcBef>
-                        <a:spcAft>
-                          <a:spcPts val="0"/>
-                        </a:spcAft>
-                        <a:buNone/>
-                      </a:pPr>
-                      <a:r>
-                        <a:rPr lang="es-ES" sz="1800"/>
-                        <a:t>Seguridad</a:t>
-                      </a:r>
-                      <a:endParaRPr sz="1800"/>
-                    </a:p>
-                  </a:txBody>
-                  <a:tcPr marL="91450" marR="91450" marT="45725" marB="45725"/>
-                </a:tc>
-                <a:extLst>
-                  <a:ext uri="{0D108BD9-81ED-4DB2-BD59-A6C34878D82A}">
-                    <a16:rowId xmlns:a16="http://schemas.microsoft.com/office/drawing/2014/main" val="10007"/>
-                  </a:ext>
-                </a:extLst>
-              </a:tr>
-              <a:tr h="528075">
-                <a:tc>
-                  <a:txBody>
-                    <a:bodyPr/>
-                    <a:lstStyle/>
-                    <a:p>
-                      <a:pPr marL="0" marR="0" lvl="0" indent="0" algn="l" rtl="0">
-                        <a:spcBef>
-                          <a:spcPts val="0"/>
-                        </a:spcBef>
-                        <a:spcAft>
-                          <a:spcPts val="0"/>
-                        </a:spcAft>
-                        <a:buNone/>
-                      </a:pPr>
-                      <a:r>
-                        <a:rPr lang="es-ES" sz="1800"/>
-                        <a:t>RNF8</a:t>
-                      </a:r>
-                      <a:endParaRPr sz="1800"/>
-                    </a:p>
-                  </a:txBody>
-                  <a:tcPr marL="91450" marR="91450" marT="45725" marB="45725"/>
-                </a:tc>
-                <a:tc>
-                  <a:txBody>
-                    <a:bodyPr/>
-                    <a:lstStyle/>
-                    <a:p>
-                      <a:pPr marL="0" marR="0" lvl="0" indent="0" algn="l" rtl="0">
-                        <a:spcBef>
-                          <a:spcPts val="0"/>
-                        </a:spcBef>
-                        <a:spcAft>
-                          <a:spcPts val="0"/>
-                        </a:spcAft>
-                        <a:buNone/>
-                      </a:pPr>
-                      <a:r>
-                        <a:rPr lang="es-ES" sz="1600"/>
-                        <a:t>La interfaz de usuario debe ser intuitiva y fácil de usar para los empelados y clientes.</a:t>
-                      </a:r>
-                      <a:endParaRPr sz="1600"/>
-                    </a:p>
-                  </a:txBody>
-                  <a:tcPr marL="91450" marR="91450" marT="45725" marB="45725"/>
-                </a:tc>
-                <a:tc>
-                  <a:txBody>
-                    <a:bodyPr/>
-                    <a:lstStyle/>
-                    <a:p>
-                      <a:pPr marL="0" marR="0" lvl="0" indent="0" algn="ctr" rtl="0">
-                        <a:spcBef>
-                          <a:spcPts val="0"/>
-                        </a:spcBef>
-                        <a:spcAft>
-                          <a:spcPts val="0"/>
-                        </a:spcAft>
-                        <a:buNone/>
-                      </a:pPr>
-                      <a:r>
-                        <a:rPr lang="es-ES" sz="1800"/>
-                        <a:t>Usabilidad</a:t>
-                      </a:r>
-                      <a:endParaRPr sz="1800"/>
-                    </a:p>
-                  </a:txBody>
-                  <a:tcPr marL="91450" marR="91450" marT="45725" marB="45725"/>
-                </a:tc>
-                <a:extLst>
-                  <a:ext uri="{0D108BD9-81ED-4DB2-BD59-A6C34878D82A}">
-                    <a16:rowId xmlns:a16="http://schemas.microsoft.com/office/drawing/2014/main" val="10008"/>
-                  </a:ext>
-                </a:extLst>
-              </a:tr>
-            </a:tbl>
-          </a:graphicData>
-        </a:graphic>
-      </p:graphicFrame>
-    </p:spTree>
-  </p:cSld>
-  <p:clrMapOvr>
-    <a:masterClrMapping/>
-  </p:clrMapOvr>
-</p:sld>
-</file>
-
-<file path=ppt/slides/slide29.xml><?xml version="1.0" encoding="utf-8"?>
-<p:sld xmlns:a="http://schemas.openxmlformats.org/drawingml/2006/main" xmlns:r="http://schemas.openxmlformats.org/officeDocument/2006/relationships" xmlns:p="http://schemas.openxmlformats.org/presentationml/2006/main">
-  <p:cSld>
-    <p:bg>
-      <p:bgPr>
-        <a:blipFill>
-          <a:blip r:embed="rId3">
-            <a:alphaModFix/>
-          </a:blip>
-          <a:stretch>
-            <a:fillRect/>
-          </a:stretch>
-        </a:blipFill>
-        <a:effectLst/>
-      </p:bgPr>
-    </p:bg>
-    <p:spTree>
-      <p:nvGrpSpPr>
-        <p:cNvPr id="1" name="Shape 241"/>
-        <p:cNvGrpSpPr/>
-        <p:nvPr/>
-      </p:nvGrpSpPr>
-      <p:grpSpPr>
-        <a:xfrm>
-          <a:off x="0" y="0"/>
-          <a:ext cx="0" cy="0"/>
-          <a:chOff x="0" y="0"/>
-          <a:chExt cx="0" cy="0"/>
-        </a:xfrm>
-      </p:grpSpPr>
-      <p:sp>
-        <p:nvSpPr>
-          <p:cNvPr id="242" name="Google Shape;242;p22"/>
-          <p:cNvSpPr/>
-          <p:nvPr/>
-        </p:nvSpPr>
-        <p:spPr>
-          <a:xfrm>
-            <a:off x="3423628" y="3954050"/>
-            <a:ext cx="5344743" cy="369332"/>
-          </a:xfrm>
-          <a:prstGeom prst="rect">
-            <a:avLst/>
-          </a:prstGeom>
-          <a:noFill/>
-          <a:ln>
-            <a:noFill/>
-          </a:ln>
-        </p:spPr>
-        <p:txBody>
-          <a:bodyPr spcFirstLastPara="1" wrap="square" lIns="91425" tIns="45700" rIns="91425" bIns="45700" anchor="t" anchorCtr="0">
-            <a:spAutoFit/>
-          </a:bodyPr>
-          <a:lstStyle/>
-          <a:p>
-            <a:pPr marL="0" marR="0" lvl="0" indent="0" algn="l" rtl="0">
-              <a:lnSpc>
-                <a:spcPct val="90000"/>
-              </a:lnSpc>
-              <a:spcBef>
-                <a:spcPts val="0"/>
-              </a:spcBef>
-              <a:spcAft>
-                <a:spcPts val="0"/>
-              </a:spcAft>
-              <a:buNone/>
-            </a:pPr>
-            <a:endParaRPr sz="2000">
-              <a:solidFill>
-                <a:schemeClr val="lt1"/>
-              </a:solidFill>
-              <a:latin typeface="Work Sans Medium"/>
-              <a:ea typeface="Work Sans Medium"/>
-              <a:cs typeface="Work Sans Medium"/>
-              <a:sym typeface="Work Sans Medium"/>
-            </a:endParaRPr>
-          </a:p>
-        </p:txBody>
-      </p:sp>
-      <p:sp>
-        <p:nvSpPr>
-          <p:cNvPr id="243" name="Google Shape;243;p22"/>
-          <p:cNvSpPr txBox="1"/>
-          <p:nvPr/>
-        </p:nvSpPr>
-        <p:spPr>
-          <a:xfrm>
-            <a:off x="-534041" y="2623935"/>
-            <a:ext cx="13490187" cy="830997"/>
-          </a:xfrm>
-          <a:prstGeom prst="rect">
-            <a:avLst/>
-          </a:prstGeom>
-          <a:noFill/>
-          <a:ln>
-            <a:noFill/>
-          </a:ln>
-        </p:spPr>
-        <p:txBody>
-          <a:bodyPr spcFirstLastPara="1" wrap="square" lIns="91425" tIns="45700" rIns="91425" bIns="45700" anchor="t" anchorCtr="0">
-            <a:spAutoFit/>
-          </a:bodyPr>
-          <a:lstStyle/>
-          <a:p>
-            <a:pPr marL="0" marR="0" lvl="0" indent="0" algn="ctr" rtl="0">
-              <a:lnSpc>
-                <a:spcPct val="100000"/>
-              </a:lnSpc>
-              <a:spcBef>
-                <a:spcPts val="0"/>
-              </a:spcBef>
-              <a:spcAft>
-                <a:spcPts val="0"/>
-              </a:spcAft>
-              <a:buClr>
-                <a:schemeClr val="lt1"/>
-              </a:buClr>
-              <a:buSzPts val="4800"/>
-              <a:buFont typeface="Work Sans"/>
-              <a:buNone/>
-            </a:pPr>
-            <a:r>
-              <a:rPr lang="es-ES" sz="4800" b="1" u="none" strike="noStrike" cap="none">
-                <a:solidFill>
-                  <a:schemeClr val="lt1"/>
-                </a:solidFill>
-                <a:latin typeface="Work Sans"/>
-                <a:ea typeface="Work Sans"/>
-                <a:cs typeface="Work Sans"/>
-                <a:sym typeface="Work Sans"/>
-              </a:rPr>
-              <a:t>HISTORIAS DE USUARIO</a:t>
-            </a:r>
-            <a:endParaRPr sz="4800" b="1" u="none" strike="noStrike" cap="none">
-              <a:solidFill>
-                <a:schemeClr val="lt1"/>
-              </a:solidFill>
-              <a:latin typeface="Work Sans"/>
-              <a:ea typeface="Work Sans"/>
-              <a:cs typeface="Work Sans"/>
-              <a:sym typeface="Work Sans"/>
-            </a:endParaRPr>
-          </a:p>
-        </p:txBody>
-      </p:sp>
-      <p:cxnSp>
-        <p:nvCxnSpPr>
-          <p:cNvPr id="244" name="Google Shape;244;p22"/>
-          <p:cNvCxnSpPr/>
-          <p:nvPr/>
-        </p:nvCxnSpPr>
-        <p:spPr>
-          <a:xfrm>
-            <a:off x="5013630" y="3555133"/>
-            <a:ext cx="2247544" cy="0"/>
-          </a:xfrm>
-          <a:prstGeom prst="straightConnector1">
-            <a:avLst/>
-          </a:prstGeom>
-          <a:noFill/>
-          <a:ln w="12700" cap="flat" cmpd="sng">
-            <a:solidFill>
-              <a:schemeClr val="lt1"/>
-            </a:solidFill>
-            <a:prstDash val="solid"/>
-            <a:miter lim="800000"/>
-            <a:headEnd type="none" w="sm" len="sm"/>
-            <a:tailEnd type="none" w="sm" len="sm"/>
-          </a:ln>
-        </p:spPr>
-      </p:cxnSp>
     </p:spTree>
   </p:cSld>
   <p:clrMapOvr>
@@ -21751,7 +19363,7 @@
         </p:blipFill>
         <p:spPr>
           <a:xfrm>
-            <a:off x="791592" y="1985464"/>
+            <a:off x="667304" y="1837981"/>
             <a:ext cx="10857391" cy="4013664"/>
           </a:xfrm>
           <a:prstGeom prst="rect">
@@ -21759,2791 +19371,22 @@
           </a:prstGeom>
         </p:spPr>
       </p:pic>
-    </p:spTree>
-    <p:extLst>
-      <p:ext uri="{BB962C8B-B14F-4D97-AF65-F5344CB8AC3E}">
-        <p14:creationId xmlns:p14="http://schemas.microsoft.com/office/powerpoint/2010/main" val="1116777330"/>
-      </p:ext>
-    </p:extLst>
-  </p:cSld>
-  <p:clrMapOvr>
-    <a:masterClrMapping/>
-  </p:clrMapOvr>
-</p:sld>
-</file>
-
-<file path=ppt/slides/slide30.xml><?xml version="1.0" encoding="utf-8"?>
-<p:sld xmlns:a="http://schemas.openxmlformats.org/drawingml/2006/main" xmlns:r="http://schemas.openxmlformats.org/officeDocument/2006/relationships" xmlns:p="http://schemas.openxmlformats.org/presentationml/2006/main">
-  <p:cSld>
-    <p:bg>
-      <p:bgPr>
-        <a:blipFill>
-          <a:blip r:embed="rId3">
-            <a:alphaModFix/>
-          </a:blip>
-          <a:stretch>
-            <a:fillRect/>
-          </a:stretch>
-        </a:blipFill>
-        <a:effectLst/>
-      </p:bgPr>
-    </p:bg>
-    <p:spTree>
-      <p:nvGrpSpPr>
-        <p:cNvPr id="1" name="Shape 248"/>
-        <p:cNvGrpSpPr/>
-        <p:nvPr/>
-      </p:nvGrpSpPr>
-      <p:grpSpPr>
-        <a:xfrm>
-          <a:off x="0" y="0"/>
-          <a:ext cx="0" cy="0"/>
-          <a:chOff x="0" y="0"/>
-          <a:chExt cx="0" cy="0"/>
-        </a:xfrm>
-      </p:grpSpPr>
-      <p:graphicFrame>
-        <p:nvGraphicFramePr>
-          <p:cNvPr id="249" name="Google Shape;249;p23"/>
-          <p:cNvGraphicFramePr/>
-          <p:nvPr/>
-        </p:nvGraphicFramePr>
-        <p:xfrm>
-          <a:off x="440404" y="153298"/>
-          <a:ext cx="3000000" cy="3000000"/>
-        </p:xfrm>
-        <a:graphic>
-          <a:graphicData uri="http://schemas.openxmlformats.org/drawingml/2006/table">
-            <a:tbl>
-              <a:tblPr firstRow="1" bandRow="1">
-                <a:noFill/>
-                <a:tableStyleId>{799DC7D7-11BD-4224-B14F-F56D6294CAA8}</a:tableStyleId>
-              </a:tblPr>
-              <a:tblGrid>
-                <a:gridCol w="1103250">
-                  <a:extLst>
-                    <a:ext uri="{9D8B030D-6E8A-4147-A177-3AD203B41FA5}">
-                      <a16:colId xmlns:a16="http://schemas.microsoft.com/office/drawing/2014/main" val="20000"/>
-                    </a:ext>
-                  </a:extLst>
-                </a:gridCol>
-                <a:gridCol w="1927900">
-                  <a:extLst>
-                    <a:ext uri="{9D8B030D-6E8A-4147-A177-3AD203B41FA5}">
-                      <a16:colId xmlns:a16="http://schemas.microsoft.com/office/drawing/2014/main" val="20001"/>
-                    </a:ext>
-                  </a:extLst>
-                </a:gridCol>
-                <a:gridCol w="4695750">
-                  <a:extLst>
-                    <a:ext uri="{9D8B030D-6E8A-4147-A177-3AD203B41FA5}">
-                      <a16:colId xmlns:a16="http://schemas.microsoft.com/office/drawing/2014/main" val="20002"/>
-                    </a:ext>
-                  </a:extLst>
-                </a:gridCol>
-                <a:gridCol w="3015850">
-                  <a:extLst>
-                    <a:ext uri="{9D8B030D-6E8A-4147-A177-3AD203B41FA5}">
-                      <a16:colId xmlns:a16="http://schemas.microsoft.com/office/drawing/2014/main" val="20003"/>
-                    </a:ext>
-                  </a:extLst>
-                </a:gridCol>
-              </a:tblGrid>
-              <a:tr h="628275">
-                <a:tc>
-                  <a:txBody>
-                    <a:bodyPr/>
-                    <a:lstStyle/>
-                    <a:p>
-                      <a:pPr marL="0" marR="0" lvl="0" indent="0" algn="l" rtl="0">
-                        <a:spcBef>
-                          <a:spcPts val="0"/>
-                        </a:spcBef>
-                        <a:spcAft>
-                          <a:spcPts val="0"/>
-                        </a:spcAft>
-                        <a:buNone/>
-                      </a:pPr>
-                      <a:r>
-                        <a:rPr lang="es-ES" sz="1000"/>
-                        <a:t>CODIGO HISTORIA DE USUARIO</a:t>
-                      </a:r>
-                      <a:endParaRPr sz="1000"/>
-                    </a:p>
-                  </a:txBody>
-                  <a:tcPr marL="91450" marR="91450" marT="45725" marB="45725">
-                    <a:solidFill>
-                      <a:schemeClr val="accent6"/>
-                    </a:solidFill>
-                  </a:tcPr>
-                </a:tc>
-                <a:tc>
-                  <a:txBody>
-                    <a:bodyPr/>
-                    <a:lstStyle/>
-                    <a:p>
-                      <a:pPr marL="0" marR="0" lvl="0" indent="0" algn="l" rtl="0">
-                        <a:spcBef>
-                          <a:spcPts val="0"/>
-                        </a:spcBef>
-                        <a:spcAft>
-                          <a:spcPts val="0"/>
-                        </a:spcAft>
-                        <a:buNone/>
-                      </a:pPr>
-                      <a:r>
-                        <a:rPr lang="es-ES" sz="1000"/>
-                        <a:t>CODIGO CASO DE USO</a:t>
-                      </a:r>
-                      <a:endParaRPr sz="1000"/>
-                    </a:p>
-                  </a:txBody>
-                  <a:tcPr marL="91450" marR="91450" marT="45725" marB="45725">
-                    <a:solidFill>
-                      <a:schemeClr val="accent6"/>
-                    </a:solidFill>
-                  </a:tcPr>
-                </a:tc>
-                <a:tc>
-                  <a:txBody>
-                    <a:bodyPr/>
-                    <a:lstStyle/>
-                    <a:p>
-                      <a:pPr marL="0" marR="0" lvl="0" indent="0" algn="l" rtl="0">
-                        <a:spcBef>
-                          <a:spcPts val="0"/>
-                        </a:spcBef>
-                        <a:spcAft>
-                          <a:spcPts val="0"/>
-                        </a:spcAft>
-                        <a:buNone/>
-                      </a:pPr>
-                      <a:r>
-                        <a:rPr lang="es-ES" sz="1000"/>
-                        <a:t>HISTORIA DE USUARIO</a:t>
-                      </a:r>
-                      <a:endParaRPr sz="1000"/>
-                    </a:p>
-                  </a:txBody>
-                  <a:tcPr marL="91450" marR="91450" marT="45725" marB="45725">
-                    <a:solidFill>
-                      <a:schemeClr val="accent6"/>
-                    </a:solidFill>
-                  </a:tcPr>
-                </a:tc>
-                <a:tc>
-                  <a:txBody>
-                    <a:bodyPr/>
-                    <a:lstStyle/>
-                    <a:p>
-                      <a:pPr marL="0" marR="0" lvl="0" indent="0" algn="l" rtl="0">
-                        <a:spcBef>
-                          <a:spcPts val="0"/>
-                        </a:spcBef>
-                        <a:spcAft>
-                          <a:spcPts val="0"/>
-                        </a:spcAft>
-                        <a:buNone/>
-                      </a:pPr>
-                      <a:r>
-                        <a:rPr lang="es-ES" sz="1000"/>
-                        <a:t>CRITERIOS DE ACEPTACION</a:t>
-                      </a:r>
-                      <a:endParaRPr sz="1000"/>
-                    </a:p>
-                  </a:txBody>
-                  <a:tcPr marL="91450" marR="91450" marT="45725" marB="45725">
-                    <a:solidFill>
-                      <a:schemeClr val="accent6"/>
-                    </a:solidFill>
-                  </a:tcPr>
-                </a:tc>
-                <a:extLst>
-                  <a:ext uri="{0D108BD9-81ED-4DB2-BD59-A6C34878D82A}">
-                    <a16:rowId xmlns:a16="http://schemas.microsoft.com/office/drawing/2014/main" val="10000"/>
-                  </a:ext>
-                </a:extLst>
-              </a:tr>
-              <a:tr h="900075">
-                <a:tc>
-                  <a:txBody>
-                    <a:bodyPr/>
-                    <a:lstStyle/>
-                    <a:p>
-                      <a:pPr marL="0" marR="0" lvl="0" indent="0" algn="l" rtl="0">
-                        <a:spcBef>
-                          <a:spcPts val="0"/>
-                        </a:spcBef>
-                        <a:spcAft>
-                          <a:spcPts val="0"/>
-                        </a:spcAft>
-                        <a:buNone/>
-                      </a:pPr>
-                      <a:r>
-                        <a:rPr lang="es-ES" sz="1000">
-                          <a:solidFill>
-                            <a:schemeClr val="lt1"/>
-                          </a:solidFill>
-                        </a:rPr>
-                        <a:t>US001</a:t>
-                      </a:r>
-                      <a:endParaRPr sz="1000">
-                        <a:solidFill>
-                          <a:schemeClr val="lt1"/>
-                        </a:solidFill>
-                      </a:endParaRPr>
-                    </a:p>
-                  </a:txBody>
-                  <a:tcPr marL="91450" marR="91450" marT="45725" marB="45725">
-                    <a:solidFill>
-                      <a:schemeClr val="accent6"/>
-                    </a:solidFill>
-                  </a:tcPr>
-                </a:tc>
-                <a:tc>
-                  <a:txBody>
-                    <a:bodyPr/>
-                    <a:lstStyle/>
-                    <a:p>
-                      <a:pPr marL="0" marR="0" lvl="0" indent="0" algn="l" rtl="0">
-                        <a:spcBef>
-                          <a:spcPts val="0"/>
-                        </a:spcBef>
-                        <a:spcAft>
-                          <a:spcPts val="0"/>
-                        </a:spcAft>
-                        <a:buNone/>
-                      </a:pPr>
-                      <a:r>
-                        <a:rPr lang="es-ES" sz="1000"/>
-                        <a:t>CU001</a:t>
-                      </a:r>
-                      <a:endParaRPr sz="1000"/>
-                    </a:p>
-                  </a:txBody>
-                  <a:tcPr marL="91450" marR="91450" marT="45725" marB="45725"/>
-                </a:tc>
-                <a:tc>
-                  <a:txBody>
-                    <a:bodyPr/>
-                    <a:lstStyle/>
-                    <a:p>
-                      <a:pPr marL="0" marR="0" lvl="0" indent="0" algn="l" rtl="0">
-                        <a:spcBef>
-                          <a:spcPts val="0"/>
-                        </a:spcBef>
-                        <a:spcAft>
-                          <a:spcPts val="0"/>
-                        </a:spcAft>
-                        <a:buNone/>
-                      </a:pPr>
-                      <a:r>
-                        <a:rPr lang="es-ES" sz="1000"/>
-                        <a:t>COMO usuario NECESITO poder ingresar al sistema </a:t>
-                      </a:r>
-                      <a:endParaRPr sz="1000"/>
-                    </a:p>
-                  </a:txBody>
-                  <a:tcPr marL="91450" marR="91450" marT="45725" marB="45725"/>
-                </a:tc>
-                <a:tc>
-                  <a:txBody>
-                    <a:bodyPr/>
-                    <a:lstStyle/>
-                    <a:p>
-                      <a:pPr marL="0" marR="0" lvl="0" indent="0" algn="l" rtl="0">
-                        <a:spcBef>
-                          <a:spcPts val="0"/>
-                        </a:spcBef>
-                        <a:spcAft>
-                          <a:spcPts val="0"/>
-                        </a:spcAft>
-                        <a:buNone/>
-                      </a:pPr>
-                      <a:r>
-                        <a:rPr lang="es-ES" sz="1000"/>
-                        <a:t>Escenarios:</a:t>
-                      </a:r>
-                      <a:endParaRPr/>
-                    </a:p>
-                    <a:p>
-                      <a:pPr marL="171450" marR="0" lvl="0" indent="-171450" algn="l" rtl="0">
-                        <a:spcBef>
-                          <a:spcPts val="0"/>
-                        </a:spcBef>
-                        <a:spcAft>
-                          <a:spcPts val="0"/>
-                        </a:spcAft>
-                        <a:buClr>
-                          <a:schemeClr val="dk1"/>
-                        </a:buClr>
-                        <a:buSzPts val="1000"/>
-                        <a:buFont typeface="Arial"/>
-                        <a:buChar char="•"/>
-                      </a:pPr>
-                      <a:r>
-                        <a:rPr lang="es-ES" sz="1000"/>
-                        <a:t>Que se cuente con un botón de Inicio de Sesión el cual despliega un formulario que diga correo y contraseña</a:t>
-                      </a:r>
-                      <a:endParaRPr/>
-                    </a:p>
-                    <a:p>
-                      <a:pPr marL="171450" marR="0" lvl="0" indent="-171450" algn="l" rtl="0">
-                        <a:spcBef>
-                          <a:spcPts val="0"/>
-                        </a:spcBef>
-                        <a:spcAft>
-                          <a:spcPts val="0"/>
-                        </a:spcAft>
-                        <a:buClr>
-                          <a:schemeClr val="dk1"/>
-                        </a:buClr>
-                        <a:buSzPts val="1000"/>
-                        <a:buFont typeface="Arial"/>
-                        <a:buChar char="•"/>
-                      </a:pPr>
-                      <a:r>
-                        <a:rPr lang="es-ES" sz="1000"/>
-                        <a:t>El campo correo electrónico debe ser único </a:t>
-                      </a:r>
-                      <a:endParaRPr/>
-                    </a:p>
-                    <a:p>
-                      <a:pPr marL="171450" marR="0" lvl="0" indent="-171450" algn="l" rtl="0">
-                        <a:spcBef>
-                          <a:spcPts val="0"/>
-                        </a:spcBef>
-                        <a:spcAft>
-                          <a:spcPts val="0"/>
-                        </a:spcAft>
-                        <a:buClr>
-                          <a:schemeClr val="dk1"/>
-                        </a:buClr>
-                        <a:buSzPts val="1000"/>
-                        <a:buFont typeface="Arial"/>
-                        <a:buChar char="•"/>
-                      </a:pPr>
-                      <a:r>
-                        <a:rPr lang="es-ES" sz="1000"/>
-                        <a:t>La contraseña debe estar oculta con círculos negros y debe estar encriptada </a:t>
-                      </a:r>
-                      <a:endParaRPr/>
-                    </a:p>
-                    <a:p>
-                      <a:pPr marL="0" marR="0" lvl="0" indent="0" algn="l" rtl="0">
-                        <a:spcBef>
-                          <a:spcPts val="0"/>
-                        </a:spcBef>
-                        <a:spcAft>
-                          <a:spcPts val="0"/>
-                        </a:spcAft>
-                        <a:buNone/>
-                      </a:pPr>
-                      <a:r>
-                        <a:rPr lang="es-ES" sz="1000" b="1"/>
-                        <a:t>Necesitamos</a:t>
-                      </a:r>
-                      <a:r>
-                        <a:rPr lang="es-ES" sz="1000"/>
-                        <a:t>: </a:t>
-                      </a:r>
-                      <a:endParaRPr/>
-                    </a:p>
-                    <a:p>
-                      <a:pPr marL="0" marR="0" lvl="0" indent="0" algn="l" rtl="0">
-                        <a:spcBef>
-                          <a:spcPts val="0"/>
-                        </a:spcBef>
-                        <a:spcAft>
-                          <a:spcPts val="0"/>
-                        </a:spcAft>
-                        <a:buNone/>
-                      </a:pPr>
-                      <a:r>
-                        <a:rPr lang="es-ES" sz="1000"/>
-                        <a:t>Correo electrónico, contraseña</a:t>
-                      </a:r>
-                      <a:endParaRPr sz="1000"/>
-                    </a:p>
-                  </a:txBody>
-                  <a:tcPr marL="91450" marR="91450" marT="45725" marB="45725"/>
-                </a:tc>
-                <a:extLst>
-                  <a:ext uri="{0D108BD9-81ED-4DB2-BD59-A6C34878D82A}">
-                    <a16:rowId xmlns:a16="http://schemas.microsoft.com/office/drawing/2014/main" val="10001"/>
-                  </a:ext>
-                </a:extLst>
-              </a:tr>
-              <a:tr h="906000">
-                <a:tc>
-                  <a:txBody>
-                    <a:bodyPr/>
-                    <a:lstStyle/>
-                    <a:p>
-                      <a:pPr marL="0" marR="0" lvl="0" indent="0" algn="l" rtl="0">
-                        <a:spcBef>
-                          <a:spcPts val="0"/>
-                        </a:spcBef>
-                        <a:spcAft>
-                          <a:spcPts val="0"/>
-                        </a:spcAft>
-                        <a:buNone/>
-                      </a:pPr>
-                      <a:r>
-                        <a:rPr lang="es-ES" sz="1000">
-                          <a:solidFill>
-                            <a:schemeClr val="lt1"/>
-                          </a:solidFill>
-                        </a:rPr>
-                        <a:t>US002</a:t>
-                      </a:r>
-                      <a:endParaRPr sz="1000">
-                        <a:solidFill>
-                          <a:schemeClr val="lt1"/>
-                        </a:solidFill>
-                      </a:endParaRPr>
-                    </a:p>
-                  </a:txBody>
-                  <a:tcPr marL="91450" marR="91450" marT="45725" marB="45725">
-                    <a:solidFill>
-                      <a:schemeClr val="accent6"/>
-                    </a:solidFill>
-                  </a:tcPr>
-                </a:tc>
-                <a:tc>
-                  <a:txBody>
-                    <a:bodyPr/>
-                    <a:lstStyle/>
-                    <a:p>
-                      <a:pPr marL="0" marR="0" lvl="0" indent="0" algn="l" rtl="0">
-                        <a:spcBef>
-                          <a:spcPts val="0"/>
-                        </a:spcBef>
-                        <a:spcAft>
-                          <a:spcPts val="0"/>
-                        </a:spcAft>
-                        <a:buNone/>
-                      </a:pPr>
-                      <a:r>
-                        <a:rPr lang="es-ES" sz="1000"/>
-                        <a:t>CU002</a:t>
-                      </a:r>
-                      <a:endParaRPr sz="1000"/>
-                    </a:p>
-                  </a:txBody>
-                  <a:tcPr marL="91450" marR="91450" marT="45725" marB="45725"/>
-                </a:tc>
-                <a:tc>
-                  <a:txBody>
-                    <a:bodyPr/>
-                    <a:lstStyle/>
-                    <a:p>
-                      <a:pPr marL="0" marR="0" lvl="0" indent="0" algn="l" rtl="0">
-                        <a:spcBef>
-                          <a:spcPts val="0"/>
-                        </a:spcBef>
-                        <a:spcAft>
-                          <a:spcPts val="0"/>
-                        </a:spcAft>
-                        <a:buNone/>
-                      </a:pPr>
-                      <a:r>
-                        <a:rPr lang="es-ES" sz="1000"/>
-                        <a:t>COMO usuario NECESITO recuperar la contraseña para poder ingresar en caso de olvidarla</a:t>
-                      </a:r>
-                      <a:endParaRPr sz="1000"/>
-                    </a:p>
-                  </a:txBody>
-                  <a:tcPr marL="91450" marR="91450" marT="45725" marB="45725"/>
-                </a:tc>
-                <a:tc>
-                  <a:txBody>
-                    <a:bodyPr/>
-                    <a:lstStyle/>
-                    <a:p>
-                      <a:pPr marL="0" marR="0" lvl="0" indent="0" algn="l" rtl="0">
-                        <a:spcBef>
-                          <a:spcPts val="0"/>
-                        </a:spcBef>
-                        <a:spcAft>
-                          <a:spcPts val="0"/>
-                        </a:spcAft>
-                        <a:buNone/>
-                      </a:pPr>
-                      <a:r>
-                        <a:rPr lang="es-ES" sz="1000"/>
-                        <a:t>Escenarios: </a:t>
-                      </a:r>
-                      <a:endParaRPr/>
-                    </a:p>
-                    <a:p>
-                      <a:pPr marL="171450" marR="0" lvl="0" indent="-171450" algn="l" rtl="0">
-                        <a:spcBef>
-                          <a:spcPts val="0"/>
-                        </a:spcBef>
-                        <a:spcAft>
-                          <a:spcPts val="0"/>
-                        </a:spcAft>
-                        <a:buClr>
-                          <a:schemeClr val="dk1"/>
-                        </a:buClr>
-                        <a:buSzPts val="1000"/>
-                        <a:buFont typeface="Arial"/>
-                        <a:buChar char="•"/>
-                      </a:pPr>
-                      <a:r>
-                        <a:rPr lang="es-ES" sz="1000"/>
-                        <a:t>Solicitar el cambio de contraseña</a:t>
-                      </a:r>
-                      <a:endParaRPr/>
-                    </a:p>
-                    <a:p>
-                      <a:pPr marL="171450" marR="0" lvl="0" indent="-171450" algn="l" rtl="0">
-                        <a:spcBef>
-                          <a:spcPts val="0"/>
-                        </a:spcBef>
-                        <a:spcAft>
-                          <a:spcPts val="0"/>
-                        </a:spcAft>
-                        <a:buClr>
-                          <a:schemeClr val="dk1"/>
-                        </a:buClr>
-                        <a:buSzPts val="1000"/>
-                        <a:buFont typeface="Arial"/>
-                        <a:buChar char="•"/>
-                      </a:pPr>
-                      <a:r>
-                        <a:rPr lang="es-ES" sz="1000"/>
-                        <a:t>Se  debe ingresar el correo en el cual desea recibir el código de recuperación </a:t>
-                      </a:r>
-                      <a:endParaRPr/>
-                    </a:p>
-                    <a:p>
-                      <a:pPr marL="171450" marR="0" lvl="0" indent="-171450" algn="l" rtl="0">
-                        <a:spcBef>
-                          <a:spcPts val="0"/>
-                        </a:spcBef>
-                        <a:spcAft>
-                          <a:spcPts val="0"/>
-                        </a:spcAft>
-                        <a:buClr>
-                          <a:schemeClr val="dk1"/>
-                        </a:buClr>
-                        <a:buSzPts val="1000"/>
-                        <a:buFont typeface="Arial"/>
-                        <a:buChar char="•"/>
-                      </a:pPr>
-                      <a:r>
-                        <a:rPr lang="es-ES" sz="1000"/>
-                        <a:t>Se ingresa el código y se hace el cambio de contraseña</a:t>
-                      </a:r>
-                      <a:endParaRPr/>
-                    </a:p>
-                    <a:p>
-                      <a:pPr marL="171450" marR="0" lvl="0" indent="-107950" algn="l" rtl="0">
-                        <a:spcBef>
-                          <a:spcPts val="0"/>
-                        </a:spcBef>
-                        <a:spcAft>
-                          <a:spcPts val="0"/>
-                        </a:spcAft>
-                        <a:buClr>
-                          <a:schemeClr val="dk1"/>
-                        </a:buClr>
-                        <a:buSzPts val="1000"/>
-                        <a:buFont typeface="Arial"/>
-                        <a:buNone/>
-                      </a:pPr>
-                      <a:endParaRPr sz="1000"/>
-                    </a:p>
-                    <a:p>
-                      <a:pPr marL="0" marR="0" lvl="0" indent="0" algn="l" rtl="0">
-                        <a:spcBef>
-                          <a:spcPts val="0"/>
-                        </a:spcBef>
-                        <a:spcAft>
-                          <a:spcPts val="0"/>
-                        </a:spcAft>
-                        <a:buNone/>
-                      </a:pPr>
-                      <a:r>
-                        <a:rPr lang="es-ES" sz="1000" b="1"/>
-                        <a:t>Necesitamos</a:t>
-                      </a:r>
-                      <a:r>
-                        <a:rPr lang="es-ES" sz="1000"/>
-                        <a:t>:</a:t>
-                      </a:r>
-                      <a:endParaRPr/>
-                    </a:p>
-                    <a:p>
-                      <a:pPr marL="0" marR="0" lvl="0" indent="0" algn="l" rtl="0">
-                        <a:spcBef>
-                          <a:spcPts val="0"/>
-                        </a:spcBef>
-                        <a:spcAft>
-                          <a:spcPts val="0"/>
-                        </a:spcAft>
-                        <a:buNone/>
-                      </a:pPr>
-                      <a:r>
-                        <a:rPr lang="es-ES" sz="1000"/>
-                        <a:t>Correo electrónico</a:t>
-                      </a:r>
-                      <a:endParaRPr sz="1000"/>
-                    </a:p>
-                  </a:txBody>
-                  <a:tcPr marL="91450" marR="91450" marT="45725" marB="45725"/>
-                </a:tc>
-                <a:extLst>
-                  <a:ext uri="{0D108BD9-81ED-4DB2-BD59-A6C34878D82A}">
-                    <a16:rowId xmlns:a16="http://schemas.microsoft.com/office/drawing/2014/main" val="10002"/>
-                  </a:ext>
-                </a:extLst>
-              </a:tr>
-              <a:tr h="1286600">
-                <a:tc>
-                  <a:txBody>
-                    <a:bodyPr/>
-                    <a:lstStyle/>
-                    <a:p>
-                      <a:pPr marL="0" marR="0" lvl="0" indent="0" algn="l" rtl="0">
-                        <a:spcBef>
-                          <a:spcPts val="0"/>
-                        </a:spcBef>
-                        <a:spcAft>
-                          <a:spcPts val="0"/>
-                        </a:spcAft>
-                        <a:buNone/>
-                      </a:pPr>
-                      <a:r>
-                        <a:rPr lang="es-ES" sz="1000">
-                          <a:solidFill>
-                            <a:schemeClr val="lt1"/>
-                          </a:solidFill>
-                        </a:rPr>
-                        <a:t>US003</a:t>
-                      </a:r>
-                      <a:endParaRPr sz="1000">
-                        <a:solidFill>
-                          <a:schemeClr val="lt1"/>
-                        </a:solidFill>
-                      </a:endParaRPr>
-                    </a:p>
-                  </a:txBody>
-                  <a:tcPr marL="91450" marR="91450" marT="45725" marB="45725">
-                    <a:solidFill>
-                      <a:schemeClr val="accent6"/>
-                    </a:solidFill>
-                  </a:tcPr>
-                </a:tc>
-                <a:tc>
-                  <a:txBody>
-                    <a:bodyPr/>
-                    <a:lstStyle/>
-                    <a:p>
-                      <a:pPr marL="0" marR="0" lvl="0" indent="0" algn="l" rtl="0">
-                        <a:spcBef>
-                          <a:spcPts val="0"/>
-                        </a:spcBef>
-                        <a:spcAft>
-                          <a:spcPts val="0"/>
-                        </a:spcAft>
-                        <a:buNone/>
-                      </a:pPr>
-                      <a:r>
-                        <a:rPr lang="es-ES" sz="1000"/>
-                        <a:t>CU003</a:t>
-                      </a:r>
-                      <a:endParaRPr sz="1000"/>
-                    </a:p>
-                  </a:txBody>
-                  <a:tcPr marL="91450" marR="91450" marT="45725" marB="45725"/>
-                </a:tc>
-                <a:tc>
-                  <a:txBody>
-                    <a:bodyPr/>
-                    <a:lstStyle/>
-                    <a:p>
-                      <a:pPr marL="0" marR="0" lvl="0" indent="0" algn="l" rtl="0">
-                        <a:spcBef>
-                          <a:spcPts val="0"/>
-                        </a:spcBef>
-                        <a:spcAft>
-                          <a:spcPts val="0"/>
-                        </a:spcAft>
-                        <a:buNone/>
-                      </a:pPr>
-                      <a:r>
-                        <a:rPr lang="es-ES" sz="1000"/>
-                        <a:t>COMO Administrador NECESITO agregar nuevos productos para disponibilidad de la Barbería </a:t>
-                      </a:r>
-                      <a:endParaRPr sz="1000"/>
-                    </a:p>
-                  </a:txBody>
-                  <a:tcPr marL="91450" marR="91450" marT="45725" marB="45725"/>
-                </a:tc>
-                <a:tc>
-                  <a:txBody>
-                    <a:bodyPr/>
-                    <a:lstStyle/>
-                    <a:p>
-                      <a:pPr marL="0" marR="0" lvl="0" indent="0" algn="l" rtl="0">
-                        <a:spcBef>
-                          <a:spcPts val="0"/>
-                        </a:spcBef>
-                        <a:spcAft>
-                          <a:spcPts val="0"/>
-                        </a:spcAft>
-                        <a:buNone/>
-                      </a:pPr>
-                      <a:r>
-                        <a:rPr lang="es-ES" sz="1000"/>
-                        <a:t>Escenarios: </a:t>
-                      </a:r>
-                      <a:endParaRPr/>
-                    </a:p>
-                    <a:p>
-                      <a:pPr marL="285750" marR="0" lvl="0" indent="-285750" algn="l" rtl="0">
-                        <a:spcBef>
-                          <a:spcPts val="0"/>
-                        </a:spcBef>
-                        <a:spcAft>
-                          <a:spcPts val="0"/>
-                        </a:spcAft>
-                        <a:buClr>
-                          <a:schemeClr val="dk1"/>
-                        </a:buClr>
-                        <a:buSzPts val="1000"/>
-                        <a:buFont typeface="Arial"/>
-                        <a:buChar char="•"/>
-                      </a:pPr>
-                      <a:r>
-                        <a:rPr lang="es-ES" sz="1000"/>
-                        <a:t>Se pueden agregar productos ingresando el código, nombre del producto, precio, cantidades</a:t>
-                      </a:r>
-                      <a:endParaRPr/>
-                    </a:p>
-                    <a:p>
-                      <a:pPr marL="285750" marR="0" lvl="0" indent="-285750" algn="l" rtl="0">
-                        <a:spcBef>
-                          <a:spcPts val="0"/>
-                        </a:spcBef>
-                        <a:spcAft>
-                          <a:spcPts val="0"/>
-                        </a:spcAft>
-                        <a:buClr>
-                          <a:schemeClr val="dk1"/>
-                        </a:buClr>
-                        <a:buSzPts val="1000"/>
-                        <a:buFont typeface="Arial"/>
-                        <a:buChar char="•"/>
-                      </a:pPr>
-                      <a:r>
-                        <a:rPr lang="es-ES" sz="1000"/>
-                        <a:t>Después de agregar un producto, el producto debería ser reflejado en el stock. </a:t>
-                      </a:r>
-                      <a:endParaRPr/>
-                    </a:p>
-                    <a:p>
-                      <a:pPr marL="0" marR="0" lvl="0" indent="0" algn="l" rtl="0">
-                        <a:spcBef>
-                          <a:spcPts val="0"/>
-                        </a:spcBef>
-                        <a:spcAft>
-                          <a:spcPts val="0"/>
-                        </a:spcAft>
-                        <a:buNone/>
-                      </a:pPr>
-                      <a:r>
-                        <a:rPr lang="es-ES" sz="1000" b="1"/>
-                        <a:t>Necesitamos</a:t>
-                      </a:r>
-                      <a:r>
-                        <a:rPr lang="es-ES" sz="1000"/>
-                        <a:t>:</a:t>
-                      </a:r>
-                      <a:endParaRPr/>
-                    </a:p>
-                    <a:p>
-                      <a:pPr marL="0" marR="0" lvl="0" indent="0" algn="l" rtl="0">
-                        <a:spcBef>
-                          <a:spcPts val="0"/>
-                        </a:spcBef>
-                        <a:spcAft>
-                          <a:spcPts val="0"/>
-                        </a:spcAft>
-                        <a:buNone/>
-                      </a:pPr>
-                      <a:r>
-                        <a:rPr lang="es-ES" sz="1000"/>
-                        <a:t> Productos, nombre del producto, cantidad del producto y precio del producto.</a:t>
-                      </a:r>
-                      <a:endParaRPr/>
-                    </a:p>
-                  </a:txBody>
-                  <a:tcPr marL="91450" marR="91450" marT="45725" marB="45725"/>
-                </a:tc>
-                <a:extLst>
-                  <a:ext uri="{0D108BD9-81ED-4DB2-BD59-A6C34878D82A}">
-                    <a16:rowId xmlns:a16="http://schemas.microsoft.com/office/drawing/2014/main" val="10003"/>
-                  </a:ext>
-                </a:extLst>
-              </a:tr>
-              <a:tr h="195650">
-                <a:tc>
-                  <a:txBody>
-                    <a:bodyPr/>
-                    <a:lstStyle/>
-                    <a:p>
-                      <a:pPr marL="0" marR="0" lvl="0" indent="0" algn="l" rtl="0">
-                        <a:spcBef>
-                          <a:spcPts val="0"/>
-                        </a:spcBef>
-                        <a:spcAft>
-                          <a:spcPts val="0"/>
-                        </a:spcAft>
-                        <a:buNone/>
-                      </a:pPr>
-                      <a:r>
-                        <a:rPr lang="es-ES" sz="1000">
-                          <a:solidFill>
-                            <a:schemeClr val="lt1"/>
-                          </a:solidFill>
-                        </a:rPr>
-                        <a:t>US004</a:t>
-                      </a:r>
-                      <a:endParaRPr sz="1000">
-                        <a:solidFill>
-                          <a:schemeClr val="lt1"/>
-                        </a:solidFill>
-                      </a:endParaRPr>
-                    </a:p>
-                  </a:txBody>
-                  <a:tcPr marL="91450" marR="91450" marT="45725" marB="45725">
-                    <a:solidFill>
-                      <a:schemeClr val="accent6"/>
-                    </a:solidFill>
-                  </a:tcPr>
-                </a:tc>
-                <a:tc>
-                  <a:txBody>
-                    <a:bodyPr/>
-                    <a:lstStyle/>
-                    <a:p>
-                      <a:pPr marL="0" marR="0" lvl="0" indent="0" algn="l" rtl="0">
-                        <a:spcBef>
-                          <a:spcPts val="0"/>
-                        </a:spcBef>
-                        <a:spcAft>
-                          <a:spcPts val="0"/>
-                        </a:spcAft>
-                        <a:buNone/>
-                      </a:pPr>
-                      <a:r>
-                        <a:rPr lang="es-ES" sz="1000"/>
-                        <a:t>CU004</a:t>
-                      </a:r>
-                      <a:endParaRPr sz="1000"/>
-                    </a:p>
-                  </a:txBody>
-                  <a:tcPr marL="91450" marR="91450" marT="45725" marB="45725"/>
-                </a:tc>
-                <a:tc>
-                  <a:txBody>
-                    <a:bodyPr/>
-                    <a:lstStyle/>
-                    <a:p>
-                      <a:pPr marL="0" marR="0" lvl="0" indent="0" algn="l" rtl="0">
-                        <a:spcBef>
-                          <a:spcPts val="0"/>
-                        </a:spcBef>
-                        <a:spcAft>
-                          <a:spcPts val="0"/>
-                        </a:spcAft>
-                        <a:buNone/>
-                      </a:pPr>
-                      <a:r>
-                        <a:rPr lang="es-ES" sz="1000"/>
-                        <a:t>COMO Administrador NECESITO generar estadísticas de las ventas de los productos de la Barbería  </a:t>
-                      </a:r>
-                      <a:endParaRPr sz="1000"/>
-                    </a:p>
-                  </a:txBody>
-                  <a:tcPr marL="91450" marR="91450" marT="45725" marB="45725"/>
-                </a:tc>
-                <a:tc>
-                  <a:txBody>
-                    <a:bodyPr/>
-                    <a:lstStyle/>
-                    <a:p>
-                      <a:pPr marL="0" marR="0" lvl="0" indent="0" algn="l" rtl="0">
-                        <a:spcBef>
-                          <a:spcPts val="0"/>
-                        </a:spcBef>
-                        <a:spcAft>
-                          <a:spcPts val="0"/>
-                        </a:spcAft>
-                        <a:buNone/>
-                      </a:pPr>
-                      <a:r>
-                        <a:rPr lang="es-ES" sz="1000"/>
-                        <a:t>Escenarios: </a:t>
-                      </a:r>
-                      <a:endParaRPr/>
-                    </a:p>
-                    <a:p>
-                      <a:pPr marL="171450" marR="0" lvl="0" indent="-171450" algn="l" rtl="0">
-                        <a:spcBef>
-                          <a:spcPts val="0"/>
-                        </a:spcBef>
-                        <a:spcAft>
-                          <a:spcPts val="0"/>
-                        </a:spcAft>
-                        <a:buClr>
-                          <a:schemeClr val="dk1"/>
-                        </a:buClr>
-                        <a:buSzPts val="1000"/>
-                        <a:buFont typeface="Arial"/>
-                        <a:buChar char="•"/>
-                      </a:pPr>
-                      <a:r>
-                        <a:rPr lang="es-ES" sz="1000"/>
-                        <a:t>Que se cuente con una opción de hacer estadísticas sobre los productos mas vendidos, menos vendidos y los no vendidos   </a:t>
-                      </a:r>
-                      <a:endParaRPr/>
-                    </a:p>
-                    <a:p>
-                      <a:pPr marL="171450" marR="0" lvl="0" indent="-171450" algn="l" rtl="0">
-                        <a:spcBef>
-                          <a:spcPts val="0"/>
-                        </a:spcBef>
-                        <a:spcAft>
-                          <a:spcPts val="0"/>
-                        </a:spcAft>
-                        <a:buClr>
-                          <a:schemeClr val="dk1"/>
-                        </a:buClr>
-                        <a:buSzPts val="1000"/>
-                        <a:buFont typeface="Arial"/>
-                        <a:buChar char="•"/>
-                      </a:pPr>
-                      <a:r>
-                        <a:rPr lang="es-ES" sz="1000"/>
-                        <a:t>Después de ser generada las estadísticas poder visualizarlas solo en el rol de Administrador </a:t>
-                      </a:r>
-                      <a:endParaRPr/>
-                    </a:p>
-                    <a:p>
-                      <a:pPr marL="0" marR="0" lvl="0" indent="0" algn="l" rtl="0">
-                        <a:spcBef>
-                          <a:spcPts val="0"/>
-                        </a:spcBef>
-                        <a:spcAft>
-                          <a:spcPts val="0"/>
-                        </a:spcAft>
-                        <a:buNone/>
-                      </a:pPr>
-                      <a:r>
-                        <a:rPr lang="es-ES" sz="1000" b="1"/>
-                        <a:t>Necesitamos</a:t>
-                      </a:r>
-                      <a:r>
-                        <a:rPr lang="es-ES" sz="1000"/>
-                        <a:t>:</a:t>
-                      </a:r>
-                      <a:endParaRPr/>
-                    </a:p>
-                    <a:p>
-                      <a:pPr marL="0" marR="0" lvl="0" indent="0" algn="l" rtl="0">
-                        <a:spcBef>
-                          <a:spcPts val="0"/>
-                        </a:spcBef>
-                        <a:spcAft>
-                          <a:spcPts val="0"/>
-                        </a:spcAft>
-                        <a:buNone/>
-                      </a:pPr>
-                      <a:r>
-                        <a:rPr lang="es-ES" sz="1000"/>
-                        <a:t>Nombres de los productos, precios y las cantidades vendidas </a:t>
-                      </a:r>
-                      <a:endParaRPr/>
-                    </a:p>
-                    <a:p>
-                      <a:pPr marL="0" marR="0" lvl="0" indent="0" algn="l" rtl="0">
-                        <a:spcBef>
-                          <a:spcPts val="0"/>
-                        </a:spcBef>
-                        <a:spcAft>
-                          <a:spcPts val="0"/>
-                        </a:spcAft>
-                        <a:buNone/>
-                      </a:pPr>
-                      <a:endParaRPr sz="1000"/>
-                    </a:p>
-                  </a:txBody>
-                  <a:tcPr marL="91450" marR="91450" marT="45725" marB="45725"/>
-                </a:tc>
-                <a:extLst>
-                  <a:ext uri="{0D108BD9-81ED-4DB2-BD59-A6C34878D82A}">
-                    <a16:rowId xmlns:a16="http://schemas.microsoft.com/office/drawing/2014/main" val="10004"/>
-                  </a:ext>
-                </a:extLst>
-              </a:tr>
-            </a:tbl>
-          </a:graphicData>
-        </a:graphic>
-      </p:graphicFrame>
-    </p:spTree>
-  </p:cSld>
-  <p:clrMapOvr>
-    <a:masterClrMapping/>
-  </p:clrMapOvr>
-</p:sld>
-</file>
-
-<file path=ppt/slides/slide31.xml><?xml version="1.0" encoding="utf-8"?>
-<p:sld xmlns:a="http://schemas.openxmlformats.org/drawingml/2006/main" xmlns:r="http://schemas.openxmlformats.org/officeDocument/2006/relationships" xmlns:p="http://schemas.openxmlformats.org/presentationml/2006/main">
-  <p:cSld>
-    <p:bg>
-      <p:bgPr>
-        <a:blipFill>
-          <a:blip r:embed="rId3">
-            <a:alphaModFix/>
-          </a:blip>
-          <a:stretch>
-            <a:fillRect/>
-          </a:stretch>
-        </a:blipFill>
-        <a:effectLst/>
-      </p:bgPr>
-    </p:bg>
-    <p:spTree>
-      <p:nvGrpSpPr>
-        <p:cNvPr id="1" name="Shape 253"/>
-        <p:cNvGrpSpPr/>
-        <p:nvPr/>
-      </p:nvGrpSpPr>
-      <p:grpSpPr>
-        <a:xfrm>
-          <a:off x="0" y="0"/>
-          <a:ext cx="0" cy="0"/>
-          <a:chOff x="0" y="0"/>
-          <a:chExt cx="0" cy="0"/>
-        </a:xfrm>
-      </p:grpSpPr>
-      <p:graphicFrame>
-        <p:nvGraphicFramePr>
-          <p:cNvPr id="254" name="Google Shape;254;p24"/>
-          <p:cNvGraphicFramePr/>
-          <p:nvPr/>
-        </p:nvGraphicFramePr>
-        <p:xfrm>
-          <a:off x="359769" y="201336"/>
-          <a:ext cx="3000000" cy="3000000"/>
-        </p:xfrm>
-        <a:graphic>
-          <a:graphicData uri="http://schemas.openxmlformats.org/drawingml/2006/table">
-            <a:tbl>
-              <a:tblPr firstRow="1" bandRow="1">
-                <a:noFill/>
-                <a:tableStyleId>{799DC7D7-11BD-4224-B14F-F56D6294CAA8}</a:tableStyleId>
-              </a:tblPr>
-              <a:tblGrid>
-                <a:gridCol w="1103250">
-                  <a:extLst>
-                    <a:ext uri="{9D8B030D-6E8A-4147-A177-3AD203B41FA5}">
-                      <a16:colId xmlns:a16="http://schemas.microsoft.com/office/drawing/2014/main" val="20000"/>
-                    </a:ext>
-                  </a:extLst>
-                </a:gridCol>
-                <a:gridCol w="1927900">
-                  <a:extLst>
-                    <a:ext uri="{9D8B030D-6E8A-4147-A177-3AD203B41FA5}">
-                      <a16:colId xmlns:a16="http://schemas.microsoft.com/office/drawing/2014/main" val="20001"/>
-                    </a:ext>
-                  </a:extLst>
-                </a:gridCol>
-                <a:gridCol w="4695750">
-                  <a:extLst>
-                    <a:ext uri="{9D8B030D-6E8A-4147-A177-3AD203B41FA5}">
-                      <a16:colId xmlns:a16="http://schemas.microsoft.com/office/drawing/2014/main" val="20002"/>
-                    </a:ext>
-                  </a:extLst>
-                </a:gridCol>
-                <a:gridCol w="3015850">
-                  <a:extLst>
-                    <a:ext uri="{9D8B030D-6E8A-4147-A177-3AD203B41FA5}">
-                      <a16:colId xmlns:a16="http://schemas.microsoft.com/office/drawing/2014/main" val="20003"/>
-                    </a:ext>
-                  </a:extLst>
-                </a:gridCol>
-              </a:tblGrid>
-              <a:tr h="1001900">
-                <a:tc>
-                  <a:txBody>
-                    <a:bodyPr/>
-                    <a:lstStyle/>
-                    <a:p>
-                      <a:pPr marL="0" marR="0" lvl="0" indent="0" algn="l" rtl="0">
-                        <a:spcBef>
-                          <a:spcPts val="0"/>
-                        </a:spcBef>
-                        <a:spcAft>
-                          <a:spcPts val="0"/>
-                        </a:spcAft>
-                        <a:buNone/>
-                      </a:pPr>
-                      <a:r>
-                        <a:rPr lang="es-ES" sz="1000">
-                          <a:solidFill>
-                            <a:schemeClr val="lt1"/>
-                          </a:solidFill>
-                        </a:rPr>
-                        <a:t>US005</a:t>
-                      </a:r>
-                      <a:endParaRPr sz="1000">
-                        <a:solidFill>
-                          <a:schemeClr val="lt1"/>
-                        </a:solidFill>
-                      </a:endParaRPr>
-                    </a:p>
-                  </a:txBody>
-                  <a:tcPr marL="91450" marR="91450" marT="45725" marB="45725">
-                    <a:solidFill>
-                      <a:schemeClr val="accent6"/>
-                    </a:solidFill>
-                  </a:tcPr>
-                </a:tc>
-                <a:tc>
-                  <a:txBody>
-                    <a:bodyPr/>
-                    <a:lstStyle/>
-                    <a:p>
-                      <a:pPr marL="0" marR="0" lvl="0" indent="0" algn="l" rtl="0">
-                        <a:spcBef>
-                          <a:spcPts val="0"/>
-                        </a:spcBef>
-                        <a:spcAft>
-                          <a:spcPts val="0"/>
-                        </a:spcAft>
-                        <a:buNone/>
-                      </a:pPr>
-                      <a:r>
-                        <a:rPr lang="es-ES" sz="1000" b="0">
-                          <a:solidFill>
-                            <a:schemeClr val="dk1"/>
-                          </a:solidFill>
-                        </a:rPr>
-                        <a:t>CU005</a:t>
-                      </a:r>
-                      <a:endParaRPr sz="1000" b="0">
-                        <a:solidFill>
-                          <a:schemeClr val="dk1"/>
-                        </a:solidFill>
-                      </a:endParaRPr>
-                    </a:p>
-                  </a:txBody>
-                  <a:tcPr marL="91450" marR="91450" marT="45725" marB="45725">
-                    <a:solidFill>
-                      <a:srgbClr val="B3C6E7"/>
-                    </a:solidFill>
-                  </a:tcPr>
-                </a:tc>
-                <a:tc>
-                  <a:txBody>
-                    <a:bodyPr/>
-                    <a:lstStyle/>
-                    <a:p>
-                      <a:pPr marL="0" marR="0" lvl="0" indent="0" algn="l" rtl="0">
-                        <a:spcBef>
-                          <a:spcPts val="0"/>
-                        </a:spcBef>
-                        <a:spcAft>
-                          <a:spcPts val="0"/>
-                        </a:spcAft>
-                        <a:buNone/>
-                      </a:pPr>
-                      <a:r>
-                        <a:rPr lang="es-ES" sz="1000" b="0">
-                          <a:solidFill>
-                            <a:schemeClr val="dk1"/>
-                          </a:solidFill>
-                        </a:rPr>
-                        <a:t>COMO barbero NECESITO poder agendar la disponibilidad de turnos </a:t>
-                      </a:r>
-                      <a:endParaRPr sz="1000" b="0">
-                        <a:solidFill>
-                          <a:schemeClr val="dk1"/>
-                        </a:solidFill>
-                      </a:endParaRPr>
-                    </a:p>
-                  </a:txBody>
-                  <a:tcPr marL="91450" marR="91450" marT="45725" marB="45725">
-                    <a:solidFill>
-                      <a:srgbClr val="B3C6E7"/>
-                    </a:solidFill>
-                  </a:tcPr>
-                </a:tc>
-                <a:tc>
-                  <a:txBody>
-                    <a:bodyPr/>
-                    <a:lstStyle/>
-                    <a:p>
-                      <a:pPr marL="0" marR="0" lvl="0" indent="0" algn="l" rtl="0">
-                        <a:spcBef>
-                          <a:spcPts val="0"/>
-                        </a:spcBef>
-                        <a:spcAft>
-                          <a:spcPts val="0"/>
-                        </a:spcAft>
-                        <a:buNone/>
-                      </a:pPr>
-                      <a:r>
-                        <a:rPr lang="es-ES" sz="1000" b="0">
-                          <a:solidFill>
-                            <a:schemeClr val="dk1"/>
-                          </a:solidFill>
-                        </a:rPr>
-                        <a:t>Escenarios:</a:t>
-                      </a:r>
-                      <a:endParaRPr/>
-                    </a:p>
-                    <a:p>
-                      <a:pPr marL="171450" marR="0" lvl="0" indent="-171450" algn="l" rtl="0">
-                        <a:spcBef>
-                          <a:spcPts val="0"/>
-                        </a:spcBef>
-                        <a:spcAft>
-                          <a:spcPts val="0"/>
-                        </a:spcAft>
-                        <a:buClr>
-                          <a:schemeClr val="dk1"/>
-                        </a:buClr>
-                        <a:buSzPts val="1000"/>
-                        <a:buFont typeface="Arial"/>
-                        <a:buChar char="•"/>
-                      </a:pPr>
-                      <a:r>
-                        <a:rPr lang="es-ES" sz="1000" b="0">
-                          <a:solidFill>
-                            <a:schemeClr val="dk1"/>
-                          </a:solidFill>
-                        </a:rPr>
-                        <a:t>Tendrá un botón para poder asignar su disponibilidad </a:t>
-                      </a:r>
-                      <a:endParaRPr/>
-                    </a:p>
-                    <a:p>
-                      <a:pPr marL="171450" marR="0" lvl="0" indent="-171450" algn="l" rtl="0">
-                        <a:spcBef>
-                          <a:spcPts val="0"/>
-                        </a:spcBef>
-                        <a:spcAft>
-                          <a:spcPts val="0"/>
-                        </a:spcAft>
-                        <a:buClr>
-                          <a:schemeClr val="dk1"/>
-                        </a:buClr>
-                        <a:buSzPts val="1000"/>
-                        <a:buFont typeface="Arial"/>
-                        <a:buChar char="•"/>
-                      </a:pPr>
-                      <a:r>
-                        <a:rPr lang="es-ES" sz="1000" b="0">
-                          <a:solidFill>
-                            <a:schemeClr val="dk1"/>
-                          </a:solidFill>
-                        </a:rPr>
-                        <a:t>Deberá escoger el mes, el día y las horas</a:t>
-                      </a:r>
-                      <a:endParaRPr/>
-                    </a:p>
-                    <a:p>
-                      <a:pPr marL="171450" marR="0" lvl="0" indent="-171450" algn="l" rtl="0">
-                        <a:spcBef>
-                          <a:spcPts val="0"/>
-                        </a:spcBef>
-                        <a:spcAft>
-                          <a:spcPts val="0"/>
-                        </a:spcAft>
-                        <a:buClr>
-                          <a:schemeClr val="dk1"/>
-                        </a:buClr>
-                        <a:buSzPts val="1000"/>
-                        <a:buFont typeface="Arial"/>
-                        <a:buChar char="•"/>
-                      </a:pPr>
-                      <a:r>
-                        <a:rPr lang="es-ES" sz="1000" b="0">
-                          <a:solidFill>
-                            <a:schemeClr val="dk1"/>
-                          </a:solidFill>
-                        </a:rPr>
-                        <a:t>Por último podrá publicar su disponibilidad</a:t>
-                      </a:r>
-                      <a:endParaRPr/>
-                    </a:p>
-                    <a:p>
-                      <a:pPr marL="171450" marR="0" lvl="0" indent="-171450" algn="l" rtl="0">
-                        <a:spcBef>
-                          <a:spcPts val="0"/>
-                        </a:spcBef>
-                        <a:spcAft>
-                          <a:spcPts val="0"/>
-                        </a:spcAft>
-                        <a:buClr>
-                          <a:schemeClr val="dk1"/>
-                        </a:buClr>
-                        <a:buSzPts val="1000"/>
-                        <a:buFont typeface="Arial"/>
-                        <a:buChar char="•"/>
-                      </a:pPr>
-                      <a:r>
-                        <a:rPr lang="es-ES" sz="1000" b="0">
-                          <a:solidFill>
-                            <a:schemeClr val="dk1"/>
-                          </a:solidFill>
-                        </a:rPr>
-                        <a:t>Que se genere una disponibilidad actualizada para los clientes</a:t>
-                      </a:r>
-                      <a:endParaRPr/>
-                    </a:p>
-                    <a:p>
-                      <a:pPr marL="0" marR="0" lvl="0" indent="0" algn="l" rtl="0">
-                        <a:spcBef>
-                          <a:spcPts val="0"/>
-                        </a:spcBef>
-                        <a:spcAft>
-                          <a:spcPts val="0"/>
-                        </a:spcAft>
-                        <a:buNone/>
-                      </a:pPr>
-                      <a:r>
-                        <a:rPr lang="es-ES" sz="1000" b="0">
-                          <a:solidFill>
-                            <a:schemeClr val="dk1"/>
-                          </a:solidFill>
-                        </a:rPr>
-                        <a:t>Necesitamos: </a:t>
-                      </a:r>
-                      <a:endParaRPr/>
-                    </a:p>
-                    <a:p>
-                      <a:pPr marL="0" marR="0" lvl="0" indent="0" algn="l" rtl="0">
-                        <a:spcBef>
-                          <a:spcPts val="0"/>
-                        </a:spcBef>
-                        <a:spcAft>
-                          <a:spcPts val="0"/>
-                        </a:spcAft>
-                        <a:buNone/>
-                      </a:pPr>
-                      <a:r>
-                        <a:rPr lang="es-ES" sz="1000" b="0">
-                          <a:solidFill>
-                            <a:schemeClr val="dk1"/>
-                          </a:solidFill>
-                        </a:rPr>
-                        <a:t>Establecer fechas y horarios actuales </a:t>
-                      </a:r>
-                      <a:endParaRPr sz="1000" b="0">
-                        <a:solidFill>
-                          <a:schemeClr val="dk1"/>
-                        </a:solidFill>
-                      </a:endParaRPr>
-                    </a:p>
-                  </a:txBody>
-                  <a:tcPr marL="91450" marR="91450" marT="45725" marB="45725">
-                    <a:solidFill>
-                      <a:srgbClr val="B3C6E7"/>
-                    </a:solidFill>
-                  </a:tcPr>
-                </a:tc>
-                <a:extLst>
-                  <a:ext uri="{0D108BD9-81ED-4DB2-BD59-A6C34878D82A}">
-                    <a16:rowId xmlns:a16="http://schemas.microsoft.com/office/drawing/2014/main" val="10000"/>
-                  </a:ext>
-                </a:extLst>
-              </a:tr>
-              <a:tr h="1458925">
-                <a:tc>
-                  <a:txBody>
-                    <a:bodyPr/>
-                    <a:lstStyle/>
-                    <a:p>
-                      <a:pPr marL="0" marR="0" lvl="0" indent="0" algn="l" rtl="0">
-                        <a:spcBef>
-                          <a:spcPts val="0"/>
-                        </a:spcBef>
-                        <a:spcAft>
-                          <a:spcPts val="0"/>
-                        </a:spcAft>
-                        <a:buNone/>
-                      </a:pPr>
-                      <a:r>
-                        <a:rPr lang="es-ES" sz="1000">
-                          <a:solidFill>
-                            <a:schemeClr val="lt1"/>
-                          </a:solidFill>
-                        </a:rPr>
-                        <a:t>US006</a:t>
-                      </a:r>
-                      <a:endParaRPr sz="1000">
-                        <a:solidFill>
-                          <a:schemeClr val="lt1"/>
-                        </a:solidFill>
-                      </a:endParaRPr>
-                    </a:p>
-                  </a:txBody>
-                  <a:tcPr marL="91450" marR="91450" marT="45725" marB="45725">
-                    <a:solidFill>
-                      <a:schemeClr val="accent6"/>
-                    </a:solidFill>
-                  </a:tcPr>
-                </a:tc>
-                <a:tc>
-                  <a:txBody>
-                    <a:bodyPr/>
-                    <a:lstStyle/>
-                    <a:p>
-                      <a:pPr marL="0" marR="0" lvl="0" indent="0" algn="l" rtl="0">
-                        <a:spcBef>
-                          <a:spcPts val="0"/>
-                        </a:spcBef>
-                        <a:spcAft>
-                          <a:spcPts val="0"/>
-                        </a:spcAft>
-                        <a:buNone/>
-                      </a:pPr>
-                      <a:r>
-                        <a:rPr lang="es-ES" sz="1000"/>
-                        <a:t>CU006</a:t>
-                      </a:r>
-                      <a:endParaRPr sz="1000"/>
-                    </a:p>
-                  </a:txBody>
-                  <a:tcPr marL="91450" marR="91450" marT="45725" marB="45725"/>
-                </a:tc>
-                <a:tc>
-                  <a:txBody>
-                    <a:bodyPr/>
-                    <a:lstStyle/>
-                    <a:p>
-                      <a:pPr marL="0" marR="0" lvl="0" indent="0" algn="l" rtl="0">
-                        <a:spcBef>
-                          <a:spcPts val="0"/>
-                        </a:spcBef>
-                        <a:spcAft>
-                          <a:spcPts val="0"/>
-                        </a:spcAft>
-                        <a:buNone/>
-                      </a:pPr>
-                      <a:r>
-                        <a:rPr lang="es-ES" sz="1000"/>
-                        <a:t>COMO cliente NECESITO poder hacer compras de productos </a:t>
-                      </a:r>
-                      <a:endParaRPr/>
-                    </a:p>
-                  </a:txBody>
-                  <a:tcPr marL="91450" marR="91450" marT="45725" marB="45725"/>
-                </a:tc>
-                <a:tc>
-                  <a:txBody>
-                    <a:bodyPr/>
-                    <a:lstStyle/>
-                    <a:p>
-                      <a:pPr marL="0" marR="0" lvl="0" indent="0" algn="l" rtl="0">
-                        <a:spcBef>
-                          <a:spcPts val="0"/>
-                        </a:spcBef>
-                        <a:spcAft>
-                          <a:spcPts val="0"/>
-                        </a:spcAft>
-                        <a:buNone/>
-                      </a:pPr>
-                      <a:r>
-                        <a:rPr lang="es-ES" sz="1000"/>
-                        <a:t>Escenarios: </a:t>
-                      </a:r>
-                      <a:endParaRPr/>
-                    </a:p>
-                    <a:p>
-                      <a:pPr marL="171450" marR="0" lvl="0" indent="-171450" algn="l" rtl="0">
-                        <a:spcBef>
-                          <a:spcPts val="0"/>
-                        </a:spcBef>
-                        <a:spcAft>
-                          <a:spcPts val="0"/>
-                        </a:spcAft>
-                        <a:buClr>
-                          <a:schemeClr val="dk1"/>
-                        </a:buClr>
-                        <a:buSzPts val="1000"/>
-                        <a:buFont typeface="Arial"/>
-                        <a:buChar char="•"/>
-                      </a:pPr>
-                      <a:r>
-                        <a:rPr lang="es-ES" sz="1000"/>
-                        <a:t>Poder contar con un stock para poder visualizar los productos que estén en venta</a:t>
-                      </a:r>
-                      <a:endParaRPr/>
-                    </a:p>
-                    <a:p>
-                      <a:pPr marL="171450" marR="0" lvl="0" indent="-171450" algn="l" rtl="0">
-                        <a:spcBef>
-                          <a:spcPts val="0"/>
-                        </a:spcBef>
-                        <a:spcAft>
-                          <a:spcPts val="0"/>
-                        </a:spcAft>
-                        <a:buClr>
-                          <a:schemeClr val="dk1"/>
-                        </a:buClr>
-                        <a:buSzPts val="1000"/>
-                        <a:buFont typeface="Arial"/>
-                        <a:buChar char="•"/>
-                      </a:pPr>
-                      <a:r>
-                        <a:rPr lang="es-ES" sz="1000"/>
-                        <a:t>Que se pueda hacer la compra de un producto dependiendo de la cantidad y el precio </a:t>
-                      </a:r>
-                      <a:endParaRPr/>
-                    </a:p>
-                    <a:p>
-                      <a:pPr marL="171450" marR="0" lvl="0" indent="-171450" algn="l" rtl="0">
-                        <a:spcBef>
-                          <a:spcPts val="0"/>
-                        </a:spcBef>
-                        <a:spcAft>
-                          <a:spcPts val="0"/>
-                        </a:spcAft>
-                        <a:buClr>
-                          <a:schemeClr val="dk1"/>
-                        </a:buClr>
-                        <a:buSzPts val="1000"/>
-                        <a:buFont typeface="Arial"/>
-                        <a:buChar char="•"/>
-                      </a:pPr>
-                      <a:r>
-                        <a:rPr lang="es-ES" sz="1000"/>
-                        <a:t>Contar con un apartado de carrito de ventas para poder hacer compras después de un tiempo   </a:t>
-                      </a:r>
-                      <a:endParaRPr/>
-                    </a:p>
-                    <a:p>
-                      <a:pPr marL="0" marR="0" lvl="0" indent="0" algn="l" rtl="0">
-                        <a:spcBef>
-                          <a:spcPts val="0"/>
-                        </a:spcBef>
-                        <a:spcAft>
-                          <a:spcPts val="0"/>
-                        </a:spcAft>
-                        <a:buNone/>
-                      </a:pPr>
-                      <a:r>
-                        <a:rPr lang="es-ES" sz="1000" b="1"/>
-                        <a:t>Necesitamos</a:t>
-                      </a:r>
-                      <a:r>
-                        <a:rPr lang="es-ES" sz="1000"/>
-                        <a:t>:</a:t>
-                      </a:r>
-                      <a:endParaRPr/>
-                    </a:p>
-                    <a:p>
-                      <a:pPr marL="0" marR="0" lvl="0" indent="0" algn="l" rtl="0">
-                        <a:spcBef>
-                          <a:spcPts val="0"/>
-                        </a:spcBef>
-                        <a:spcAft>
-                          <a:spcPts val="0"/>
-                        </a:spcAft>
-                        <a:buNone/>
-                      </a:pPr>
-                      <a:r>
-                        <a:rPr lang="es-ES" sz="1000"/>
-                        <a:t>Contar con los productos actuales en venta </a:t>
-                      </a:r>
-                      <a:endParaRPr sz="1000"/>
-                    </a:p>
-                  </a:txBody>
-                  <a:tcPr marL="91450" marR="91450" marT="45725" marB="45725"/>
-                </a:tc>
-                <a:extLst>
-                  <a:ext uri="{0D108BD9-81ED-4DB2-BD59-A6C34878D82A}">
-                    <a16:rowId xmlns:a16="http://schemas.microsoft.com/office/drawing/2014/main" val="10001"/>
-                  </a:ext>
-                </a:extLst>
-              </a:tr>
-              <a:tr h="1458925">
-                <a:tc>
-                  <a:txBody>
-                    <a:bodyPr/>
-                    <a:lstStyle/>
-                    <a:p>
-                      <a:pPr marL="0" marR="0" lvl="0" indent="0" algn="l" rtl="0">
-                        <a:spcBef>
-                          <a:spcPts val="0"/>
-                        </a:spcBef>
-                        <a:spcAft>
-                          <a:spcPts val="0"/>
-                        </a:spcAft>
-                        <a:buNone/>
-                      </a:pPr>
-                      <a:r>
-                        <a:rPr lang="es-ES" sz="1000">
-                          <a:solidFill>
-                            <a:schemeClr val="lt1"/>
-                          </a:solidFill>
-                        </a:rPr>
-                        <a:t>US007</a:t>
-                      </a:r>
-                      <a:endParaRPr sz="1000">
-                        <a:solidFill>
-                          <a:schemeClr val="lt1"/>
-                        </a:solidFill>
-                      </a:endParaRPr>
-                    </a:p>
-                  </a:txBody>
-                  <a:tcPr marL="91450" marR="91450" marT="45725" marB="45725">
-                    <a:solidFill>
-                      <a:schemeClr val="accent6"/>
-                    </a:solidFill>
-                  </a:tcPr>
-                </a:tc>
-                <a:tc>
-                  <a:txBody>
-                    <a:bodyPr/>
-                    <a:lstStyle/>
-                    <a:p>
-                      <a:pPr marL="0" marR="0" lvl="0" indent="0" algn="l" rtl="0">
-                        <a:spcBef>
-                          <a:spcPts val="0"/>
-                        </a:spcBef>
-                        <a:spcAft>
-                          <a:spcPts val="0"/>
-                        </a:spcAft>
-                        <a:buNone/>
-                      </a:pPr>
-                      <a:r>
-                        <a:rPr lang="es-ES" sz="1000"/>
-                        <a:t>CU007</a:t>
-                      </a:r>
-                      <a:endParaRPr sz="1000"/>
-                    </a:p>
-                  </a:txBody>
-                  <a:tcPr marL="91450" marR="91450" marT="45725" marB="45725"/>
-                </a:tc>
-                <a:tc>
-                  <a:txBody>
-                    <a:bodyPr/>
-                    <a:lstStyle/>
-                    <a:p>
-                      <a:pPr marL="0" marR="0" lvl="0" indent="0" algn="l" rtl="0">
-                        <a:spcBef>
-                          <a:spcPts val="0"/>
-                        </a:spcBef>
-                        <a:spcAft>
-                          <a:spcPts val="0"/>
-                        </a:spcAft>
-                        <a:buNone/>
-                      </a:pPr>
-                      <a:r>
-                        <a:rPr lang="es-ES" sz="1000"/>
-                        <a:t>COMO cliente NECESITO poder tener una opcion para hacer las reservas de turnos </a:t>
-                      </a:r>
-                      <a:endParaRPr/>
-                    </a:p>
-                  </a:txBody>
-                  <a:tcPr marL="91450" marR="91450" marT="45725" marB="45725"/>
-                </a:tc>
-                <a:tc>
-                  <a:txBody>
-                    <a:bodyPr/>
-                    <a:lstStyle/>
-                    <a:p>
-                      <a:pPr marL="0" marR="0" lvl="0" indent="0" algn="l" rtl="0">
-                        <a:spcBef>
-                          <a:spcPts val="0"/>
-                        </a:spcBef>
-                        <a:spcAft>
-                          <a:spcPts val="0"/>
-                        </a:spcAft>
-                        <a:buNone/>
-                      </a:pPr>
-                      <a:r>
-                        <a:rPr lang="es-ES" sz="1000"/>
-                        <a:t>Escenarios: </a:t>
-                      </a:r>
-                      <a:endParaRPr/>
-                    </a:p>
-                    <a:p>
-                      <a:pPr marL="285750" marR="0" lvl="0" indent="-285750" algn="l" rtl="0">
-                        <a:spcBef>
-                          <a:spcPts val="0"/>
-                        </a:spcBef>
-                        <a:spcAft>
-                          <a:spcPts val="0"/>
-                        </a:spcAft>
-                        <a:buClr>
-                          <a:schemeClr val="dk1"/>
-                        </a:buClr>
-                        <a:buSzPts val="1000"/>
-                        <a:buFont typeface="Arial"/>
-                        <a:buChar char="•"/>
-                      </a:pPr>
-                      <a:r>
-                        <a:rPr lang="es-ES" sz="1000"/>
-                        <a:t>Contar con un apartado donde se pueda reservar </a:t>
-                      </a:r>
-                      <a:endParaRPr/>
-                    </a:p>
-                    <a:p>
-                      <a:pPr marL="285750" marR="0" lvl="0" indent="-285750" algn="l" rtl="0">
-                        <a:spcBef>
-                          <a:spcPts val="0"/>
-                        </a:spcBef>
-                        <a:spcAft>
-                          <a:spcPts val="0"/>
-                        </a:spcAft>
-                        <a:buClr>
-                          <a:schemeClr val="dk1"/>
-                        </a:buClr>
-                        <a:buSzPts val="1000"/>
-                        <a:buFont typeface="Arial"/>
-                        <a:buChar char="•"/>
-                      </a:pPr>
-                      <a:r>
-                        <a:rPr lang="es-ES" sz="1000"/>
-                        <a:t>Asignar el barbero de confianza o el que esté disponible  </a:t>
-                      </a:r>
-                      <a:endParaRPr/>
-                    </a:p>
-                    <a:p>
-                      <a:pPr marL="285750" marR="0" lvl="0" indent="-285750" algn="l" rtl="0">
-                        <a:spcBef>
-                          <a:spcPts val="0"/>
-                        </a:spcBef>
-                        <a:spcAft>
-                          <a:spcPts val="0"/>
-                        </a:spcAft>
-                        <a:buClr>
-                          <a:schemeClr val="dk1"/>
-                        </a:buClr>
-                        <a:buSzPts val="1000"/>
-                        <a:buFont typeface="Arial"/>
-                        <a:buChar char="•"/>
-                      </a:pPr>
-                      <a:r>
-                        <a:rPr lang="es-ES" sz="1000"/>
-                        <a:t> Seleccionar el día y la hora disponible y seleccionar el tipo de corte a realizar </a:t>
-                      </a:r>
-                      <a:endParaRPr/>
-                    </a:p>
-                    <a:p>
-                      <a:pPr marL="285750" marR="0" lvl="0" indent="-285750" algn="l" rtl="0">
-                        <a:spcBef>
-                          <a:spcPts val="0"/>
-                        </a:spcBef>
-                        <a:spcAft>
-                          <a:spcPts val="0"/>
-                        </a:spcAft>
-                        <a:buClr>
-                          <a:schemeClr val="dk1"/>
-                        </a:buClr>
-                        <a:buSzPts val="1000"/>
-                        <a:buFont typeface="Arial"/>
-                        <a:buChar char="•"/>
-                      </a:pPr>
-                      <a:r>
-                        <a:rPr lang="es-ES" sz="1000"/>
-                        <a:t>Se hace la reserva del turno </a:t>
-                      </a:r>
-                      <a:endParaRPr/>
-                    </a:p>
-                    <a:p>
-                      <a:pPr marL="285750" marR="0" lvl="0" indent="-285750" algn="l" rtl="0">
-                        <a:spcBef>
-                          <a:spcPts val="0"/>
-                        </a:spcBef>
-                        <a:spcAft>
-                          <a:spcPts val="0"/>
-                        </a:spcAft>
-                        <a:buClr>
-                          <a:schemeClr val="dk1"/>
-                        </a:buClr>
-                        <a:buSzPts val="1000"/>
-                        <a:buFont typeface="Arial"/>
-                        <a:buChar char="•"/>
-                      </a:pPr>
-                      <a:r>
-                        <a:rPr lang="es-ES" sz="1000"/>
-                        <a:t>Contará con un recordatorio de su reserva</a:t>
-                      </a:r>
-                      <a:endParaRPr/>
-                    </a:p>
-                    <a:p>
-                      <a:pPr marL="285750" marR="0" lvl="0" indent="-222250" algn="l" rtl="0">
-                        <a:spcBef>
-                          <a:spcPts val="0"/>
-                        </a:spcBef>
-                        <a:spcAft>
-                          <a:spcPts val="0"/>
-                        </a:spcAft>
-                        <a:buClr>
-                          <a:schemeClr val="dk1"/>
-                        </a:buClr>
-                        <a:buSzPts val="1000"/>
-                        <a:buFont typeface="Arial"/>
-                        <a:buNone/>
-                      </a:pPr>
-                      <a:endParaRPr sz="1000"/>
-                    </a:p>
-                    <a:p>
-                      <a:pPr marL="0" marR="0" lvl="0" indent="0" algn="l" rtl="0">
-                        <a:spcBef>
-                          <a:spcPts val="0"/>
-                        </a:spcBef>
-                        <a:spcAft>
-                          <a:spcPts val="0"/>
-                        </a:spcAft>
-                        <a:buNone/>
-                      </a:pPr>
-                      <a:r>
-                        <a:rPr lang="es-ES" sz="1000" b="1"/>
-                        <a:t>Necesitamos</a:t>
-                      </a:r>
-                      <a:r>
-                        <a:rPr lang="es-ES" sz="1000"/>
-                        <a:t>:</a:t>
-                      </a:r>
-                      <a:endParaRPr/>
-                    </a:p>
-                    <a:p>
-                      <a:pPr marL="0" marR="0" lvl="0" indent="0" algn="l" rtl="0">
-                        <a:spcBef>
-                          <a:spcPts val="0"/>
-                        </a:spcBef>
-                        <a:spcAft>
-                          <a:spcPts val="0"/>
-                        </a:spcAft>
-                        <a:buNone/>
-                      </a:pPr>
-                      <a:r>
-                        <a:rPr lang="es-ES" sz="1000"/>
-                        <a:t> Seleccionar la fecha, hora y día que esté disponible, corte a realizar,  el barbero el cual desea o esté disponible  </a:t>
-                      </a:r>
-                      <a:endParaRPr/>
-                    </a:p>
-                  </a:txBody>
-                  <a:tcPr marL="91450" marR="91450" marT="45725" marB="45725"/>
-                </a:tc>
-                <a:extLst>
-                  <a:ext uri="{0D108BD9-81ED-4DB2-BD59-A6C34878D82A}">
-                    <a16:rowId xmlns:a16="http://schemas.microsoft.com/office/drawing/2014/main" val="10002"/>
-                  </a:ext>
-                </a:extLst>
-              </a:tr>
-              <a:tr h="899275">
-                <a:tc>
-                  <a:txBody>
-                    <a:bodyPr/>
-                    <a:lstStyle/>
-                    <a:p>
-                      <a:pPr marL="0" marR="0" lvl="0" indent="0" algn="l" rtl="0">
-                        <a:spcBef>
-                          <a:spcPts val="0"/>
-                        </a:spcBef>
-                        <a:spcAft>
-                          <a:spcPts val="0"/>
-                        </a:spcAft>
-                        <a:buNone/>
-                      </a:pPr>
-                      <a:r>
-                        <a:rPr lang="es-ES" sz="1000">
-                          <a:solidFill>
-                            <a:schemeClr val="lt1"/>
-                          </a:solidFill>
-                        </a:rPr>
-                        <a:t>US008</a:t>
-                      </a:r>
-                      <a:endParaRPr sz="1000">
-                        <a:solidFill>
-                          <a:schemeClr val="lt1"/>
-                        </a:solidFill>
-                      </a:endParaRPr>
-                    </a:p>
-                  </a:txBody>
-                  <a:tcPr marL="91450" marR="91450" marT="45725" marB="45725">
-                    <a:solidFill>
-                      <a:schemeClr val="accent6"/>
-                    </a:solidFill>
-                  </a:tcPr>
-                </a:tc>
-                <a:tc>
-                  <a:txBody>
-                    <a:bodyPr/>
-                    <a:lstStyle/>
-                    <a:p>
-                      <a:pPr marL="0" marR="0" lvl="0" indent="0" algn="l" rtl="0">
-                        <a:spcBef>
-                          <a:spcPts val="0"/>
-                        </a:spcBef>
-                        <a:spcAft>
-                          <a:spcPts val="0"/>
-                        </a:spcAft>
-                        <a:buNone/>
-                      </a:pPr>
-                      <a:r>
-                        <a:rPr lang="es-ES" sz="1000"/>
-                        <a:t>CU008</a:t>
-                      </a:r>
-                      <a:endParaRPr sz="1000"/>
-                    </a:p>
-                  </a:txBody>
-                  <a:tcPr marL="91450" marR="91450" marT="45725" marB="45725"/>
-                </a:tc>
-                <a:tc>
-                  <a:txBody>
-                    <a:bodyPr/>
-                    <a:lstStyle/>
-                    <a:p>
-                      <a:pPr marL="0" marR="0" lvl="0" indent="0" algn="l" rtl="0">
-                        <a:spcBef>
-                          <a:spcPts val="0"/>
-                        </a:spcBef>
-                        <a:spcAft>
-                          <a:spcPts val="0"/>
-                        </a:spcAft>
-                        <a:buNone/>
-                      </a:pPr>
-                      <a:r>
-                        <a:rPr lang="es-ES" sz="1000"/>
-                        <a:t>COMO cliente NECESITO poder registrarme en el sistema </a:t>
-                      </a:r>
-                      <a:endParaRPr/>
-                    </a:p>
-                  </a:txBody>
-                  <a:tcPr marL="91450" marR="91450" marT="45725" marB="45725"/>
-                </a:tc>
-                <a:tc>
-                  <a:txBody>
-                    <a:bodyPr/>
-                    <a:lstStyle/>
-                    <a:p>
-                      <a:pPr marL="0" marR="0" lvl="0" indent="0" algn="l" rtl="0">
-                        <a:spcBef>
-                          <a:spcPts val="0"/>
-                        </a:spcBef>
-                        <a:spcAft>
-                          <a:spcPts val="0"/>
-                        </a:spcAft>
-                        <a:buNone/>
-                      </a:pPr>
-                      <a:r>
-                        <a:rPr lang="es-ES" sz="1000"/>
-                        <a:t>Escenarios: </a:t>
-                      </a:r>
-                      <a:endParaRPr/>
-                    </a:p>
-                    <a:p>
-                      <a:pPr marL="171450" marR="0" lvl="0" indent="-171450" algn="l" rtl="0">
-                        <a:spcBef>
-                          <a:spcPts val="0"/>
-                        </a:spcBef>
-                        <a:spcAft>
-                          <a:spcPts val="0"/>
-                        </a:spcAft>
-                        <a:buClr>
-                          <a:schemeClr val="dk1"/>
-                        </a:buClr>
-                        <a:buSzPts val="1000"/>
-                        <a:buFont typeface="Arial"/>
-                        <a:buChar char="•"/>
-                      </a:pPr>
-                      <a:r>
-                        <a:rPr lang="es-ES" sz="1000"/>
-                        <a:t>Contará</a:t>
-                      </a:r>
-                      <a:r>
-                        <a:rPr lang="es-ES" sz="1000" b="0"/>
-                        <a:t> con un botón de registro que desplegara un formulario </a:t>
-                      </a:r>
-                      <a:endParaRPr/>
-                    </a:p>
-                    <a:p>
-                      <a:pPr marL="171450" marR="0" lvl="0" indent="-171450" algn="l" rtl="0">
-                        <a:spcBef>
-                          <a:spcPts val="0"/>
-                        </a:spcBef>
-                        <a:spcAft>
-                          <a:spcPts val="0"/>
-                        </a:spcAft>
-                        <a:buClr>
-                          <a:schemeClr val="dk1"/>
-                        </a:buClr>
-                        <a:buSzPts val="1000"/>
-                        <a:buFont typeface="Arial"/>
-                        <a:buChar char="•"/>
-                      </a:pPr>
-                      <a:r>
-                        <a:rPr lang="es-ES" sz="1000" b="0"/>
-                        <a:t>Deberá seguir los pasos para hacer su registro </a:t>
-                      </a:r>
-                      <a:endParaRPr/>
-                    </a:p>
-                    <a:p>
-                      <a:pPr marL="0" marR="0" lvl="0" indent="0" algn="l" rtl="0">
-                        <a:spcBef>
-                          <a:spcPts val="0"/>
-                        </a:spcBef>
-                        <a:spcAft>
-                          <a:spcPts val="0"/>
-                        </a:spcAft>
-                        <a:buClr>
-                          <a:schemeClr val="dk1"/>
-                        </a:buClr>
-                        <a:buSzPts val="1000"/>
-                        <a:buFont typeface="Arial"/>
-                        <a:buNone/>
-                      </a:pPr>
-                      <a:r>
-                        <a:rPr lang="es-ES" sz="1000" b="1"/>
-                        <a:t>Necesitamos</a:t>
-                      </a:r>
-                      <a:r>
-                        <a:rPr lang="es-ES" sz="1000"/>
-                        <a:t>:</a:t>
-                      </a:r>
-                      <a:endParaRPr/>
-                    </a:p>
-                    <a:p>
-                      <a:pPr marL="0" marR="0" lvl="0" indent="0" algn="l" rtl="0">
-                        <a:lnSpc>
-                          <a:spcPct val="100000"/>
-                        </a:lnSpc>
-                        <a:spcBef>
-                          <a:spcPts val="0"/>
-                        </a:spcBef>
-                        <a:spcAft>
-                          <a:spcPts val="0"/>
-                        </a:spcAft>
-                        <a:buClr>
-                          <a:schemeClr val="dk1"/>
-                        </a:buClr>
-                        <a:buSzPts val="1000"/>
-                        <a:buFont typeface="Calibri"/>
-                        <a:buNone/>
-                      </a:pPr>
-                      <a:r>
-                        <a:rPr lang="es-ES" sz="1000"/>
-                        <a:t>Nombre de usuario, fecha de nacimiento, correo electrónico, contraseña.</a:t>
-                      </a:r>
-                      <a:endParaRPr sz="1000"/>
-                    </a:p>
-                    <a:p>
-                      <a:pPr marL="0" marR="0" lvl="0" indent="0" algn="l" rtl="0">
-                        <a:spcBef>
-                          <a:spcPts val="0"/>
-                        </a:spcBef>
-                        <a:spcAft>
-                          <a:spcPts val="0"/>
-                        </a:spcAft>
-                        <a:buNone/>
-                      </a:pPr>
-                      <a:endParaRPr sz="1000"/>
-                    </a:p>
-                  </a:txBody>
-                  <a:tcPr marL="91450" marR="91450" marT="45725" marB="45725"/>
-                </a:tc>
-                <a:extLst>
-                  <a:ext uri="{0D108BD9-81ED-4DB2-BD59-A6C34878D82A}">
-                    <a16:rowId xmlns:a16="http://schemas.microsoft.com/office/drawing/2014/main" val="10003"/>
-                  </a:ext>
-                </a:extLst>
-              </a:tr>
-            </a:tbl>
-          </a:graphicData>
-        </a:graphic>
-      </p:graphicFrame>
-    </p:spTree>
-  </p:cSld>
-  <p:clrMapOvr>
-    <a:masterClrMapping/>
-  </p:clrMapOvr>
-</p:sld>
-</file>
-
-<file path=ppt/slides/slide32.xml><?xml version="1.0" encoding="utf-8"?>
-<p:sld xmlns:a="http://schemas.openxmlformats.org/drawingml/2006/main" xmlns:r="http://schemas.openxmlformats.org/officeDocument/2006/relationships" xmlns:p="http://schemas.openxmlformats.org/presentationml/2006/main">
-  <p:cSld>
-    <p:bg>
-      <p:bgPr>
-        <a:blipFill>
-          <a:blip r:embed="rId3">
-            <a:alphaModFix/>
-          </a:blip>
-          <a:stretch>
-            <a:fillRect/>
-          </a:stretch>
-        </a:blipFill>
-        <a:effectLst/>
-      </p:bgPr>
-    </p:bg>
-    <p:spTree>
-      <p:nvGrpSpPr>
-        <p:cNvPr id="1" name="Shape 258"/>
-        <p:cNvGrpSpPr/>
-        <p:nvPr/>
-      </p:nvGrpSpPr>
-      <p:grpSpPr>
-        <a:xfrm>
-          <a:off x="0" y="0"/>
-          <a:ext cx="0" cy="0"/>
-          <a:chOff x="0" y="0"/>
-          <a:chExt cx="0" cy="0"/>
-        </a:xfrm>
-      </p:grpSpPr>
-      <p:graphicFrame>
-        <p:nvGraphicFramePr>
-          <p:cNvPr id="259" name="Google Shape;259;p25"/>
-          <p:cNvGraphicFramePr/>
-          <p:nvPr/>
-        </p:nvGraphicFramePr>
-        <p:xfrm>
-          <a:off x="573619" y="1355842"/>
-          <a:ext cx="3000000" cy="3000000"/>
-        </p:xfrm>
-        <a:graphic>
-          <a:graphicData uri="http://schemas.openxmlformats.org/drawingml/2006/table">
-            <a:tbl>
-              <a:tblPr firstRow="1" bandRow="1">
-                <a:noFill/>
-                <a:tableStyleId>{799DC7D7-11BD-4224-B14F-F56D6294CAA8}</a:tableStyleId>
-              </a:tblPr>
-              <a:tblGrid>
-                <a:gridCol w="1103250">
-                  <a:extLst>
-                    <a:ext uri="{9D8B030D-6E8A-4147-A177-3AD203B41FA5}">
-                      <a16:colId xmlns:a16="http://schemas.microsoft.com/office/drawing/2014/main" val="20000"/>
-                    </a:ext>
-                  </a:extLst>
-                </a:gridCol>
-                <a:gridCol w="1927900">
-                  <a:extLst>
-                    <a:ext uri="{9D8B030D-6E8A-4147-A177-3AD203B41FA5}">
-                      <a16:colId xmlns:a16="http://schemas.microsoft.com/office/drawing/2014/main" val="20001"/>
-                    </a:ext>
-                  </a:extLst>
-                </a:gridCol>
-                <a:gridCol w="4695750">
-                  <a:extLst>
-                    <a:ext uri="{9D8B030D-6E8A-4147-A177-3AD203B41FA5}">
-                      <a16:colId xmlns:a16="http://schemas.microsoft.com/office/drawing/2014/main" val="20002"/>
-                    </a:ext>
-                  </a:extLst>
-                </a:gridCol>
-                <a:gridCol w="3015850">
-                  <a:extLst>
-                    <a:ext uri="{9D8B030D-6E8A-4147-A177-3AD203B41FA5}">
-                      <a16:colId xmlns:a16="http://schemas.microsoft.com/office/drawing/2014/main" val="20003"/>
-                    </a:ext>
-                  </a:extLst>
-                </a:gridCol>
-              </a:tblGrid>
-              <a:tr h="195650">
-                <a:tc>
-                  <a:txBody>
-                    <a:bodyPr/>
-                    <a:lstStyle/>
-                    <a:p>
-                      <a:pPr marL="0" marR="0" lvl="0" indent="0" algn="l" rtl="0">
-                        <a:spcBef>
-                          <a:spcPts val="0"/>
-                        </a:spcBef>
-                        <a:spcAft>
-                          <a:spcPts val="0"/>
-                        </a:spcAft>
-                        <a:buNone/>
-                      </a:pPr>
-                      <a:r>
-                        <a:rPr lang="es-ES" sz="1000">
-                          <a:solidFill>
-                            <a:schemeClr val="lt1"/>
-                          </a:solidFill>
-                        </a:rPr>
-                        <a:t>US009</a:t>
-                      </a:r>
-                      <a:endParaRPr sz="1000">
-                        <a:solidFill>
-                          <a:schemeClr val="lt1"/>
-                        </a:solidFill>
-                      </a:endParaRPr>
-                    </a:p>
-                  </a:txBody>
-                  <a:tcPr marL="91450" marR="91450" marT="45725" marB="45725">
-                    <a:solidFill>
-                      <a:schemeClr val="accent6"/>
-                    </a:solidFill>
-                  </a:tcPr>
-                </a:tc>
-                <a:tc>
-                  <a:txBody>
-                    <a:bodyPr/>
-                    <a:lstStyle/>
-                    <a:p>
-                      <a:pPr marL="0" marR="0" lvl="0" indent="0" algn="l" rtl="0">
-                        <a:spcBef>
-                          <a:spcPts val="0"/>
-                        </a:spcBef>
-                        <a:spcAft>
-                          <a:spcPts val="0"/>
-                        </a:spcAft>
-                        <a:buNone/>
-                      </a:pPr>
-                      <a:r>
-                        <a:rPr lang="es-ES" sz="1000" b="0">
-                          <a:solidFill>
-                            <a:schemeClr val="dk1"/>
-                          </a:solidFill>
-                        </a:rPr>
-                        <a:t>CU009</a:t>
-                      </a:r>
-                      <a:endParaRPr sz="1000" b="0">
-                        <a:solidFill>
-                          <a:schemeClr val="dk1"/>
-                        </a:solidFill>
-                      </a:endParaRPr>
-                    </a:p>
-                  </a:txBody>
-                  <a:tcPr marL="91450" marR="91450" marT="45725" marB="45725">
-                    <a:solidFill>
-                      <a:srgbClr val="D5DBE5"/>
-                    </a:solidFill>
-                  </a:tcPr>
-                </a:tc>
-                <a:tc>
-                  <a:txBody>
-                    <a:bodyPr/>
-                    <a:lstStyle/>
-                    <a:p>
-                      <a:pPr marL="0" marR="0" lvl="0" indent="0" algn="l" rtl="0">
-                        <a:spcBef>
-                          <a:spcPts val="0"/>
-                        </a:spcBef>
-                        <a:spcAft>
-                          <a:spcPts val="0"/>
-                        </a:spcAft>
-                        <a:buNone/>
-                      </a:pPr>
-                      <a:r>
-                        <a:rPr lang="es-ES" sz="1000" b="0">
-                          <a:solidFill>
-                            <a:schemeClr val="dk1"/>
-                          </a:solidFill>
-                        </a:rPr>
-                        <a:t>COMO cliente NECESITO agregar productos al carrito de compras</a:t>
-                      </a:r>
-                      <a:endParaRPr/>
-                    </a:p>
-                  </a:txBody>
-                  <a:tcPr marL="91450" marR="91450" marT="45725" marB="45725">
-                    <a:solidFill>
-                      <a:srgbClr val="D5DBE5"/>
-                    </a:solidFill>
-                  </a:tcPr>
-                </a:tc>
-                <a:tc>
-                  <a:txBody>
-                    <a:bodyPr/>
-                    <a:lstStyle/>
-                    <a:p>
-                      <a:pPr marL="0" marR="0" lvl="0" indent="0" algn="l" rtl="0">
-                        <a:spcBef>
-                          <a:spcPts val="0"/>
-                        </a:spcBef>
-                        <a:spcAft>
-                          <a:spcPts val="0"/>
-                        </a:spcAft>
-                        <a:buNone/>
-                      </a:pPr>
-                      <a:r>
-                        <a:rPr lang="es-ES" sz="1000" b="0">
-                          <a:solidFill>
-                            <a:schemeClr val="dk1"/>
-                          </a:solidFill>
-                        </a:rPr>
-                        <a:t>Escenarios: </a:t>
-                      </a:r>
-                      <a:endParaRPr/>
-                    </a:p>
-                    <a:p>
-                      <a:pPr marL="171450" marR="0" lvl="0" indent="-171450" algn="l" rtl="0">
-                        <a:spcBef>
-                          <a:spcPts val="0"/>
-                        </a:spcBef>
-                        <a:spcAft>
-                          <a:spcPts val="0"/>
-                        </a:spcAft>
-                        <a:buClr>
-                          <a:schemeClr val="dk1"/>
-                        </a:buClr>
-                        <a:buSzPts val="1000"/>
-                        <a:buFont typeface="Arial"/>
-                        <a:buChar char="•"/>
-                      </a:pPr>
-                      <a:r>
-                        <a:rPr lang="es-ES" sz="1000" b="0">
-                          <a:solidFill>
-                            <a:schemeClr val="dk1"/>
-                          </a:solidFill>
-                        </a:rPr>
-                        <a:t>Deberá seleccionar el producto que desea agregar al carrito </a:t>
-                      </a:r>
-                      <a:endParaRPr/>
-                    </a:p>
-                    <a:p>
-                      <a:pPr marL="171450" marR="0" lvl="0" indent="-171450" algn="l" rtl="0">
-                        <a:spcBef>
-                          <a:spcPts val="0"/>
-                        </a:spcBef>
-                        <a:spcAft>
-                          <a:spcPts val="0"/>
-                        </a:spcAft>
-                        <a:buClr>
-                          <a:schemeClr val="dk1"/>
-                        </a:buClr>
-                        <a:buSzPts val="1000"/>
-                        <a:buFont typeface="Arial"/>
-                        <a:buChar char="•"/>
-                      </a:pPr>
-                      <a:r>
-                        <a:rPr lang="es-ES" sz="1000" b="0">
-                          <a:solidFill>
-                            <a:schemeClr val="dk1"/>
-                          </a:solidFill>
-                        </a:rPr>
-                        <a:t>Que ingrese la cantidad que desea agregar al carrito</a:t>
-                      </a:r>
-                      <a:endParaRPr/>
-                    </a:p>
-                    <a:p>
-                      <a:pPr marL="171450" marR="0" lvl="0" indent="-171450" algn="l" rtl="0">
-                        <a:spcBef>
-                          <a:spcPts val="0"/>
-                        </a:spcBef>
-                        <a:spcAft>
-                          <a:spcPts val="0"/>
-                        </a:spcAft>
-                        <a:buClr>
-                          <a:schemeClr val="dk1"/>
-                        </a:buClr>
-                        <a:buSzPts val="1000"/>
-                        <a:buFont typeface="Arial"/>
-                        <a:buChar char="•"/>
-                      </a:pPr>
-                      <a:r>
-                        <a:rPr lang="es-ES" sz="1000" b="0">
-                          <a:solidFill>
-                            <a:schemeClr val="dk1"/>
-                          </a:solidFill>
-                        </a:rPr>
-                        <a:t>Que los productos agregados se almacenen en el carrito </a:t>
-                      </a:r>
-                      <a:endParaRPr/>
-                    </a:p>
-                    <a:p>
-                      <a:pPr marL="171450" marR="0" lvl="0" indent="-171450" algn="l" rtl="0">
-                        <a:spcBef>
-                          <a:spcPts val="0"/>
-                        </a:spcBef>
-                        <a:spcAft>
-                          <a:spcPts val="0"/>
-                        </a:spcAft>
-                        <a:buClr>
-                          <a:schemeClr val="dk1"/>
-                        </a:buClr>
-                        <a:buSzPts val="1000"/>
-                        <a:buFont typeface="Arial"/>
-                        <a:buChar char="•"/>
-                      </a:pPr>
-                      <a:r>
-                        <a:rPr lang="es-ES" sz="1000" b="0">
-                          <a:solidFill>
-                            <a:schemeClr val="dk1"/>
-                          </a:solidFill>
-                        </a:rPr>
-                        <a:t>Que se pueda comprar dentro del carrito </a:t>
-                      </a:r>
-                      <a:endParaRPr/>
-                    </a:p>
-                    <a:p>
-                      <a:pPr marL="0" marR="0" lvl="0" indent="0" algn="l" rtl="0">
-                        <a:spcBef>
-                          <a:spcPts val="0"/>
-                        </a:spcBef>
-                        <a:spcAft>
-                          <a:spcPts val="0"/>
-                        </a:spcAft>
-                        <a:buClr>
-                          <a:schemeClr val="dk1"/>
-                        </a:buClr>
-                        <a:buSzPts val="1000"/>
-                        <a:buFont typeface="Arial"/>
-                        <a:buNone/>
-                      </a:pPr>
-                      <a:r>
-                        <a:rPr lang="es-ES" sz="1000" b="0">
-                          <a:solidFill>
-                            <a:schemeClr val="dk1"/>
-                          </a:solidFill>
-                        </a:rPr>
-                        <a:t>Necesitamos:</a:t>
-                      </a:r>
-                      <a:endParaRPr/>
-                    </a:p>
-                    <a:p>
-                      <a:pPr marL="0" marR="0" lvl="0" indent="0" algn="l" rtl="0">
-                        <a:lnSpc>
-                          <a:spcPct val="100000"/>
-                        </a:lnSpc>
-                        <a:spcBef>
-                          <a:spcPts val="0"/>
-                        </a:spcBef>
-                        <a:spcAft>
-                          <a:spcPts val="0"/>
-                        </a:spcAft>
-                        <a:buClr>
-                          <a:schemeClr val="dk1"/>
-                        </a:buClr>
-                        <a:buSzPts val="1000"/>
-                        <a:buFont typeface="Calibri"/>
-                        <a:buNone/>
-                      </a:pPr>
-                      <a:r>
-                        <a:rPr lang="es-ES" sz="1000" b="0">
-                          <a:solidFill>
-                            <a:schemeClr val="dk1"/>
-                          </a:solidFill>
-                        </a:rPr>
-                        <a:t>Seleccionar los productos y la cantidad.</a:t>
-                      </a:r>
-                      <a:endParaRPr sz="1000" b="0">
-                        <a:solidFill>
-                          <a:schemeClr val="dk1"/>
-                        </a:solidFill>
-                      </a:endParaRPr>
-                    </a:p>
-                  </a:txBody>
-                  <a:tcPr marL="91450" marR="91450" marT="45725" marB="45725">
-                    <a:solidFill>
-                      <a:srgbClr val="D5DBE5"/>
-                    </a:solidFill>
-                  </a:tcPr>
-                </a:tc>
-                <a:extLst>
-                  <a:ext uri="{0D108BD9-81ED-4DB2-BD59-A6C34878D82A}">
-                    <a16:rowId xmlns:a16="http://schemas.microsoft.com/office/drawing/2014/main" val="10000"/>
-                  </a:ext>
-                </a:extLst>
-              </a:tr>
-              <a:tr h="195650">
-                <a:tc>
-                  <a:txBody>
-                    <a:bodyPr/>
-                    <a:lstStyle/>
-                    <a:p>
-                      <a:pPr marL="0" marR="0" lvl="0" indent="0" algn="l" rtl="0">
-                        <a:spcBef>
-                          <a:spcPts val="0"/>
-                        </a:spcBef>
-                        <a:spcAft>
-                          <a:spcPts val="0"/>
-                        </a:spcAft>
-                        <a:buNone/>
-                      </a:pPr>
-                      <a:r>
-                        <a:rPr lang="es-ES" sz="1000">
-                          <a:solidFill>
-                            <a:schemeClr val="lt1"/>
-                          </a:solidFill>
-                        </a:rPr>
-                        <a:t>US0010</a:t>
-                      </a:r>
-                      <a:endParaRPr sz="1000">
-                        <a:solidFill>
-                          <a:schemeClr val="lt1"/>
-                        </a:solidFill>
-                      </a:endParaRPr>
-                    </a:p>
-                  </a:txBody>
-                  <a:tcPr marL="91450" marR="91450" marT="45725" marB="45725">
-                    <a:solidFill>
-                      <a:schemeClr val="accent6"/>
-                    </a:solidFill>
-                  </a:tcPr>
-                </a:tc>
-                <a:tc>
-                  <a:txBody>
-                    <a:bodyPr/>
-                    <a:lstStyle/>
-                    <a:p>
-                      <a:pPr marL="0" marR="0" lvl="0" indent="0" algn="l" rtl="0">
-                        <a:spcBef>
-                          <a:spcPts val="0"/>
-                        </a:spcBef>
-                        <a:spcAft>
-                          <a:spcPts val="0"/>
-                        </a:spcAft>
-                        <a:buNone/>
-                      </a:pPr>
-                      <a:r>
-                        <a:rPr lang="es-ES" sz="1000" b="0">
-                          <a:solidFill>
-                            <a:schemeClr val="dk1"/>
-                          </a:solidFill>
-                        </a:rPr>
-                        <a:t>CU0010</a:t>
-                      </a:r>
-                      <a:endParaRPr sz="1000" b="0">
-                        <a:solidFill>
-                          <a:schemeClr val="dk1"/>
-                        </a:solidFill>
-                      </a:endParaRPr>
-                    </a:p>
-                  </a:txBody>
-                  <a:tcPr marL="91450" marR="91450" marT="45725" marB="45725">
-                    <a:solidFill>
-                      <a:srgbClr val="D5DBE5"/>
-                    </a:solidFill>
-                  </a:tcPr>
-                </a:tc>
-                <a:tc>
-                  <a:txBody>
-                    <a:bodyPr/>
-                    <a:lstStyle/>
-                    <a:p>
-                      <a:pPr marL="0" marR="0" lvl="0" indent="0" algn="l" rtl="0">
-                        <a:spcBef>
-                          <a:spcPts val="0"/>
-                        </a:spcBef>
-                        <a:spcAft>
-                          <a:spcPts val="0"/>
-                        </a:spcAft>
-                        <a:buNone/>
-                      </a:pPr>
-                      <a:r>
-                        <a:rPr lang="es-ES" sz="1000" b="0">
-                          <a:solidFill>
-                            <a:schemeClr val="dk1"/>
-                          </a:solidFill>
-                        </a:rPr>
-                        <a:t>COMO Administrador NECESITO actualizar la cantidad de productos que se encuentran disponibles en el inventario para tener un Stock real </a:t>
-                      </a:r>
-                      <a:endParaRPr sz="1000" b="0">
-                        <a:solidFill>
-                          <a:schemeClr val="dk1"/>
-                        </a:solidFill>
-                      </a:endParaRPr>
-                    </a:p>
-                  </a:txBody>
-                  <a:tcPr marL="91450" marR="91450" marT="45725" marB="45725">
-                    <a:solidFill>
-                      <a:srgbClr val="D5DBE5"/>
-                    </a:solidFill>
-                  </a:tcPr>
-                </a:tc>
-                <a:tc>
-                  <a:txBody>
-                    <a:bodyPr/>
-                    <a:lstStyle/>
-                    <a:p>
-                      <a:pPr marL="0" marR="0" lvl="0" indent="0" algn="l" rtl="0">
-                        <a:spcBef>
-                          <a:spcPts val="0"/>
-                        </a:spcBef>
-                        <a:spcAft>
-                          <a:spcPts val="0"/>
-                        </a:spcAft>
-                        <a:buNone/>
-                      </a:pPr>
-                      <a:r>
-                        <a:rPr lang="es-ES" sz="1000" b="0">
-                          <a:solidFill>
-                            <a:schemeClr val="dk1"/>
-                          </a:solidFill>
-                        </a:rPr>
-                        <a:t>Escenarios:</a:t>
-                      </a:r>
-                      <a:endParaRPr/>
-                    </a:p>
-                    <a:p>
-                      <a:pPr marL="171450" marR="0" lvl="0" indent="-171450" algn="l" rtl="0">
-                        <a:spcBef>
-                          <a:spcPts val="0"/>
-                        </a:spcBef>
-                        <a:spcAft>
-                          <a:spcPts val="0"/>
-                        </a:spcAft>
-                        <a:buClr>
-                          <a:schemeClr val="dk1"/>
-                        </a:buClr>
-                        <a:buSzPts val="1000"/>
-                        <a:buFont typeface="Arial"/>
-                        <a:buChar char="•"/>
-                      </a:pPr>
-                      <a:r>
-                        <a:rPr lang="es-ES" sz="1000" b="0">
-                          <a:solidFill>
-                            <a:schemeClr val="dk1"/>
-                          </a:solidFill>
-                        </a:rPr>
-                        <a:t>Que cuando se registre una venta se disminuya la cantidad del producto en el inventario y genere una alerta de esto</a:t>
-                      </a:r>
-                      <a:endParaRPr/>
-                    </a:p>
-                    <a:p>
-                      <a:pPr marL="171450" marR="0" lvl="0" indent="-171450" algn="l" rtl="0">
-                        <a:spcBef>
-                          <a:spcPts val="0"/>
-                        </a:spcBef>
-                        <a:spcAft>
-                          <a:spcPts val="0"/>
-                        </a:spcAft>
-                        <a:buClr>
-                          <a:schemeClr val="dk1"/>
-                        </a:buClr>
-                        <a:buSzPts val="1000"/>
-                        <a:buFont typeface="Arial"/>
-                        <a:buChar char="•"/>
-                      </a:pPr>
-                      <a:r>
-                        <a:rPr lang="es-ES" sz="1000" b="0">
-                          <a:solidFill>
-                            <a:schemeClr val="dk1"/>
-                          </a:solidFill>
-                        </a:rPr>
-                        <a:t>Que el inventario se pueda mantener actualizado  </a:t>
-                      </a:r>
-                      <a:endParaRPr/>
-                    </a:p>
-                    <a:p>
-                      <a:pPr marL="171450" marR="0" lvl="0" indent="-107950" algn="l" rtl="0">
-                        <a:spcBef>
-                          <a:spcPts val="0"/>
-                        </a:spcBef>
-                        <a:spcAft>
-                          <a:spcPts val="0"/>
-                        </a:spcAft>
-                        <a:buClr>
-                          <a:schemeClr val="dk1"/>
-                        </a:buClr>
-                        <a:buSzPts val="1000"/>
-                        <a:buFont typeface="Arial"/>
-                        <a:buNone/>
-                      </a:pPr>
-                      <a:endParaRPr sz="1000" b="0">
-                        <a:solidFill>
-                          <a:schemeClr val="dk1"/>
-                        </a:solidFill>
-                      </a:endParaRPr>
-                    </a:p>
-                    <a:p>
-                      <a:pPr marL="0" marR="0" lvl="0" indent="0" algn="l" rtl="0">
-                        <a:spcBef>
-                          <a:spcPts val="0"/>
-                        </a:spcBef>
-                        <a:spcAft>
-                          <a:spcPts val="0"/>
-                        </a:spcAft>
-                        <a:buClr>
-                          <a:schemeClr val="dk1"/>
-                        </a:buClr>
-                        <a:buSzPts val="1000"/>
-                        <a:buFont typeface="Arial"/>
-                        <a:buNone/>
-                      </a:pPr>
-                      <a:r>
-                        <a:rPr lang="es-ES" sz="1000" b="0">
-                          <a:solidFill>
-                            <a:schemeClr val="dk1"/>
-                          </a:solidFill>
-                        </a:rPr>
-                        <a:t>Necesitamos: nombre , precio y cantidades del producto vendido </a:t>
-                      </a:r>
-                      <a:endParaRPr sz="1000" b="0">
-                        <a:solidFill>
-                          <a:schemeClr val="dk1"/>
-                        </a:solidFill>
-                      </a:endParaRPr>
-                    </a:p>
-                  </a:txBody>
-                  <a:tcPr marL="91450" marR="91450" marT="45725" marB="45725">
-                    <a:solidFill>
-                      <a:srgbClr val="D5DBE5"/>
-                    </a:solidFill>
-                  </a:tcPr>
-                </a:tc>
-                <a:extLst>
-                  <a:ext uri="{0D108BD9-81ED-4DB2-BD59-A6C34878D82A}">
-                    <a16:rowId xmlns:a16="http://schemas.microsoft.com/office/drawing/2014/main" val="10001"/>
-                  </a:ext>
-                </a:extLst>
-              </a:tr>
-            </a:tbl>
-          </a:graphicData>
-        </a:graphic>
-      </p:graphicFrame>
-    </p:spTree>
-  </p:cSld>
-  <p:clrMapOvr>
-    <a:masterClrMapping/>
-  </p:clrMapOvr>
-</p:sld>
-</file>
-
-<file path=ppt/slides/slide33.xml><?xml version="1.0" encoding="utf-8"?>
-<p:sld xmlns:a="http://schemas.openxmlformats.org/drawingml/2006/main" xmlns:r="http://schemas.openxmlformats.org/officeDocument/2006/relationships" xmlns:p="http://schemas.openxmlformats.org/presentationml/2006/main">
-  <p:cSld>
-    <p:bg>
-      <p:bgPr>
-        <a:blipFill>
-          <a:blip r:embed="rId3">
-            <a:alphaModFix/>
-          </a:blip>
-          <a:stretch>
-            <a:fillRect/>
-          </a:stretch>
-        </a:blipFill>
-        <a:effectLst/>
-      </p:bgPr>
-    </p:bg>
-    <p:spTree>
-      <p:nvGrpSpPr>
-        <p:cNvPr id="1" name="Shape 263"/>
-        <p:cNvGrpSpPr/>
-        <p:nvPr/>
-      </p:nvGrpSpPr>
-      <p:grpSpPr>
-        <a:xfrm>
-          <a:off x="0" y="0"/>
-          <a:ext cx="0" cy="0"/>
-          <a:chOff x="0" y="0"/>
-          <a:chExt cx="0" cy="0"/>
-        </a:xfrm>
-      </p:grpSpPr>
       <p:sp>
         <p:nvSpPr>
-          <p:cNvPr id="264" name="Google Shape;264;p26"/>
+          <p:cNvPr id="4" name="Google Shape;108;p3">
+            <a:extLst>
+              <a:ext uri="{FF2B5EF4-FFF2-40B4-BE49-F238E27FC236}">
+                <a16:creationId xmlns:a16="http://schemas.microsoft.com/office/drawing/2014/main" id="{16A682C5-D58C-F632-5FFD-9B79023002EE}"/>
+              </a:ext>
+            </a:extLst>
+          </p:cNvPr>
           <p:cNvSpPr txBox="1"/>
           <p:nvPr/>
         </p:nvSpPr>
         <p:spPr>
           <a:xfrm>
-            <a:off x="-895727" y="438791"/>
-            <a:ext cx="12120196" cy="769441"/>
+            <a:off x="1447247" y="5907003"/>
+            <a:ext cx="8980101" cy="461624"/>
           </a:xfrm>
           <a:prstGeom prst="rect">
             <a:avLst/>
@@ -24569,700 +19412,19 @@
               <a:buNone/>
             </a:pPr>
             <a:r>
-              <a:rPr lang="es-ES" sz="4400" b="1">
-                <a:solidFill>
-                  <a:srgbClr val="38AA00"/>
-                </a:solidFill>
-                <a:latin typeface="Work Sans"/>
-                <a:ea typeface="Work Sans"/>
-                <a:cs typeface="Work Sans"/>
-                <a:sym typeface="Work Sans"/>
-              </a:rPr>
-              <a:t>		Mockups</a:t>
+              <a:rPr lang="es-CO" sz="1200" dirty="0"/>
+              <a:t>https://docs.google.com/spreadsheets/d/1rGDp2eImwTeWLKNhEExdmvyKpzDMMsxy/edit?usp=drive_link&amp;ouid=107603318303826641263&amp;rtpof=true&amp;sd=true</a:t>
             </a:r>
-            <a:endParaRPr sz="4000" b="1">
-              <a:solidFill>
-                <a:srgbClr val="38AA00"/>
-              </a:solidFill>
-              <a:latin typeface="Times New Roman"/>
-              <a:ea typeface="Times New Roman"/>
-              <a:cs typeface="Times New Roman"/>
-              <a:sym typeface="Times New Roman"/>
-            </a:endParaRPr>
-          </a:p>
-        </p:txBody>
-      </p:sp>
-      <p:cxnSp>
-        <p:nvCxnSpPr>
-          <p:cNvPr id="265" name="Google Shape;265;p26"/>
-          <p:cNvCxnSpPr/>
-          <p:nvPr/>
-        </p:nvCxnSpPr>
-        <p:spPr>
-          <a:xfrm>
-            <a:off x="950112" y="1189650"/>
-            <a:ext cx="2247544" cy="0"/>
-          </a:xfrm>
-          <a:prstGeom prst="straightConnector1">
-            <a:avLst/>
-          </a:prstGeom>
-          <a:noFill/>
-          <a:ln w="12700" cap="flat" cmpd="sng">
-            <a:solidFill>
-              <a:srgbClr val="38AA00"/>
-            </a:solidFill>
-            <a:prstDash val="solid"/>
-            <a:miter lim="800000"/>
-            <a:headEnd type="none" w="sm" len="sm"/>
-            <a:tailEnd type="none" w="sm" len="sm"/>
-          </a:ln>
-        </p:spPr>
-      </p:cxnSp>
-      <p:sp>
-        <p:nvSpPr>
-          <p:cNvPr id="266" name="Google Shape;266;p26"/>
-          <p:cNvSpPr txBox="1"/>
-          <p:nvPr/>
-        </p:nvSpPr>
-        <p:spPr>
-          <a:xfrm>
-            <a:off x="847290" y="1400853"/>
-            <a:ext cx="6459522" cy="369332"/>
-          </a:xfrm>
-          <a:prstGeom prst="rect">
-            <a:avLst/>
-          </a:prstGeom>
-          <a:noFill/>
-          <a:ln>
-            <a:noFill/>
-          </a:ln>
-        </p:spPr>
-        <p:txBody>
-          <a:bodyPr spcFirstLastPara="1" wrap="square" lIns="91425" tIns="45700" rIns="91425" bIns="45700" anchor="t" anchorCtr="0">
-            <a:spAutoFit/>
-          </a:bodyPr>
-          <a:lstStyle/>
-          <a:p>
-            <a:pPr marL="0" marR="0" lvl="0" indent="0" algn="l" rtl="0">
-              <a:spcBef>
-                <a:spcPts val="0"/>
-              </a:spcBef>
-              <a:spcAft>
-                <a:spcPts val="0"/>
-              </a:spcAft>
-              <a:buNone/>
-            </a:pPr>
-            <a:r>
-              <a:rPr lang="es-ES" sz="1800">
-                <a:solidFill>
-                  <a:schemeClr val="dk1"/>
-                </a:solidFill>
-                <a:latin typeface="Calibri"/>
-                <a:ea typeface="Calibri"/>
-                <a:cs typeface="Calibri"/>
-                <a:sym typeface="Calibri"/>
-              </a:rPr>
-              <a:t>https://balsamiq.cloud/so6p1a7/p8zkyv4/r9DE6</a:t>
-            </a:r>
-            <a:endParaRPr/>
-          </a:p>
-        </p:txBody>
-      </p:sp>
-      <p:pic>
-        <p:nvPicPr>
-          <p:cNvPr id="267" name="Google Shape;267;p26"/>
-          <p:cNvPicPr preferRelativeResize="0"/>
-          <p:nvPr/>
-        </p:nvPicPr>
-        <p:blipFill rotWithShape="1">
-          <a:blip r:embed="rId4">
-            <a:alphaModFix/>
-          </a:blip>
-          <a:srcRect/>
-          <a:stretch/>
-        </p:blipFill>
-        <p:spPr>
-          <a:xfrm>
-            <a:off x="916175" y="1949189"/>
-            <a:ext cx="8764223" cy="4836017"/>
-          </a:xfrm>
-          <a:prstGeom prst="rect">
-            <a:avLst/>
-          </a:prstGeom>
-          <a:noFill/>
-          <a:ln>
-            <a:noFill/>
-          </a:ln>
-        </p:spPr>
-      </p:pic>
-    </p:spTree>
-  </p:cSld>
-  <p:clrMapOvr>
-    <a:masterClrMapping/>
-  </p:clrMapOvr>
-</p:sld>
-</file>
-
-<file path=ppt/slides/slide34.xml><?xml version="1.0" encoding="utf-8"?>
-<p:sld xmlns:a="http://schemas.openxmlformats.org/drawingml/2006/main" xmlns:r="http://schemas.openxmlformats.org/officeDocument/2006/relationships" xmlns:p="http://schemas.openxmlformats.org/presentationml/2006/main">
-  <p:cSld>
-    <p:bg>
-      <p:bgPr>
-        <a:blipFill>
-          <a:blip r:embed="rId3">
-            <a:alphaModFix/>
-          </a:blip>
-          <a:stretch>
-            <a:fillRect/>
-          </a:stretch>
-        </a:blipFill>
-        <a:effectLst/>
-      </p:bgPr>
-    </p:bg>
-    <p:spTree>
-      <p:nvGrpSpPr>
-        <p:cNvPr id="1" name="Shape 271"/>
-        <p:cNvGrpSpPr/>
-        <p:nvPr/>
-      </p:nvGrpSpPr>
-      <p:grpSpPr>
-        <a:xfrm>
-          <a:off x="0" y="0"/>
-          <a:ext cx="0" cy="0"/>
-          <a:chOff x="0" y="0"/>
-          <a:chExt cx="0" cy="0"/>
-        </a:xfrm>
-      </p:grpSpPr>
-      <p:pic>
-        <p:nvPicPr>
-          <p:cNvPr id="272" name="Google Shape;272;p27"/>
-          <p:cNvPicPr preferRelativeResize="0"/>
-          <p:nvPr/>
-        </p:nvPicPr>
-        <p:blipFill rotWithShape="1">
-          <a:blip r:embed="rId4">
-            <a:alphaModFix/>
-          </a:blip>
-          <a:srcRect/>
-          <a:stretch/>
-        </p:blipFill>
-        <p:spPr>
-          <a:xfrm>
-            <a:off x="1071844" y="4283221"/>
-            <a:ext cx="8583223" cy="771633"/>
-          </a:xfrm>
-          <a:prstGeom prst="rect">
-            <a:avLst/>
-          </a:prstGeom>
-          <a:noFill/>
-          <a:ln>
-            <a:noFill/>
-          </a:ln>
-        </p:spPr>
-      </p:pic>
-      <p:sp>
-        <p:nvSpPr>
-          <p:cNvPr id="273" name="Google Shape;273;p27"/>
-          <p:cNvSpPr txBox="1"/>
-          <p:nvPr/>
-        </p:nvSpPr>
-        <p:spPr>
-          <a:xfrm>
-            <a:off x="1120231" y="5226234"/>
-            <a:ext cx="6094602" cy="369332"/>
-          </a:xfrm>
-          <a:prstGeom prst="rect">
-            <a:avLst/>
-          </a:prstGeom>
-          <a:noFill/>
-          <a:ln>
-            <a:noFill/>
-          </a:ln>
-        </p:spPr>
-        <p:txBody>
-          <a:bodyPr spcFirstLastPara="1" wrap="square" lIns="91425" tIns="45700" rIns="91425" bIns="45700" anchor="t" anchorCtr="0">
-            <a:spAutoFit/>
-          </a:bodyPr>
-          <a:lstStyle/>
-          <a:p>
-            <a:pPr marL="0" marR="0" lvl="0" indent="0" algn="l" rtl="0">
-              <a:spcBef>
-                <a:spcPts val="0"/>
-              </a:spcBef>
-              <a:spcAft>
-                <a:spcPts val="0"/>
-              </a:spcAft>
-              <a:buNone/>
-            </a:pPr>
-            <a:r>
-              <a:rPr lang="es-ES" sz="1800">
-                <a:solidFill>
-                  <a:schemeClr val="dk1"/>
-                </a:solidFill>
-                <a:latin typeface="Calibri"/>
-                <a:ea typeface="Calibri"/>
-                <a:cs typeface="Calibri"/>
-                <a:sym typeface="Calibri"/>
-              </a:rPr>
-              <a:t>https://github.com/DavidV4iss/Master-Barber.git</a:t>
-            </a:r>
-            <a:endParaRPr/>
-          </a:p>
-        </p:txBody>
-      </p:sp>
-      <p:pic>
-        <p:nvPicPr>
-          <p:cNvPr id="274" name="Google Shape;274;p27"/>
-          <p:cNvPicPr preferRelativeResize="0"/>
-          <p:nvPr/>
-        </p:nvPicPr>
-        <p:blipFill rotWithShape="1">
-          <a:blip r:embed="rId5">
-            <a:alphaModFix/>
-          </a:blip>
-          <a:srcRect/>
-          <a:stretch/>
-        </p:blipFill>
-        <p:spPr>
-          <a:xfrm>
-            <a:off x="1071844" y="91636"/>
-            <a:ext cx="8583223" cy="4191585"/>
-          </a:xfrm>
-          <a:prstGeom prst="rect">
-            <a:avLst/>
-          </a:prstGeom>
-          <a:noFill/>
-          <a:ln>
-            <a:noFill/>
-          </a:ln>
-        </p:spPr>
-      </p:pic>
-    </p:spTree>
-  </p:cSld>
-  <p:clrMapOvr>
-    <a:masterClrMapping/>
-  </p:clrMapOvr>
-</p:sld>
-</file>
-
-<file path=ppt/slides/slide35.xml><?xml version="1.0" encoding="utf-8"?>
-<p:sld xmlns:a="http://schemas.openxmlformats.org/drawingml/2006/main" xmlns:r="http://schemas.openxmlformats.org/officeDocument/2006/relationships" xmlns:p="http://schemas.openxmlformats.org/presentationml/2006/main">
-  <p:cSld>
-    <p:bg>
-      <p:bgPr>
-        <a:blipFill>
-          <a:blip r:embed="rId3">
-            <a:alphaModFix/>
-          </a:blip>
-          <a:stretch>
-            <a:fillRect/>
-          </a:stretch>
-        </a:blipFill>
-        <a:effectLst/>
-      </p:bgPr>
-    </p:bg>
-    <p:spTree>
-      <p:nvGrpSpPr>
-        <p:cNvPr id="1" name="Shape 278"/>
-        <p:cNvGrpSpPr/>
-        <p:nvPr/>
-      </p:nvGrpSpPr>
-      <p:grpSpPr>
-        <a:xfrm>
-          <a:off x="0" y="0"/>
-          <a:ext cx="0" cy="0"/>
-          <a:chOff x="0" y="0"/>
-          <a:chExt cx="0" cy="0"/>
-        </a:xfrm>
-      </p:grpSpPr>
-      <p:sp>
-        <p:nvSpPr>
-          <p:cNvPr id="279" name="Google Shape;279;p28"/>
-          <p:cNvSpPr txBox="1"/>
-          <p:nvPr/>
-        </p:nvSpPr>
-        <p:spPr>
-          <a:xfrm>
-            <a:off x="626378" y="1357834"/>
-            <a:ext cx="8836404" cy="3970318"/>
-          </a:xfrm>
-          <a:prstGeom prst="rect">
-            <a:avLst/>
-          </a:prstGeom>
-          <a:noFill/>
-          <a:ln>
-            <a:noFill/>
-          </a:ln>
-        </p:spPr>
-        <p:txBody>
-          <a:bodyPr spcFirstLastPara="1" wrap="square" lIns="91425" tIns="45700" rIns="91425" bIns="45700" anchor="t" anchorCtr="0">
-            <a:spAutoFit/>
-          </a:bodyPr>
-          <a:lstStyle/>
-          <a:p>
-            <a:pPr marL="0" marR="0" lvl="0" indent="0" algn="l" rtl="0">
-              <a:spcBef>
-                <a:spcPts val="0"/>
-              </a:spcBef>
-              <a:spcAft>
-                <a:spcPts val="0"/>
-              </a:spcAft>
-              <a:buNone/>
-            </a:pPr>
-            <a:r>
-              <a:rPr lang="es-ES" sz="1800" b="1" dirty="0">
-                <a:solidFill>
-                  <a:schemeClr val="dk1"/>
-                </a:solidFill>
-                <a:latin typeface="Calibri"/>
-                <a:ea typeface="Calibri"/>
-                <a:cs typeface="Calibri"/>
-                <a:sym typeface="Calibri"/>
-              </a:rPr>
-              <a:t>Empresa: </a:t>
-            </a:r>
-            <a:r>
-              <a:rPr lang="es-ES" sz="1800" dirty="0">
-                <a:solidFill>
-                  <a:schemeClr val="dk1"/>
-                </a:solidFill>
-                <a:latin typeface="Calibri"/>
-                <a:ea typeface="Calibri"/>
-                <a:cs typeface="Calibri"/>
-                <a:sym typeface="Calibri"/>
-              </a:rPr>
-              <a:t>Master Barber (Barberia)</a:t>
-            </a:r>
-            <a:endParaRPr dirty="0"/>
-          </a:p>
-          <a:p>
-            <a:pPr marL="0" marR="0" lvl="0" indent="0" algn="l" rtl="0">
-              <a:spcBef>
-                <a:spcPts val="0"/>
-              </a:spcBef>
-              <a:spcAft>
-                <a:spcPts val="0"/>
-              </a:spcAft>
-              <a:buNone/>
-            </a:pPr>
-            <a:endParaRPr sz="1800" dirty="0">
-              <a:solidFill>
-                <a:schemeClr val="dk1"/>
-              </a:solidFill>
-              <a:latin typeface="Calibri"/>
-              <a:ea typeface="Calibri"/>
-              <a:cs typeface="Calibri"/>
-              <a:sym typeface="Calibri"/>
-            </a:endParaRPr>
-          </a:p>
-          <a:p>
-            <a:pPr marL="0" marR="0" lvl="0" indent="0" algn="l" rtl="0">
-              <a:spcBef>
-                <a:spcPts val="0"/>
-              </a:spcBef>
-              <a:spcAft>
-                <a:spcPts val="0"/>
-              </a:spcAft>
-              <a:buNone/>
-            </a:pPr>
-            <a:r>
-              <a:rPr lang="es-ES" sz="1800" b="1" dirty="0">
-                <a:solidFill>
-                  <a:schemeClr val="dk1"/>
-                </a:solidFill>
-                <a:latin typeface="Calibri"/>
-                <a:ea typeface="Calibri"/>
-                <a:cs typeface="Calibri"/>
-                <a:sym typeface="Calibri"/>
-              </a:rPr>
-              <a:t>Áreas las cuales serán apoyadas: </a:t>
-            </a:r>
-            <a:endParaRPr dirty="0"/>
-          </a:p>
-          <a:p>
-            <a:pPr marL="0" marR="0" lvl="0" indent="0" algn="l" rtl="0">
-              <a:spcBef>
-                <a:spcPts val="0"/>
-              </a:spcBef>
-              <a:spcAft>
-                <a:spcPts val="0"/>
-              </a:spcAft>
-              <a:buNone/>
-            </a:pPr>
-            <a:endParaRPr sz="1800" b="1" dirty="0">
-              <a:solidFill>
-                <a:schemeClr val="dk1"/>
-              </a:solidFill>
-              <a:latin typeface="Calibri"/>
-              <a:ea typeface="Calibri"/>
-              <a:cs typeface="Calibri"/>
-              <a:sym typeface="Calibri"/>
-            </a:endParaRPr>
-          </a:p>
-          <a:p>
-            <a:pPr marL="285750" marR="0" lvl="0" indent="-285750" algn="l" rtl="0">
-              <a:spcBef>
-                <a:spcPts val="0"/>
-              </a:spcBef>
-              <a:spcAft>
-                <a:spcPts val="0"/>
-              </a:spcAft>
-              <a:buClr>
-                <a:schemeClr val="dk1"/>
-              </a:buClr>
-              <a:buSzPts val="1800"/>
-              <a:buFont typeface="Arial"/>
-              <a:buChar char="•"/>
-            </a:pPr>
-            <a:r>
-              <a:rPr lang="es-ES" sz="1800" dirty="0">
-                <a:solidFill>
-                  <a:schemeClr val="dk1"/>
-                </a:solidFill>
-                <a:latin typeface="Calibri"/>
-                <a:ea typeface="Calibri"/>
-                <a:cs typeface="Calibri"/>
-                <a:sym typeface="Calibri"/>
-              </a:rPr>
-              <a:t>Gestión de inventario </a:t>
-            </a:r>
-            <a:endParaRPr dirty="0"/>
-          </a:p>
-          <a:p>
-            <a:pPr marL="285750" marR="0" lvl="0" indent="-285750" algn="l" rtl="0">
-              <a:spcBef>
-                <a:spcPts val="0"/>
-              </a:spcBef>
-              <a:spcAft>
-                <a:spcPts val="0"/>
-              </a:spcAft>
-              <a:buClr>
-                <a:schemeClr val="dk1"/>
-              </a:buClr>
-              <a:buSzPts val="1800"/>
-              <a:buFont typeface="Arial"/>
-              <a:buChar char="•"/>
-            </a:pPr>
-            <a:r>
-              <a:rPr lang="es-ES" sz="1800" dirty="0">
-                <a:solidFill>
-                  <a:schemeClr val="dk1"/>
-                </a:solidFill>
-                <a:latin typeface="Calibri"/>
-                <a:ea typeface="Calibri"/>
-                <a:cs typeface="Calibri"/>
-                <a:sym typeface="Calibri"/>
-              </a:rPr>
-              <a:t>Gestionar las reservas de turnos </a:t>
-            </a:r>
-            <a:endParaRPr dirty="0"/>
-          </a:p>
-          <a:p>
-            <a:pPr marL="285750" marR="0" lvl="0" indent="-285750" algn="l" rtl="0">
-              <a:spcBef>
-                <a:spcPts val="0"/>
-              </a:spcBef>
-              <a:spcAft>
-                <a:spcPts val="0"/>
-              </a:spcAft>
-              <a:buClr>
-                <a:schemeClr val="dk1"/>
-              </a:buClr>
-              <a:buSzPts val="1800"/>
-              <a:buFont typeface="Arial"/>
-              <a:buChar char="•"/>
-            </a:pPr>
-            <a:r>
-              <a:rPr lang="es-ES" sz="1800" dirty="0">
-                <a:solidFill>
-                  <a:schemeClr val="dk1"/>
-                </a:solidFill>
-                <a:latin typeface="Calibri"/>
-                <a:ea typeface="Calibri"/>
-                <a:cs typeface="Calibri"/>
-                <a:sym typeface="Calibri"/>
-              </a:rPr>
-              <a:t>Administrar ventas</a:t>
-            </a:r>
-            <a:endParaRPr dirty="0"/>
-          </a:p>
-          <a:p>
-            <a:pPr marL="0" marR="0" lvl="0" indent="0" algn="l" rtl="0">
-              <a:spcBef>
-                <a:spcPts val="0"/>
-              </a:spcBef>
-              <a:spcAft>
-                <a:spcPts val="0"/>
-              </a:spcAft>
-              <a:buNone/>
-            </a:pPr>
-            <a:endParaRPr sz="1800" dirty="0">
-              <a:solidFill>
-                <a:schemeClr val="dk1"/>
-              </a:solidFill>
-              <a:latin typeface="Calibri"/>
-              <a:ea typeface="Calibri"/>
-              <a:cs typeface="Calibri"/>
-              <a:sym typeface="Calibri"/>
-            </a:endParaRPr>
-          </a:p>
-          <a:p>
-            <a:pPr marL="0" marR="0" lvl="0" indent="0" algn="l" rtl="0">
-              <a:spcBef>
-                <a:spcPts val="0"/>
-              </a:spcBef>
-              <a:spcAft>
-                <a:spcPts val="0"/>
-              </a:spcAft>
-              <a:buNone/>
-            </a:pPr>
-            <a:r>
-              <a:rPr lang="es-ES" sz="1800" b="1" dirty="0">
-                <a:solidFill>
-                  <a:schemeClr val="dk1"/>
-                </a:solidFill>
-                <a:latin typeface="Calibri"/>
-                <a:ea typeface="Calibri"/>
-                <a:cs typeface="Calibri"/>
-                <a:sym typeface="Calibri"/>
-              </a:rPr>
-              <a:t>Funcionalidades principales del software:</a:t>
-            </a:r>
-            <a:r>
-              <a:rPr lang="es-ES" sz="1800" dirty="0">
-                <a:solidFill>
-                  <a:schemeClr val="dk1"/>
-                </a:solidFill>
-                <a:latin typeface="Calibri"/>
-                <a:ea typeface="Calibri"/>
-                <a:cs typeface="Calibri"/>
-                <a:sym typeface="Calibri"/>
-              </a:rPr>
-              <a:t> Poder ofrecer una variedad de funcionalidades que ayuden a mejorar la eficacia operativa y la experiencia del cliente</a:t>
-            </a:r>
-            <a:endParaRPr dirty="0"/>
-          </a:p>
-          <a:p>
-            <a:pPr marL="0" marR="0" lvl="0" indent="0" algn="l" rtl="0">
-              <a:spcBef>
-                <a:spcPts val="0"/>
-              </a:spcBef>
-              <a:spcAft>
-                <a:spcPts val="0"/>
-              </a:spcAft>
-              <a:buNone/>
-            </a:pPr>
-            <a:endParaRPr sz="1800" dirty="0">
-              <a:solidFill>
-                <a:schemeClr val="dk1"/>
-              </a:solidFill>
-              <a:latin typeface="Calibri"/>
-              <a:ea typeface="Calibri"/>
-              <a:cs typeface="Calibri"/>
-              <a:sym typeface="Calibri"/>
-            </a:endParaRPr>
-          </a:p>
-          <a:p>
-            <a:pPr marL="0" marR="0" lvl="0" indent="0" algn="l" rtl="0">
-              <a:spcBef>
-                <a:spcPts val="0"/>
-              </a:spcBef>
-              <a:spcAft>
-                <a:spcPts val="0"/>
-              </a:spcAft>
-              <a:buNone/>
-            </a:pPr>
-            <a:endParaRPr sz="1800" dirty="0">
-              <a:solidFill>
-                <a:schemeClr val="dk1"/>
-              </a:solidFill>
-              <a:latin typeface="Calibri"/>
-              <a:ea typeface="Calibri"/>
-              <a:cs typeface="Calibri"/>
-              <a:sym typeface="Calibri"/>
-            </a:endParaRPr>
-          </a:p>
-          <a:p>
-            <a:pPr marL="0" marR="0" lvl="0" indent="0" algn="l" rtl="0">
-              <a:spcBef>
-                <a:spcPts val="0"/>
-              </a:spcBef>
-              <a:spcAft>
-                <a:spcPts val="0"/>
-              </a:spcAft>
-              <a:buNone/>
-            </a:pPr>
-            <a:endParaRPr sz="1800" dirty="0">
-              <a:solidFill>
-                <a:schemeClr val="dk1"/>
-              </a:solidFill>
-              <a:latin typeface="Calibri"/>
-              <a:ea typeface="Calibri"/>
-              <a:cs typeface="Calibri"/>
-              <a:sym typeface="Calibri"/>
-            </a:endParaRPr>
-          </a:p>
-          <a:p>
-            <a:pPr marL="0" marR="0" lvl="0" indent="0" algn="l" rtl="0">
-              <a:spcBef>
-                <a:spcPts val="0"/>
-              </a:spcBef>
-              <a:spcAft>
-                <a:spcPts val="0"/>
-              </a:spcAft>
-              <a:buNone/>
-            </a:pPr>
-            <a:endParaRPr sz="1800" b="1" dirty="0">
-              <a:solidFill>
-                <a:schemeClr val="dk1"/>
-              </a:solidFill>
-              <a:latin typeface="Calibri"/>
-              <a:ea typeface="Calibri"/>
-              <a:cs typeface="Calibri"/>
-              <a:sym typeface="Calibri"/>
-            </a:endParaRPr>
+            <a:endParaRPr sz="1200" dirty="0"/>
           </a:p>
         </p:txBody>
       </p:sp>
     </p:spTree>
-  </p:cSld>
-  <p:clrMapOvr>
-    <a:masterClrMapping/>
-  </p:clrMapOvr>
-</p:sld>
-</file>
-
-<file path=ppt/slides/slide36.xml><?xml version="1.0" encoding="utf-8"?>
-<p:sld xmlns:a="http://schemas.openxmlformats.org/drawingml/2006/main" xmlns:r="http://schemas.openxmlformats.org/officeDocument/2006/relationships" xmlns:p="http://schemas.openxmlformats.org/presentationml/2006/main">
-  <p:cSld>
-    <p:bg>
-      <p:bgPr>
-        <a:blipFill>
-          <a:blip r:embed="rId3">
-            <a:alphaModFix/>
-          </a:blip>
-          <a:stretch>
-            <a:fillRect/>
-          </a:stretch>
-        </a:blipFill>
-        <a:effectLst/>
-      </p:bgPr>
-    </p:bg>
-    <p:spTree>
-      <p:nvGrpSpPr>
-        <p:cNvPr id="1" name="Shape 283"/>
-        <p:cNvGrpSpPr/>
-        <p:nvPr/>
-      </p:nvGrpSpPr>
-      <p:grpSpPr>
-        <a:xfrm>
-          <a:off x="0" y="0"/>
-          <a:ext cx="0" cy="0"/>
-          <a:chOff x="0" y="0"/>
-          <a:chExt cx="0" cy="0"/>
-        </a:xfrm>
-      </p:grpSpPr>
-    </p:spTree>
+    <p:extLst>
+      <p:ext uri="{BB962C8B-B14F-4D97-AF65-F5344CB8AC3E}">
+        <p14:creationId xmlns:p14="http://schemas.microsoft.com/office/powerpoint/2010/main" val="1116777330"/>
+      </p:ext>
+    </p:extLst>
   </p:cSld>
   <p:clrMapOvr>
     <a:masterClrMapping/>
@@ -25418,6 +19580,54 @@
           </a:prstGeom>
         </p:spPr>
       </p:pic>
+      <p:sp>
+        <p:nvSpPr>
+          <p:cNvPr id="2" name="Google Shape;108;p3">
+            <a:extLst>
+              <a:ext uri="{FF2B5EF4-FFF2-40B4-BE49-F238E27FC236}">
+                <a16:creationId xmlns:a16="http://schemas.microsoft.com/office/drawing/2014/main" id="{18414983-D658-7799-5792-FC44C5FCEE3F}"/>
+              </a:ext>
+            </a:extLst>
+          </p:cNvPr>
+          <p:cNvSpPr txBox="1"/>
+          <p:nvPr/>
+        </p:nvSpPr>
+        <p:spPr>
+          <a:xfrm>
+            <a:off x="1388253" y="5992741"/>
+            <a:ext cx="8980101" cy="461624"/>
+          </a:xfrm>
+          <a:prstGeom prst="rect">
+            <a:avLst/>
+          </a:prstGeom>
+          <a:noFill/>
+          <a:ln>
+            <a:noFill/>
+          </a:ln>
+        </p:spPr>
+        <p:txBody>
+          <a:bodyPr spcFirstLastPara="1" wrap="square" lIns="91425" tIns="45700" rIns="91425" bIns="45700" anchor="t" anchorCtr="0">
+            <a:spAutoFit/>
+          </a:bodyPr>
+          <a:lstStyle/>
+          <a:p>
+            <a:pPr marL="0" marR="0" lvl="0" indent="0" algn="l" rtl="0">
+              <a:spcBef>
+                <a:spcPts val="0"/>
+              </a:spcBef>
+              <a:spcAft>
+                <a:spcPts val="0"/>
+              </a:spcAft>
+              <a:buNone/>
+            </a:pPr>
+            <a:r>
+              <a:rPr lang="es-CO" sz="1200" dirty="0"/>
+              <a:t>https://docs.google.com/spreadsheets/d/1sZTaldbbA5I4UzzOe7Rr-udi0GbkzbGV/edit?usp=drive_link&amp;ouid=107603318303826641263&amp;rtpof=true&amp;sd=true</a:t>
+            </a:r>
+            <a:endParaRPr sz="1200" dirty="0"/>
+          </a:p>
+        </p:txBody>
+      </p:sp>
     </p:spTree>
   </p:cSld>
   <p:clrMapOvr>
